--- a/Dokumentation/SportfreundeRFH.pptx
+++ b/Dokumentation/SportfreundeRFH.pptx
@@ -9,16 +9,19 @@
     <p:sldId id="257" r:id="rId3"/>
     <p:sldId id="258" r:id="rId4"/>
     <p:sldId id="259" r:id="rId5"/>
-    <p:sldId id="260" r:id="rId6"/>
-    <p:sldId id="261" r:id="rId7"/>
-    <p:sldId id="262" r:id="rId8"/>
-    <p:sldId id="263" r:id="rId9"/>
-    <p:sldId id="265" r:id="rId10"/>
-    <p:sldId id="266" r:id="rId11"/>
-    <p:sldId id="264" r:id="rId12"/>
-    <p:sldId id="267" r:id="rId13"/>
-    <p:sldId id="268" r:id="rId14"/>
-    <p:sldId id="269" r:id="rId15"/>
+    <p:sldId id="262" r:id="rId6"/>
+    <p:sldId id="271" r:id="rId7"/>
+    <p:sldId id="261" r:id="rId8"/>
+    <p:sldId id="266" r:id="rId9"/>
+    <p:sldId id="264" r:id="rId10"/>
+    <p:sldId id="267" r:id="rId11"/>
+    <p:sldId id="273" r:id="rId12"/>
+    <p:sldId id="274" r:id="rId13"/>
+    <p:sldId id="272" r:id="rId14"/>
+    <p:sldId id="275" r:id="rId15"/>
+    <p:sldId id="269" r:id="rId16"/>
+    <p:sldId id="270" r:id="rId17"/>
+    <p:sldId id="276" r:id="rId18"/>
   </p:sldIdLst>
   <p:sldSz cx="9144000" cy="6858000" type="screen4x3"/>
   <p:notesSz cx="6858000" cy="9144000"/>
@@ -301,7 +304,7 @@
           <a:p>
             <a:fld id="{7F49D355-16BD-4E45-BD9A-5EA878CF7CBD}" type="datetimeFigureOut">
               <a:rPr lang="it-IT" smtClean="0"/>
-              <a:t>18/05/2015</a:t>
+              <a:t>20/05/2015</a:t>
             </a:fld>
             <a:endParaRPr lang="it-IT"/>
           </a:p>
@@ -466,7 +469,7 @@
           <a:p>
             <a:fld id="{7F49D355-16BD-4E45-BD9A-5EA878CF7CBD}" type="datetimeFigureOut">
               <a:rPr lang="it-IT" smtClean="0"/>
-              <a:t>18/05/2015</a:t>
+              <a:t>20/05/2015</a:t>
             </a:fld>
             <a:endParaRPr lang="it-IT"/>
           </a:p>
@@ -641,7 +644,7 @@
           <a:p>
             <a:fld id="{7F49D355-16BD-4E45-BD9A-5EA878CF7CBD}" type="datetimeFigureOut">
               <a:rPr lang="it-IT" smtClean="0"/>
-              <a:t>18/05/2015</a:t>
+              <a:t>20/05/2015</a:t>
             </a:fld>
             <a:endParaRPr lang="it-IT"/>
           </a:p>
@@ -806,7 +809,7 @@
           <a:p>
             <a:fld id="{7F49D355-16BD-4E45-BD9A-5EA878CF7CBD}" type="datetimeFigureOut">
               <a:rPr lang="it-IT" smtClean="0"/>
-              <a:t>18/05/2015</a:t>
+              <a:t>20/05/2015</a:t>
             </a:fld>
             <a:endParaRPr lang="it-IT"/>
           </a:p>
@@ -1047,7 +1050,7 @@
           <a:p>
             <a:fld id="{7F49D355-16BD-4E45-BD9A-5EA878CF7CBD}" type="datetimeFigureOut">
               <a:rPr lang="it-IT" smtClean="0"/>
-              <a:t>18/05/2015</a:t>
+              <a:t>20/05/2015</a:t>
             </a:fld>
             <a:endParaRPr lang="it-IT"/>
           </a:p>
@@ -1330,7 +1333,7 @@
           <a:p>
             <a:fld id="{7F49D355-16BD-4E45-BD9A-5EA878CF7CBD}" type="datetimeFigureOut">
               <a:rPr lang="it-IT" smtClean="0"/>
-              <a:t>18/05/2015</a:t>
+              <a:t>20/05/2015</a:t>
             </a:fld>
             <a:endParaRPr lang="it-IT"/>
           </a:p>
@@ -1747,7 +1750,7 @@
           <a:p>
             <a:fld id="{7F49D355-16BD-4E45-BD9A-5EA878CF7CBD}" type="datetimeFigureOut">
               <a:rPr lang="it-IT" smtClean="0"/>
-              <a:t>18/05/2015</a:t>
+              <a:t>20/05/2015</a:t>
             </a:fld>
             <a:endParaRPr lang="it-IT"/>
           </a:p>
@@ -1860,7 +1863,7 @@
           <a:p>
             <a:fld id="{7F49D355-16BD-4E45-BD9A-5EA878CF7CBD}" type="datetimeFigureOut">
               <a:rPr lang="it-IT" smtClean="0"/>
-              <a:t>18/05/2015</a:t>
+              <a:t>20/05/2015</a:t>
             </a:fld>
             <a:endParaRPr lang="it-IT"/>
           </a:p>
@@ -1950,7 +1953,7 @@
           <a:p>
             <a:fld id="{7F49D355-16BD-4E45-BD9A-5EA878CF7CBD}" type="datetimeFigureOut">
               <a:rPr lang="it-IT" smtClean="0"/>
-              <a:t>18/05/2015</a:t>
+              <a:t>20/05/2015</a:t>
             </a:fld>
             <a:endParaRPr lang="it-IT"/>
           </a:p>
@@ -2222,7 +2225,7 @@
           <a:p>
             <a:fld id="{7F49D355-16BD-4E45-BD9A-5EA878CF7CBD}" type="datetimeFigureOut">
               <a:rPr lang="it-IT" smtClean="0"/>
-              <a:t>18/05/2015</a:t>
+              <a:t>20/05/2015</a:t>
             </a:fld>
             <a:endParaRPr lang="it-IT"/>
           </a:p>
@@ -2470,7 +2473,7 @@
           <a:p>
             <a:fld id="{7F49D355-16BD-4E45-BD9A-5EA878CF7CBD}" type="datetimeFigureOut">
               <a:rPr lang="it-IT" smtClean="0"/>
-              <a:t>18/05/2015</a:t>
+              <a:t>20/05/2015</a:t>
             </a:fld>
             <a:endParaRPr lang="it-IT"/>
           </a:p>
@@ -2678,7 +2681,7 @@
           <a:p>
             <a:fld id="{7F49D355-16BD-4E45-BD9A-5EA878CF7CBD}" type="datetimeFigureOut">
               <a:rPr lang="it-IT" smtClean="0"/>
-              <a:t>18/05/2015</a:t>
+              <a:t>20/05/2015</a:t>
             </a:fld>
             <a:endParaRPr lang="it-IT"/>
           </a:p>
@@ -3147,7 +3150,11 @@
           <a:p>
             <a:r>
               <a:rPr lang="de-DE" dirty="0" smtClean="0"/>
-              <a:t>Webservice – Datenzugriff</a:t>
+              <a:t>Webclient-</a:t>
+            </a:r>
+            <a:r>
+              <a:rPr lang="de-DE" dirty="0" err="1" smtClean="0"/>
+              <a:t>Widgets</a:t>
             </a:r>
             <a:endParaRPr lang="en-GB" dirty="0"/>
           </a:p>
@@ -3165,28 +3172,109 @@
         </p:nvSpPr>
         <p:spPr/>
         <p:txBody>
-          <a:bodyPr/>
+          <a:bodyPr>
+            <a:normAutofit lnSpcReduction="10000"/>
+          </a:bodyPr>
           <a:lstStyle/>
           <a:p>
             <a:r>
               <a:rPr lang="de-DE" dirty="0" smtClean="0"/>
-              <a:t>Erfolgt über </a:t>
-            </a:r>
+              <a:t>Controller für spezielle Elemente der GUI</a:t>
+            </a:r>
+          </a:p>
+          <a:p>
+            <a:pPr lvl="1"/>
             <a:r>
               <a:rPr lang="de-DE" dirty="0" err="1" smtClean="0"/>
-              <a:t>MySQLi</a:t>
+              <a:t>Tracklist</a:t>
             </a:r>
             <a:r>
               <a:rPr lang="de-DE" dirty="0" smtClean="0"/>
-              <a:t> </a:t>
-            </a:r>
+              <a:t> -&gt; Listenansicht</a:t>
+            </a:r>
+            <a:endParaRPr lang="de-DE" dirty="0" smtClean="0"/>
+          </a:p>
+          <a:p>
+            <a:pPr lvl="1"/>
             <a:r>
               <a:rPr lang="de-DE" dirty="0" err="1" smtClean="0"/>
-              <a:t>Api</a:t>
+              <a:t>Trackdetails</a:t>
             </a:r>
             <a:r>
               <a:rPr lang="de-DE" dirty="0" smtClean="0"/>
-              <a:t> (Grafik?)</a:t>
+              <a:t> -&gt; Detailansicht</a:t>
+            </a:r>
+            <a:endParaRPr lang="de-DE" dirty="0" smtClean="0"/>
+          </a:p>
+          <a:p>
+            <a:pPr lvl="1"/>
+            <a:r>
+              <a:rPr lang="de-DE" dirty="0" err="1" smtClean="0"/>
+              <a:t>CreateDialog</a:t>
+            </a:r>
+            <a:r>
+              <a:rPr lang="de-DE" dirty="0" smtClean="0"/>
+              <a:t> -&gt; Dialogfenster zum Erstellen</a:t>
+            </a:r>
+            <a:endParaRPr lang="de-DE" dirty="0" smtClean="0"/>
+          </a:p>
+          <a:p>
+            <a:pPr lvl="1"/>
+            <a:r>
+              <a:rPr lang="de-DE" dirty="0" err="1" smtClean="0"/>
+              <a:t>EditDialog</a:t>
+            </a:r>
+            <a:r>
+              <a:rPr lang="de-DE" dirty="0" smtClean="0"/>
+              <a:t> -&gt; Dialogfenster zum Bearbeiten</a:t>
+            </a:r>
+            <a:endParaRPr lang="de-DE" dirty="0" smtClean="0"/>
+          </a:p>
+          <a:p>
+            <a:pPr lvl="1"/>
+            <a:r>
+              <a:rPr lang="de-DE" dirty="0" err="1" smtClean="0"/>
+              <a:t>DeleteDialog</a:t>
+            </a:r>
+            <a:r>
+              <a:rPr lang="de-DE" dirty="0" smtClean="0"/>
+              <a:t> -&gt;Dialogfenster zur Bestätigung</a:t>
+            </a:r>
+            <a:endParaRPr lang="de-DE" dirty="0" smtClean="0"/>
+          </a:p>
+          <a:p>
+            <a:pPr lvl="1"/>
+            <a:r>
+              <a:rPr lang="de-DE" dirty="0" err="1" smtClean="0"/>
+              <a:t>ErrorDialog</a:t>
+            </a:r>
+            <a:r>
+              <a:rPr lang="de-DE" dirty="0" smtClean="0"/>
+              <a:t>-&gt; Dialogfenster im Fehlerfall</a:t>
+            </a:r>
+            <a:endParaRPr lang="de-DE" dirty="0" smtClean="0"/>
+          </a:p>
+          <a:p>
+            <a:pPr lvl="1"/>
+            <a:r>
+              <a:rPr lang="de-DE" dirty="0" smtClean="0"/>
+              <a:t>Navigation -&gt; zur Navigation im Kopfbereich</a:t>
+            </a:r>
+            <a:endParaRPr lang="de-DE" dirty="0" smtClean="0"/>
+          </a:p>
+          <a:p>
+            <a:pPr lvl="1"/>
+            <a:r>
+              <a:rPr lang="de-DE" dirty="0" smtClean="0"/>
+              <a:t>Limitation -&gt; für das </a:t>
+            </a:r>
+            <a:r>
+              <a:rPr lang="de-DE" dirty="0" err="1" smtClean="0"/>
+              <a:t>Paging</a:t>
+            </a:r>
+            <a:r>
+              <a:rPr lang="de-DE" dirty="0" smtClean="0"/>
+              <a:t> der Liste</a:t>
             </a:r>
             <a:endParaRPr lang="en-GB" dirty="0"/>
           </a:p>
@@ -3195,7 +3283,7 @@
     </p:spTree>
     <p:extLst>
       <p:ext uri="{BB962C8B-B14F-4D97-AF65-F5344CB8AC3E}">
-        <p14:creationId xmlns:p14="http://schemas.microsoft.com/office/powerpoint/2010/main" val="4043707829"/>
+        <p14:creationId xmlns:p14="http://schemas.microsoft.com/office/powerpoint/2010/main" val="1267882555"/>
       </p:ext>
     </p:extLst>
   </p:cSld>
@@ -3238,83 +3326,946 @@
           <a:lstStyle/>
           <a:p>
             <a:r>
+              <a:rPr lang="de-DE" dirty="0"/>
+              <a:t>Webclient - </a:t>
+            </a:r>
+            <a:r>
+              <a:rPr lang="de-DE" dirty="0" err="1"/>
+              <a:t>Paging</a:t>
+            </a:r>
+            <a:endParaRPr lang="de-DE" dirty="0"/>
+          </a:p>
+        </p:txBody>
+      </p:sp>
+      <p:sp>
+        <p:nvSpPr>
+          <p:cNvPr id="3" name="Inhaltsplatzhalter 2"/>
+          <p:cNvSpPr>
+            <a:spLocks noGrp="1"/>
+          </p:cNvSpPr>
+          <p:nvPr>
+            <p:ph idx="1"/>
+          </p:nvPr>
+        </p:nvSpPr>
+        <p:spPr/>
+        <p:txBody>
+          <a:bodyPr>
+            <a:normAutofit fontScale="25000" lnSpcReduction="20000"/>
+          </a:bodyPr>
+          <a:lstStyle/>
+          <a:p>
+            <a:pPr marL="0" indent="0">
+              <a:buNone/>
+            </a:pPr>
+            <a:r>
+              <a:rPr lang="de-DE" sz="9600" b="1" dirty="0" err="1" smtClean="0"/>
+              <a:t>Widget</a:t>
+            </a:r>
+            <a:r>
+              <a:rPr lang="de-DE" sz="9600" b="1" dirty="0" smtClean="0"/>
+              <a:t> mit der Kontroll-Logik</a:t>
+            </a:r>
+          </a:p>
+          <a:p>
+            <a:pPr marL="0" indent="0">
+              <a:buNone/>
+            </a:pPr>
+            <a:endParaRPr lang="de-DE" dirty="0"/>
+          </a:p>
+          <a:p>
+            <a:pPr marL="0" indent="0">
+              <a:buNone/>
+            </a:pPr>
+            <a:r>
               <a:rPr lang="de-DE" dirty="0" smtClean="0"/>
-              <a:t>Webclient</a:t>
-            </a:r>
-            <a:endParaRPr lang="en-GB" dirty="0"/>
-          </a:p>
-        </p:txBody>
-      </p:sp>
-      <p:sp>
-        <p:nvSpPr>
-          <p:cNvPr id="3" name="Inhaltsplatzhalter 2"/>
-          <p:cNvSpPr>
-            <a:spLocks noGrp="1"/>
-          </p:cNvSpPr>
-          <p:nvPr>
-            <p:ph idx="1"/>
-          </p:nvPr>
-        </p:nvSpPr>
-        <p:spPr/>
-        <p:txBody>
-          <a:bodyPr/>
-          <a:lstStyle/>
-          <a:p>
-            <a:r>
-              <a:rPr lang="de-DE" dirty="0" smtClean="0"/>
-              <a:t>Application.js</a:t>
-            </a:r>
-          </a:p>
-          <a:p>
-            <a:pPr lvl="1"/>
-            <a:r>
-              <a:rPr lang="de-DE" dirty="0" smtClean="0"/>
-              <a:t>Instanziiert die </a:t>
-            </a:r>
-            <a:r>
-              <a:rPr lang="de-DE" dirty="0" err="1" smtClean="0"/>
-              <a:t>Widgets</a:t>
-            </a:r>
-            <a:endParaRPr lang="de-DE" dirty="0" smtClean="0"/>
-          </a:p>
-          <a:p>
-            <a:pPr lvl="1"/>
-            <a:endParaRPr lang="de-DE" dirty="0"/>
-          </a:p>
-          <a:p>
-            <a:r>
-              <a:rPr lang="de-DE" dirty="0" smtClean="0"/>
-              <a:t>View:</a:t>
-            </a:r>
-          </a:p>
-          <a:p>
-            <a:pPr lvl="1"/>
-            <a:r>
-              <a:rPr lang="de-DE" dirty="0" err="1" smtClean="0"/>
-              <a:t>Index.php</a:t>
-            </a:r>
-            <a:endParaRPr lang="de-DE" dirty="0" smtClean="0"/>
-          </a:p>
-          <a:p>
-            <a:pPr lvl="1"/>
-            <a:r>
-              <a:rPr lang="de-DE" dirty="0" smtClean="0"/>
-              <a:t>Style.css</a:t>
-            </a:r>
-            <a:endParaRPr lang="en-GB" dirty="0"/>
+              <a:t>$.</a:t>
+            </a:r>
+            <a:r>
+              <a:rPr lang="de-DE" dirty="0" err="1"/>
+              <a:t>widget</a:t>
+            </a:r>
+            <a:r>
+              <a:rPr lang="de-DE" dirty="0"/>
+              <a:t>("</a:t>
+            </a:r>
+            <a:r>
+              <a:rPr lang="de-DE" dirty="0" err="1"/>
+              <a:t>track.listLimit</a:t>
+            </a:r>
+            <a:r>
+              <a:rPr lang="de-DE" dirty="0"/>
+              <a:t>", {</a:t>
+            </a:r>
+          </a:p>
+          <a:p>
+            <a:pPr marL="0" indent="0">
+              <a:buNone/>
+            </a:pPr>
+            <a:r>
+              <a:rPr lang="de-DE" dirty="0"/>
+              <a:t>	_</a:t>
+            </a:r>
+            <a:r>
+              <a:rPr lang="de-DE" dirty="0" err="1"/>
+              <a:t>create</a:t>
+            </a:r>
+            <a:r>
+              <a:rPr lang="de-DE" dirty="0"/>
+              <a:t>: </a:t>
+            </a:r>
+            <a:r>
+              <a:rPr lang="de-DE" dirty="0" err="1"/>
+              <a:t>function</a:t>
+            </a:r>
+            <a:r>
+              <a:rPr lang="de-DE" dirty="0"/>
+              <a:t>(){</a:t>
+            </a:r>
+          </a:p>
+          <a:p>
+            <a:pPr marL="0" indent="0">
+              <a:buNone/>
+            </a:pPr>
+            <a:r>
+              <a:rPr lang="de-DE" dirty="0"/>
+              <a:t>		</a:t>
+            </a:r>
+            <a:r>
+              <a:rPr lang="de-DE" dirty="0" err="1"/>
+              <a:t>var</a:t>
+            </a:r>
+            <a:r>
+              <a:rPr lang="de-DE" dirty="0"/>
+              <a:t> </a:t>
+            </a:r>
+            <a:r>
+              <a:rPr lang="de-DE" dirty="0" err="1"/>
+              <a:t>that</a:t>
+            </a:r>
+            <a:r>
+              <a:rPr lang="de-DE" dirty="0"/>
+              <a:t> = </a:t>
+            </a:r>
+            <a:r>
+              <a:rPr lang="de-DE" dirty="0" err="1"/>
+              <a:t>this</a:t>
+            </a:r>
+            <a:r>
+              <a:rPr lang="de-DE" dirty="0"/>
+              <a:t>;</a:t>
+            </a:r>
+          </a:p>
+          <a:p>
+            <a:pPr marL="0" indent="0">
+              <a:buNone/>
+            </a:pPr>
+            <a:r>
+              <a:rPr lang="de-DE" dirty="0"/>
+              <a:t>		</a:t>
+            </a:r>
+          </a:p>
+          <a:p>
+            <a:pPr marL="0" indent="0">
+              <a:buNone/>
+            </a:pPr>
+            <a:r>
+              <a:rPr lang="de-DE" dirty="0"/>
+              <a:t>		</a:t>
+            </a:r>
+            <a:r>
+              <a:rPr lang="de-DE" dirty="0" err="1"/>
+              <a:t>this.element.find</a:t>
+            </a:r>
+            <a:r>
+              <a:rPr lang="de-DE" dirty="0"/>
+              <a:t>(".</a:t>
+            </a:r>
+            <a:r>
+              <a:rPr lang="de-DE" dirty="0" err="1"/>
+              <a:t>ten</a:t>
+            </a:r>
+            <a:r>
+              <a:rPr lang="de-DE" dirty="0"/>
+              <a:t>").</a:t>
+            </a:r>
+            <a:r>
+              <a:rPr lang="de-DE" dirty="0" err="1"/>
+              <a:t>click</a:t>
+            </a:r>
+            <a:r>
+              <a:rPr lang="de-DE" dirty="0"/>
+              <a:t>(</a:t>
+            </a:r>
+            <a:r>
+              <a:rPr lang="de-DE" dirty="0" err="1"/>
+              <a:t>function</a:t>
+            </a:r>
+            <a:r>
+              <a:rPr lang="de-DE" dirty="0"/>
+              <a:t>(){</a:t>
+            </a:r>
+          </a:p>
+          <a:p>
+            <a:pPr marL="0" indent="0">
+              <a:buNone/>
+            </a:pPr>
+            <a:r>
+              <a:rPr lang="de-DE" dirty="0"/>
+              <a:t>			</a:t>
+            </a:r>
+            <a:r>
+              <a:rPr lang="de-DE" dirty="0" err="1"/>
+              <a:t>that</a:t>
+            </a:r>
+            <a:r>
+              <a:rPr lang="de-DE" dirty="0"/>
+              <a:t>._</a:t>
+            </a:r>
+            <a:r>
+              <a:rPr lang="de-DE" dirty="0" err="1"/>
+              <a:t>trigger</a:t>
+            </a:r>
+            <a:r>
+              <a:rPr lang="de-DE" dirty="0"/>
+              <a:t>("</a:t>
+            </a:r>
+            <a:r>
+              <a:rPr lang="de-DE" dirty="0" err="1"/>
+              <a:t>onTenClicked</a:t>
+            </a:r>
+            <a:r>
+              <a:rPr lang="de-DE" dirty="0"/>
+              <a:t>");</a:t>
+            </a:r>
+          </a:p>
+          <a:p>
+            <a:pPr marL="0" indent="0">
+              <a:buNone/>
+            </a:pPr>
+            <a:r>
+              <a:rPr lang="de-DE" dirty="0"/>
+              <a:t>			</a:t>
+            </a:r>
+            <a:r>
+              <a:rPr lang="de-DE" dirty="0" err="1"/>
+              <a:t>return</a:t>
+            </a:r>
+            <a:r>
+              <a:rPr lang="de-DE" dirty="0"/>
+              <a:t> </a:t>
+            </a:r>
+            <a:r>
+              <a:rPr lang="de-DE" dirty="0" err="1"/>
+              <a:t>false</a:t>
+            </a:r>
+            <a:r>
+              <a:rPr lang="de-DE" dirty="0"/>
+              <a:t>;</a:t>
+            </a:r>
+          </a:p>
+          <a:p>
+            <a:pPr marL="0" indent="0">
+              <a:buNone/>
+            </a:pPr>
+            <a:r>
+              <a:rPr lang="de-DE" dirty="0"/>
+              <a:t>		});</a:t>
+            </a:r>
+          </a:p>
+          <a:p>
+            <a:pPr marL="0" indent="0">
+              <a:buNone/>
+            </a:pPr>
+            <a:r>
+              <a:rPr lang="de-DE" dirty="0"/>
+              <a:t>		</a:t>
+            </a:r>
+            <a:r>
+              <a:rPr lang="de-DE" dirty="0" err="1"/>
+              <a:t>this.element.find</a:t>
+            </a:r>
+            <a:r>
+              <a:rPr lang="de-DE" dirty="0"/>
+              <a:t>(".</a:t>
+            </a:r>
+            <a:r>
+              <a:rPr lang="de-DE" dirty="0" err="1"/>
+              <a:t>twenty</a:t>
+            </a:r>
+            <a:r>
+              <a:rPr lang="de-DE" dirty="0"/>
+              <a:t>").</a:t>
+            </a:r>
+            <a:r>
+              <a:rPr lang="de-DE" dirty="0" err="1"/>
+              <a:t>click</a:t>
+            </a:r>
+            <a:r>
+              <a:rPr lang="de-DE" dirty="0"/>
+              <a:t>(</a:t>
+            </a:r>
+            <a:r>
+              <a:rPr lang="de-DE" dirty="0" err="1"/>
+              <a:t>function</a:t>
+            </a:r>
+            <a:r>
+              <a:rPr lang="de-DE" dirty="0"/>
+              <a:t>(){</a:t>
+            </a:r>
+          </a:p>
+          <a:p>
+            <a:pPr marL="0" indent="0">
+              <a:buNone/>
+            </a:pPr>
+            <a:r>
+              <a:rPr lang="de-DE" dirty="0"/>
+              <a:t>			</a:t>
+            </a:r>
+            <a:r>
+              <a:rPr lang="de-DE" dirty="0" err="1"/>
+              <a:t>that</a:t>
+            </a:r>
+            <a:r>
+              <a:rPr lang="de-DE" dirty="0"/>
+              <a:t>._</a:t>
+            </a:r>
+            <a:r>
+              <a:rPr lang="de-DE" dirty="0" err="1"/>
+              <a:t>trigger</a:t>
+            </a:r>
+            <a:r>
+              <a:rPr lang="de-DE" dirty="0"/>
+              <a:t>("</a:t>
+            </a:r>
+            <a:r>
+              <a:rPr lang="de-DE" dirty="0" err="1"/>
+              <a:t>onTwentyClicked</a:t>
+            </a:r>
+            <a:r>
+              <a:rPr lang="de-DE" dirty="0"/>
+              <a:t>");</a:t>
+            </a:r>
+          </a:p>
+          <a:p>
+            <a:pPr marL="0" indent="0">
+              <a:buNone/>
+            </a:pPr>
+            <a:r>
+              <a:rPr lang="de-DE" dirty="0"/>
+              <a:t>			</a:t>
+            </a:r>
+            <a:r>
+              <a:rPr lang="de-DE" dirty="0" err="1"/>
+              <a:t>return</a:t>
+            </a:r>
+            <a:r>
+              <a:rPr lang="de-DE" dirty="0"/>
+              <a:t> </a:t>
+            </a:r>
+            <a:r>
+              <a:rPr lang="de-DE" dirty="0" err="1"/>
+              <a:t>false</a:t>
+            </a:r>
+            <a:r>
+              <a:rPr lang="de-DE" dirty="0"/>
+              <a:t>;</a:t>
+            </a:r>
+          </a:p>
+          <a:p>
+            <a:pPr marL="0" indent="0">
+              <a:buNone/>
+            </a:pPr>
+            <a:r>
+              <a:rPr lang="de-DE" dirty="0"/>
+              <a:t>		});</a:t>
+            </a:r>
+          </a:p>
+          <a:p>
+            <a:pPr marL="0" indent="0">
+              <a:buNone/>
+            </a:pPr>
+            <a:r>
+              <a:rPr lang="de-DE" dirty="0"/>
+              <a:t>		</a:t>
+            </a:r>
+            <a:r>
+              <a:rPr lang="de-DE" dirty="0" err="1"/>
+              <a:t>this.element.find</a:t>
+            </a:r>
+            <a:r>
+              <a:rPr lang="de-DE" dirty="0"/>
+              <a:t>(".</a:t>
+            </a:r>
+            <a:r>
+              <a:rPr lang="de-DE" dirty="0" err="1"/>
+              <a:t>thirty</a:t>
+            </a:r>
+            <a:r>
+              <a:rPr lang="de-DE" dirty="0"/>
+              <a:t>").</a:t>
+            </a:r>
+            <a:r>
+              <a:rPr lang="de-DE" dirty="0" err="1"/>
+              <a:t>click</a:t>
+            </a:r>
+            <a:r>
+              <a:rPr lang="de-DE" dirty="0"/>
+              <a:t>(</a:t>
+            </a:r>
+            <a:r>
+              <a:rPr lang="de-DE" dirty="0" err="1"/>
+              <a:t>function</a:t>
+            </a:r>
+            <a:r>
+              <a:rPr lang="de-DE" dirty="0"/>
+              <a:t>(){</a:t>
+            </a:r>
+          </a:p>
+          <a:p>
+            <a:pPr marL="0" indent="0">
+              <a:buNone/>
+            </a:pPr>
+            <a:r>
+              <a:rPr lang="de-DE" dirty="0"/>
+              <a:t>			</a:t>
+            </a:r>
+            <a:r>
+              <a:rPr lang="de-DE" dirty="0" err="1"/>
+              <a:t>that</a:t>
+            </a:r>
+            <a:r>
+              <a:rPr lang="de-DE" dirty="0"/>
+              <a:t>._</a:t>
+            </a:r>
+            <a:r>
+              <a:rPr lang="de-DE" dirty="0" err="1"/>
+              <a:t>trigger</a:t>
+            </a:r>
+            <a:r>
+              <a:rPr lang="de-DE" dirty="0"/>
+              <a:t>("</a:t>
+            </a:r>
+            <a:r>
+              <a:rPr lang="de-DE" dirty="0" err="1"/>
+              <a:t>onThirtyClicked</a:t>
+            </a:r>
+            <a:r>
+              <a:rPr lang="de-DE" dirty="0"/>
+              <a:t>");</a:t>
+            </a:r>
+          </a:p>
+          <a:p>
+            <a:pPr marL="0" indent="0">
+              <a:buNone/>
+            </a:pPr>
+            <a:r>
+              <a:rPr lang="de-DE" dirty="0"/>
+              <a:t>			</a:t>
+            </a:r>
+            <a:r>
+              <a:rPr lang="de-DE" dirty="0" err="1"/>
+              <a:t>return</a:t>
+            </a:r>
+            <a:r>
+              <a:rPr lang="de-DE" dirty="0"/>
+              <a:t> </a:t>
+            </a:r>
+            <a:r>
+              <a:rPr lang="de-DE" dirty="0" err="1"/>
+              <a:t>false</a:t>
+            </a:r>
+            <a:r>
+              <a:rPr lang="de-DE" dirty="0"/>
+              <a:t>;</a:t>
+            </a:r>
+          </a:p>
+          <a:p>
+            <a:pPr marL="0" indent="0">
+              <a:buNone/>
+            </a:pPr>
+            <a:r>
+              <a:rPr lang="de-DE" dirty="0"/>
+              <a:t>		});</a:t>
+            </a:r>
+          </a:p>
+          <a:p>
+            <a:pPr marL="0" indent="0">
+              <a:buNone/>
+            </a:pPr>
+            <a:r>
+              <a:rPr lang="de-DE" dirty="0"/>
+              <a:t>		</a:t>
+            </a:r>
+            <a:r>
+              <a:rPr lang="de-DE" dirty="0" err="1"/>
+              <a:t>this.element.find</a:t>
+            </a:r>
+            <a:r>
+              <a:rPr lang="de-DE" dirty="0"/>
+              <a:t>(".</a:t>
+            </a:r>
+            <a:r>
+              <a:rPr lang="de-DE" dirty="0" err="1"/>
+              <a:t>fifty</a:t>
+            </a:r>
+            <a:r>
+              <a:rPr lang="de-DE" dirty="0"/>
+              <a:t>").</a:t>
+            </a:r>
+            <a:r>
+              <a:rPr lang="de-DE" dirty="0" err="1"/>
+              <a:t>click</a:t>
+            </a:r>
+            <a:r>
+              <a:rPr lang="de-DE" dirty="0"/>
+              <a:t>(</a:t>
+            </a:r>
+            <a:r>
+              <a:rPr lang="de-DE" dirty="0" err="1"/>
+              <a:t>function</a:t>
+            </a:r>
+            <a:r>
+              <a:rPr lang="de-DE" dirty="0"/>
+              <a:t>(){</a:t>
+            </a:r>
+          </a:p>
+          <a:p>
+            <a:pPr marL="0" indent="0">
+              <a:buNone/>
+            </a:pPr>
+            <a:r>
+              <a:rPr lang="de-DE" dirty="0"/>
+              <a:t>			</a:t>
+            </a:r>
+            <a:r>
+              <a:rPr lang="de-DE" dirty="0" err="1"/>
+              <a:t>that</a:t>
+            </a:r>
+            <a:r>
+              <a:rPr lang="de-DE" dirty="0"/>
+              <a:t>._</a:t>
+            </a:r>
+            <a:r>
+              <a:rPr lang="de-DE" dirty="0" err="1"/>
+              <a:t>trigger</a:t>
+            </a:r>
+            <a:r>
+              <a:rPr lang="de-DE" dirty="0"/>
+              <a:t>("</a:t>
+            </a:r>
+            <a:r>
+              <a:rPr lang="de-DE" dirty="0" err="1"/>
+              <a:t>onFiftyClicked</a:t>
+            </a:r>
+            <a:r>
+              <a:rPr lang="de-DE" dirty="0"/>
+              <a:t>");</a:t>
+            </a:r>
+          </a:p>
+          <a:p>
+            <a:pPr marL="0" indent="0">
+              <a:buNone/>
+            </a:pPr>
+            <a:r>
+              <a:rPr lang="de-DE" dirty="0"/>
+              <a:t>			</a:t>
+            </a:r>
+            <a:r>
+              <a:rPr lang="de-DE" dirty="0" err="1"/>
+              <a:t>return</a:t>
+            </a:r>
+            <a:r>
+              <a:rPr lang="de-DE" dirty="0"/>
+              <a:t> </a:t>
+            </a:r>
+            <a:r>
+              <a:rPr lang="de-DE" dirty="0" err="1"/>
+              <a:t>false</a:t>
+            </a:r>
+            <a:r>
+              <a:rPr lang="de-DE" dirty="0"/>
+              <a:t>;</a:t>
+            </a:r>
+          </a:p>
+          <a:p>
+            <a:pPr marL="0" indent="0">
+              <a:buNone/>
+            </a:pPr>
+            <a:r>
+              <a:rPr lang="de-DE" dirty="0"/>
+              <a:t>		});</a:t>
+            </a:r>
+          </a:p>
+          <a:p>
+            <a:pPr marL="0" indent="0">
+              <a:buNone/>
+            </a:pPr>
+            <a:r>
+              <a:rPr lang="de-DE" dirty="0"/>
+              <a:t>		</a:t>
+            </a:r>
+            <a:r>
+              <a:rPr lang="de-DE" dirty="0" err="1"/>
+              <a:t>this.element.find</a:t>
+            </a:r>
+            <a:r>
+              <a:rPr lang="de-DE" dirty="0"/>
+              <a:t>(".</a:t>
+            </a:r>
+            <a:r>
+              <a:rPr lang="de-DE" dirty="0" err="1"/>
+              <a:t>hundred</a:t>
+            </a:r>
+            <a:r>
+              <a:rPr lang="de-DE" dirty="0"/>
+              <a:t>").</a:t>
+            </a:r>
+            <a:r>
+              <a:rPr lang="de-DE" dirty="0" err="1"/>
+              <a:t>click</a:t>
+            </a:r>
+            <a:r>
+              <a:rPr lang="de-DE" dirty="0"/>
+              <a:t>(</a:t>
+            </a:r>
+            <a:r>
+              <a:rPr lang="de-DE" dirty="0" err="1"/>
+              <a:t>function</a:t>
+            </a:r>
+            <a:r>
+              <a:rPr lang="de-DE" dirty="0"/>
+              <a:t>(){</a:t>
+            </a:r>
+          </a:p>
+          <a:p>
+            <a:pPr marL="0" indent="0">
+              <a:buNone/>
+            </a:pPr>
+            <a:r>
+              <a:rPr lang="de-DE" dirty="0"/>
+              <a:t>			</a:t>
+            </a:r>
+            <a:r>
+              <a:rPr lang="de-DE" dirty="0" err="1"/>
+              <a:t>that</a:t>
+            </a:r>
+            <a:r>
+              <a:rPr lang="de-DE" dirty="0"/>
+              <a:t>._</a:t>
+            </a:r>
+            <a:r>
+              <a:rPr lang="de-DE" dirty="0" err="1"/>
+              <a:t>trigger</a:t>
+            </a:r>
+            <a:r>
+              <a:rPr lang="de-DE" dirty="0"/>
+              <a:t>("</a:t>
+            </a:r>
+            <a:r>
+              <a:rPr lang="de-DE" dirty="0" err="1"/>
+              <a:t>onHundredClicked</a:t>
+            </a:r>
+            <a:r>
+              <a:rPr lang="de-DE" dirty="0"/>
+              <a:t>");</a:t>
+            </a:r>
+          </a:p>
+          <a:p>
+            <a:pPr marL="0" indent="0">
+              <a:buNone/>
+            </a:pPr>
+            <a:r>
+              <a:rPr lang="de-DE" dirty="0"/>
+              <a:t>			</a:t>
+            </a:r>
+            <a:r>
+              <a:rPr lang="de-DE" dirty="0" err="1"/>
+              <a:t>return</a:t>
+            </a:r>
+            <a:r>
+              <a:rPr lang="de-DE" dirty="0"/>
+              <a:t> </a:t>
+            </a:r>
+            <a:r>
+              <a:rPr lang="de-DE" dirty="0" err="1"/>
+              <a:t>false</a:t>
+            </a:r>
+            <a:r>
+              <a:rPr lang="de-DE" dirty="0"/>
+              <a:t>;</a:t>
+            </a:r>
+          </a:p>
+          <a:p>
+            <a:pPr marL="0" indent="0">
+              <a:buNone/>
+            </a:pPr>
+            <a:r>
+              <a:rPr lang="de-DE" dirty="0"/>
+              <a:t>		});</a:t>
+            </a:r>
+          </a:p>
+          <a:p>
+            <a:pPr marL="0" indent="0">
+              <a:buNone/>
+            </a:pPr>
+            <a:r>
+              <a:rPr lang="de-DE" dirty="0"/>
+              <a:t>		</a:t>
+            </a:r>
+            <a:r>
+              <a:rPr lang="de-DE" dirty="0" err="1"/>
+              <a:t>this.element.find</a:t>
+            </a:r>
+            <a:r>
+              <a:rPr lang="de-DE" dirty="0"/>
+              <a:t>(".</a:t>
+            </a:r>
+            <a:r>
+              <a:rPr lang="de-DE" dirty="0" err="1"/>
+              <a:t>left_arrow</a:t>
+            </a:r>
+            <a:r>
+              <a:rPr lang="de-DE" dirty="0"/>
+              <a:t>").</a:t>
+            </a:r>
+            <a:r>
+              <a:rPr lang="de-DE" dirty="0" err="1"/>
+              <a:t>click</a:t>
+            </a:r>
+            <a:r>
+              <a:rPr lang="de-DE" dirty="0"/>
+              <a:t>(</a:t>
+            </a:r>
+            <a:r>
+              <a:rPr lang="de-DE" dirty="0" err="1"/>
+              <a:t>function</a:t>
+            </a:r>
+            <a:r>
+              <a:rPr lang="de-DE" dirty="0"/>
+              <a:t>(){</a:t>
+            </a:r>
+          </a:p>
+          <a:p>
+            <a:pPr marL="0" indent="0">
+              <a:buNone/>
+            </a:pPr>
+            <a:r>
+              <a:rPr lang="de-DE" dirty="0"/>
+              <a:t>			</a:t>
+            </a:r>
+            <a:r>
+              <a:rPr lang="de-DE" dirty="0" err="1"/>
+              <a:t>that</a:t>
+            </a:r>
+            <a:r>
+              <a:rPr lang="de-DE" dirty="0"/>
+              <a:t>._</a:t>
+            </a:r>
+            <a:r>
+              <a:rPr lang="de-DE" dirty="0" err="1"/>
+              <a:t>trigger</a:t>
+            </a:r>
+            <a:r>
+              <a:rPr lang="de-DE" dirty="0"/>
+              <a:t>("</a:t>
+            </a:r>
+            <a:r>
+              <a:rPr lang="de-DE" dirty="0" err="1"/>
+              <a:t>onLeftArrowClicked</a:t>
+            </a:r>
+            <a:r>
+              <a:rPr lang="de-DE" dirty="0"/>
+              <a:t>");</a:t>
+            </a:r>
+          </a:p>
+          <a:p>
+            <a:pPr marL="0" indent="0">
+              <a:buNone/>
+            </a:pPr>
+            <a:r>
+              <a:rPr lang="de-DE" dirty="0"/>
+              <a:t>			</a:t>
+            </a:r>
+            <a:r>
+              <a:rPr lang="de-DE" dirty="0" err="1"/>
+              <a:t>return</a:t>
+            </a:r>
+            <a:r>
+              <a:rPr lang="de-DE" dirty="0"/>
+              <a:t> </a:t>
+            </a:r>
+            <a:r>
+              <a:rPr lang="de-DE" dirty="0" err="1"/>
+              <a:t>false</a:t>
+            </a:r>
+            <a:r>
+              <a:rPr lang="de-DE" dirty="0"/>
+              <a:t>;</a:t>
+            </a:r>
+          </a:p>
+          <a:p>
+            <a:pPr marL="0" indent="0">
+              <a:buNone/>
+            </a:pPr>
+            <a:r>
+              <a:rPr lang="de-DE" dirty="0"/>
+              <a:t>		});</a:t>
+            </a:r>
+          </a:p>
+          <a:p>
+            <a:pPr marL="0" indent="0">
+              <a:buNone/>
+            </a:pPr>
+            <a:r>
+              <a:rPr lang="de-DE" dirty="0"/>
+              <a:t>		</a:t>
+            </a:r>
+            <a:r>
+              <a:rPr lang="de-DE" dirty="0" err="1"/>
+              <a:t>this.element.find</a:t>
+            </a:r>
+            <a:r>
+              <a:rPr lang="de-DE" dirty="0"/>
+              <a:t>(".</a:t>
+            </a:r>
+            <a:r>
+              <a:rPr lang="de-DE" dirty="0" err="1"/>
+              <a:t>right_arrow</a:t>
+            </a:r>
+            <a:r>
+              <a:rPr lang="de-DE" dirty="0"/>
+              <a:t>").</a:t>
+            </a:r>
+            <a:r>
+              <a:rPr lang="de-DE" dirty="0" err="1"/>
+              <a:t>click</a:t>
+            </a:r>
+            <a:r>
+              <a:rPr lang="de-DE" dirty="0"/>
+              <a:t>(</a:t>
+            </a:r>
+            <a:r>
+              <a:rPr lang="de-DE" dirty="0" err="1"/>
+              <a:t>function</a:t>
+            </a:r>
+            <a:r>
+              <a:rPr lang="de-DE" dirty="0"/>
+              <a:t>(){</a:t>
+            </a:r>
+          </a:p>
+          <a:p>
+            <a:pPr marL="0" indent="0">
+              <a:buNone/>
+            </a:pPr>
+            <a:r>
+              <a:rPr lang="de-DE" dirty="0"/>
+              <a:t>			</a:t>
+            </a:r>
+            <a:r>
+              <a:rPr lang="de-DE" dirty="0" err="1"/>
+              <a:t>that</a:t>
+            </a:r>
+            <a:r>
+              <a:rPr lang="de-DE" dirty="0"/>
+              <a:t>._</a:t>
+            </a:r>
+            <a:r>
+              <a:rPr lang="de-DE" dirty="0" err="1"/>
+              <a:t>trigger</a:t>
+            </a:r>
+            <a:r>
+              <a:rPr lang="de-DE" dirty="0"/>
+              <a:t>("</a:t>
+            </a:r>
+            <a:r>
+              <a:rPr lang="de-DE" dirty="0" err="1"/>
+              <a:t>onRightArrowClicked</a:t>
+            </a:r>
+            <a:r>
+              <a:rPr lang="de-DE" dirty="0"/>
+              <a:t>");</a:t>
+            </a:r>
+          </a:p>
+          <a:p>
+            <a:pPr marL="0" indent="0">
+              <a:buNone/>
+            </a:pPr>
+            <a:r>
+              <a:rPr lang="de-DE" dirty="0"/>
+              <a:t>			</a:t>
+            </a:r>
+            <a:r>
+              <a:rPr lang="de-DE" dirty="0" err="1"/>
+              <a:t>return</a:t>
+            </a:r>
+            <a:r>
+              <a:rPr lang="de-DE" dirty="0"/>
+              <a:t> </a:t>
+            </a:r>
+            <a:r>
+              <a:rPr lang="de-DE" dirty="0" err="1"/>
+              <a:t>false</a:t>
+            </a:r>
+            <a:r>
+              <a:rPr lang="de-DE" dirty="0"/>
+              <a:t>;</a:t>
+            </a:r>
+          </a:p>
+          <a:p>
+            <a:pPr marL="0" indent="0">
+              <a:buNone/>
+            </a:pPr>
+            <a:r>
+              <a:rPr lang="de-DE" dirty="0"/>
+              <a:t>		});</a:t>
+            </a:r>
+          </a:p>
+          <a:p>
+            <a:pPr marL="0" indent="0">
+              <a:buNone/>
+            </a:pPr>
+            <a:r>
+              <a:rPr lang="de-DE" dirty="0"/>
+              <a:t>	}</a:t>
+            </a:r>
+          </a:p>
+          <a:p>
+            <a:pPr marL="0" indent="0">
+              <a:buNone/>
+            </a:pPr>
+            <a:r>
+              <a:rPr lang="de-DE" dirty="0"/>
+              <a:t>	</a:t>
+            </a:r>
+          </a:p>
+          <a:p>
+            <a:pPr marL="0" indent="0">
+              <a:buNone/>
+            </a:pPr>
+            <a:r>
+              <a:rPr lang="de-DE" dirty="0"/>
+              <a:t>});</a:t>
+            </a:r>
           </a:p>
         </p:txBody>
       </p:sp>
     </p:spTree>
     <p:extLst>
       <p:ext uri="{BB962C8B-B14F-4D97-AF65-F5344CB8AC3E}">
-        <p14:creationId xmlns:p14="http://schemas.microsoft.com/office/powerpoint/2010/main" val="2012440889"/>
+        <p14:creationId xmlns:p14="http://schemas.microsoft.com/office/powerpoint/2010/main" val="3677994950"/>
       </p:ext>
     </p:extLst>
   </p:cSld>
   <p:clrMapOvr>
     <a:masterClrMapping/>
   </p:clrMapOvr>
+  <p:timing>
+    <p:tnLst>
+      <p:par>
+        <p:cTn id="1" dur="indefinite" restart="never" nodeType="tmRoot"/>
+      </p:par>
+    </p:tnLst>
+  </p:timing>
 </p:sld>
 </file>
 
@@ -3352,13 +4303,13 @@
           <a:p>
             <a:r>
               <a:rPr lang="de-DE" dirty="0" smtClean="0"/>
-              <a:t>Webclient-</a:t>
+              <a:t>Webclient - </a:t>
             </a:r>
             <a:r>
               <a:rPr lang="de-DE" dirty="0" err="1" smtClean="0"/>
-              <a:t>Widgets</a:t>
-            </a:r>
-            <a:endParaRPr lang="en-GB" dirty="0"/>
+              <a:t>Paging</a:t>
+            </a:r>
+            <a:endParaRPr lang="de-DE" dirty="0"/>
           </a:p>
         </p:txBody>
       </p:sp>
@@ -3375,84 +4326,680 @@
         <p:spPr/>
         <p:txBody>
           <a:bodyPr>
-            <a:normAutofit lnSpcReduction="10000"/>
+            <a:normAutofit fontScale="25000" lnSpcReduction="20000"/>
           </a:bodyPr>
           <a:lstStyle/>
           <a:p>
+            <a:pPr marL="0" indent="0">
+              <a:buNone/>
+            </a:pPr>
+            <a:endParaRPr lang="de-DE" dirty="0" smtClean="0"/>
+          </a:p>
+          <a:p>
+            <a:pPr marL="0" indent="0">
+              <a:buNone/>
+            </a:pPr>
+            <a:r>
+              <a:rPr lang="de-DE" sz="9600" b="1" dirty="0" smtClean="0"/>
+              <a:t>Instanziierung und Trigger</a:t>
+            </a:r>
+            <a:endParaRPr lang="de-DE" dirty="0" smtClean="0"/>
+          </a:p>
+          <a:p>
+            <a:pPr marL="0" indent="0">
+              <a:buNone/>
+            </a:pPr>
+            <a:endParaRPr lang="de-DE" dirty="0"/>
+          </a:p>
+          <a:p>
+            <a:pPr marL="0" indent="0">
+              <a:buNone/>
+            </a:pPr>
+            <a:endParaRPr lang="de-DE" dirty="0" smtClean="0"/>
+          </a:p>
+          <a:p>
+            <a:pPr marL="0" indent="0">
+              <a:buNone/>
+            </a:pPr>
             <a:r>
               <a:rPr lang="de-DE" dirty="0" smtClean="0"/>
-              <a:t>Controller für spezielle Elemente der GUI</a:t>
-            </a:r>
-          </a:p>
-          <a:p>
-            <a:pPr lvl="1"/>
-            <a:r>
-              <a:rPr lang="de-DE" dirty="0" err="1" smtClean="0"/>
-              <a:t>Tracklist</a:t>
-            </a:r>
-            <a:endParaRPr lang="de-DE" dirty="0" smtClean="0"/>
-          </a:p>
-          <a:p>
-            <a:pPr lvl="1"/>
-            <a:r>
-              <a:rPr lang="de-DE" dirty="0" err="1" smtClean="0"/>
-              <a:t>Trackdetails</a:t>
-            </a:r>
-            <a:endParaRPr lang="de-DE" dirty="0" smtClean="0"/>
-          </a:p>
-          <a:p>
-            <a:pPr lvl="1"/>
-            <a:r>
-              <a:rPr lang="de-DE" dirty="0" err="1" smtClean="0"/>
-              <a:t>CreateDialog</a:t>
-            </a:r>
-            <a:endParaRPr lang="de-DE" dirty="0" smtClean="0"/>
-          </a:p>
-          <a:p>
-            <a:pPr lvl="1"/>
-            <a:r>
-              <a:rPr lang="de-DE" dirty="0" err="1" smtClean="0"/>
-              <a:t>EditDialog</a:t>
-            </a:r>
-            <a:endParaRPr lang="de-DE" dirty="0" smtClean="0"/>
-          </a:p>
-          <a:p>
-            <a:pPr lvl="1"/>
-            <a:r>
-              <a:rPr lang="de-DE" dirty="0" err="1" smtClean="0"/>
-              <a:t>DeleteDialog</a:t>
-            </a:r>
-            <a:endParaRPr lang="de-DE" dirty="0" smtClean="0"/>
-          </a:p>
-          <a:p>
-            <a:pPr lvl="1"/>
-            <a:r>
-              <a:rPr lang="de-DE" dirty="0" err="1" smtClean="0"/>
-              <a:t>ErrorDialog</a:t>
-            </a:r>
-            <a:endParaRPr lang="de-DE" dirty="0" smtClean="0"/>
-          </a:p>
-          <a:p>
-            <a:pPr lvl="1"/>
-            <a:r>
-              <a:rPr lang="de-DE" dirty="0" smtClean="0"/>
-              <a:t>Navigation</a:t>
-            </a:r>
-          </a:p>
-          <a:p>
-            <a:pPr lvl="1"/>
-            <a:r>
-              <a:rPr lang="de-DE" dirty="0" smtClean="0"/>
-              <a:t>Limitation</a:t>
-            </a:r>
-            <a:endParaRPr lang="en-GB" dirty="0"/>
+              <a:t>$("#</a:t>
+            </a:r>
+            <a:r>
+              <a:rPr lang="de-DE" dirty="0" err="1"/>
+              <a:t>list_limit</a:t>
+            </a:r>
+            <a:r>
+              <a:rPr lang="de-DE" dirty="0"/>
+              <a:t>").</a:t>
+            </a:r>
+            <a:r>
+              <a:rPr lang="de-DE" dirty="0" err="1"/>
+              <a:t>listLimit</a:t>
+            </a:r>
+            <a:r>
+              <a:rPr lang="de-DE" dirty="0"/>
+              <a:t>({</a:t>
+            </a:r>
+          </a:p>
+          <a:p>
+            <a:pPr marL="0" indent="0">
+              <a:buNone/>
+            </a:pPr>
+            <a:r>
+              <a:rPr lang="de-DE" dirty="0"/>
+              <a:t>		</a:t>
+            </a:r>
+            <a:r>
+              <a:rPr lang="de-DE" dirty="0" err="1"/>
+              <a:t>onTenClicked</a:t>
+            </a:r>
+            <a:r>
+              <a:rPr lang="de-DE" dirty="0"/>
+              <a:t>: </a:t>
+            </a:r>
+            <a:r>
+              <a:rPr lang="de-DE" dirty="0" err="1"/>
+              <a:t>function</a:t>
+            </a:r>
+            <a:r>
+              <a:rPr lang="de-DE" dirty="0"/>
+              <a:t>(){</a:t>
+            </a:r>
+          </a:p>
+          <a:p>
+            <a:pPr marL="0" indent="0">
+              <a:buNone/>
+            </a:pPr>
+            <a:r>
+              <a:rPr lang="de-DE" dirty="0"/>
+              <a:t>			</a:t>
+            </a:r>
+            <a:r>
+              <a:rPr lang="de-DE" dirty="0" err="1"/>
+              <a:t>limit</a:t>
+            </a:r>
+            <a:r>
+              <a:rPr lang="de-DE" dirty="0"/>
+              <a:t> = 10;</a:t>
+            </a:r>
+          </a:p>
+          <a:p>
+            <a:pPr marL="0" indent="0">
+              <a:buNone/>
+            </a:pPr>
+            <a:r>
+              <a:rPr lang="de-DE" dirty="0"/>
+              <a:t>			$("#</a:t>
+            </a:r>
+            <a:r>
+              <a:rPr lang="de-DE" dirty="0" err="1"/>
+              <a:t>track_list</a:t>
+            </a:r>
+            <a:r>
+              <a:rPr lang="de-DE" dirty="0"/>
+              <a:t>").</a:t>
+            </a:r>
+            <a:r>
+              <a:rPr lang="de-DE" dirty="0" err="1"/>
+              <a:t>trackList</a:t>
+            </a:r>
+            <a:r>
+              <a:rPr lang="de-DE" dirty="0"/>
+              <a:t>("</a:t>
+            </a:r>
+            <a:r>
+              <a:rPr lang="de-DE" dirty="0" err="1"/>
+              <a:t>reload</a:t>
+            </a:r>
+            <a:r>
+              <a:rPr lang="de-DE" dirty="0"/>
+              <a:t>", </a:t>
+            </a:r>
+            <a:r>
+              <a:rPr lang="de-DE" dirty="0" err="1"/>
+              <a:t>limit</a:t>
+            </a:r>
+            <a:r>
+              <a:rPr lang="de-DE" dirty="0"/>
+              <a:t>);</a:t>
+            </a:r>
+          </a:p>
+          <a:p>
+            <a:pPr marL="0" indent="0">
+              <a:buNone/>
+            </a:pPr>
+            <a:r>
+              <a:rPr lang="de-DE" dirty="0"/>
+              <a:t>		},</a:t>
+            </a:r>
+          </a:p>
+          <a:p>
+            <a:pPr marL="0" indent="0">
+              <a:buNone/>
+            </a:pPr>
+            <a:r>
+              <a:rPr lang="de-DE" dirty="0"/>
+              <a:t>		</a:t>
+            </a:r>
+            <a:r>
+              <a:rPr lang="de-DE" dirty="0" err="1"/>
+              <a:t>onTwentyClicked</a:t>
+            </a:r>
+            <a:r>
+              <a:rPr lang="de-DE" dirty="0"/>
+              <a:t>: </a:t>
+            </a:r>
+            <a:r>
+              <a:rPr lang="de-DE" dirty="0" err="1"/>
+              <a:t>function</a:t>
+            </a:r>
+            <a:r>
+              <a:rPr lang="de-DE" dirty="0"/>
+              <a:t>(){</a:t>
+            </a:r>
+          </a:p>
+          <a:p>
+            <a:pPr marL="0" indent="0">
+              <a:buNone/>
+            </a:pPr>
+            <a:r>
+              <a:rPr lang="de-DE" dirty="0"/>
+              <a:t>			</a:t>
+            </a:r>
+            <a:r>
+              <a:rPr lang="de-DE" dirty="0" err="1"/>
+              <a:t>limit</a:t>
+            </a:r>
+            <a:r>
+              <a:rPr lang="de-DE" dirty="0"/>
+              <a:t> = 20;</a:t>
+            </a:r>
+          </a:p>
+          <a:p>
+            <a:pPr marL="0" indent="0">
+              <a:buNone/>
+            </a:pPr>
+            <a:r>
+              <a:rPr lang="de-DE" dirty="0"/>
+              <a:t>			$("#</a:t>
+            </a:r>
+            <a:r>
+              <a:rPr lang="de-DE" dirty="0" err="1"/>
+              <a:t>track_list</a:t>
+            </a:r>
+            <a:r>
+              <a:rPr lang="de-DE" dirty="0"/>
+              <a:t>").</a:t>
+            </a:r>
+            <a:r>
+              <a:rPr lang="de-DE" dirty="0" err="1"/>
+              <a:t>trackList</a:t>
+            </a:r>
+            <a:r>
+              <a:rPr lang="de-DE" dirty="0"/>
+              <a:t>("</a:t>
+            </a:r>
+            <a:r>
+              <a:rPr lang="de-DE" dirty="0" err="1"/>
+              <a:t>reload</a:t>
+            </a:r>
+            <a:r>
+              <a:rPr lang="de-DE" dirty="0"/>
+              <a:t>", </a:t>
+            </a:r>
+            <a:r>
+              <a:rPr lang="de-DE" dirty="0" err="1"/>
+              <a:t>limit</a:t>
+            </a:r>
+            <a:r>
+              <a:rPr lang="de-DE" dirty="0"/>
+              <a:t>);</a:t>
+            </a:r>
+          </a:p>
+          <a:p>
+            <a:pPr marL="0" indent="0">
+              <a:buNone/>
+            </a:pPr>
+            <a:r>
+              <a:rPr lang="de-DE" dirty="0"/>
+              <a:t>		},</a:t>
+            </a:r>
+          </a:p>
+          <a:p>
+            <a:pPr marL="0" indent="0">
+              <a:buNone/>
+            </a:pPr>
+            <a:r>
+              <a:rPr lang="de-DE" dirty="0"/>
+              <a:t>		</a:t>
+            </a:r>
+            <a:r>
+              <a:rPr lang="de-DE" dirty="0" err="1"/>
+              <a:t>onThirtyClicked</a:t>
+            </a:r>
+            <a:r>
+              <a:rPr lang="de-DE" dirty="0"/>
+              <a:t>: </a:t>
+            </a:r>
+            <a:r>
+              <a:rPr lang="de-DE" dirty="0" err="1"/>
+              <a:t>function</a:t>
+            </a:r>
+            <a:r>
+              <a:rPr lang="de-DE" dirty="0"/>
+              <a:t>(){</a:t>
+            </a:r>
+          </a:p>
+          <a:p>
+            <a:pPr marL="0" indent="0">
+              <a:buNone/>
+            </a:pPr>
+            <a:r>
+              <a:rPr lang="de-DE" dirty="0"/>
+              <a:t>			</a:t>
+            </a:r>
+            <a:r>
+              <a:rPr lang="de-DE" dirty="0" err="1"/>
+              <a:t>limit</a:t>
+            </a:r>
+            <a:r>
+              <a:rPr lang="de-DE" dirty="0"/>
+              <a:t> = 30;</a:t>
+            </a:r>
+          </a:p>
+          <a:p>
+            <a:pPr marL="0" indent="0">
+              <a:buNone/>
+            </a:pPr>
+            <a:r>
+              <a:rPr lang="de-DE" dirty="0"/>
+              <a:t>			$("#</a:t>
+            </a:r>
+            <a:r>
+              <a:rPr lang="de-DE" dirty="0" err="1"/>
+              <a:t>track_list</a:t>
+            </a:r>
+            <a:r>
+              <a:rPr lang="de-DE" dirty="0"/>
+              <a:t>").</a:t>
+            </a:r>
+            <a:r>
+              <a:rPr lang="de-DE" dirty="0" err="1"/>
+              <a:t>trackList</a:t>
+            </a:r>
+            <a:r>
+              <a:rPr lang="de-DE" dirty="0"/>
+              <a:t>("</a:t>
+            </a:r>
+            <a:r>
+              <a:rPr lang="de-DE" dirty="0" err="1"/>
+              <a:t>reload</a:t>
+            </a:r>
+            <a:r>
+              <a:rPr lang="de-DE" dirty="0"/>
+              <a:t>", </a:t>
+            </a:r>
+            <a:r>
+              <a:rPr lang="de-DE" dirty="0" err="1"/>
+              <a:t>limit</a:t>
+            </a:r>
+            <a:r>
+              <a:rPr lang="de-DE" dirty="0"/>
+              <a:t>);</a:t>
+            </a:r>
+          </a:p>
+          <a:p>
+            <a:pPr marL="0" indent="0">
+              <a:buNone/>
+            </a:pPr>
+            <a:r>
+              <a:rPr lang="de-DE" dirty="0"/>
+              <a:t>		},</a:t>
+            </a:r>
+          </a:p>
+          <a:p>
+            <a:pPr marL="0" indent="0">
+              <a:buNone/>
+            </a:pPr>
+            <a:r>
+              <a:rPr lang="de-DE" dirty="0"/>
+              <a:t>		</a:t>
+            </a:r>
+            <a:r>
+              <a:rPr lang="de-DE" dirty="0" err="1"/>
+              <a:t>onFiftyClicked</a:t>
+            </a:r>
+            <a:r>
+              <a:rPr lang="de-DE" dirty="0"/>
+              <a:t>: </a:t>
+            </a:r>
+            <a:r>
+              <a:rPr lang="de-DE" dirty="0" err="1"/>
+              <a:t>function</a:t>
+            </a:r>
+            <a:r>
+              <a:rPr lang="de-DE" dirty="0"/>
+              <a:t>(){</a:t>
+            </a:r>
+          </a:p>
+          <a:p>
+            <a:pPr marL="0" indent="0">
+              <a:buNone/>
+            </a:pPr>
+            <a:r>
+              <a:rPr lang="de-DE" dirty="0"/>
+              <a:t>			</a:t>
+            </a:r>
+            <a:r>
+              <a:rPr lang="de-DE" dirty="0" err="1"/>
+              <a:t>limit</a:t>
+            </a:r>
+            <a:r>
+              <a:rPr lang="de-DE" dirty="0"/>
+              <a:t> = 50;</a:t>
+            </a:r>
+          </a:p>
+          <a:p>
+            <a:pPr marL="0" indent="0">
+              <a:buNone/>
+            </a:pPr>
+            <a:r>
+              <a:rPr lang="de-DE" dirty="0"/>
+              <a:t>			$("#</a:t>
+            </a:r>
+            <a:r>
+              <a:rPr lang="de-DE" dirty="0" err="1"/>
+              <a:t>track_list</a:t>
+            </a:r>
+            <a:r>
+              <a:rPr lang="de-DE" dirty="0"/>
+              <a:t>").</a:t>
+            </a:r>
+            <a:r>
+              <a:rPr lang="de-DE" dirty="0" err="1"/>
+              <a:t>trackList</a:t>
+            </a:r>
+            <a:r>
+              <a:rPr lang="de-DE" dirty="0"/>
+              <a:t>("</a:t>
+            </a:r>
+            <a:r>
+              <a:rPr lang="de-DE" dirty="0" err="1"/>
+              <a:t>reload</a:t>
+            </a:r>
+            <a:r>
+              <a:rPr lang="de-DE" dirty="0"/>
+              <a:t>", </a:t>
+            </a:r>
+            <a:r>
+              <a:rPr lang="de-DE" dirty="0" err="1"/>
+              <a:t>limit</a:t>
+            </a:r>
+            <a:r>
+              <a:rPr lang="de-DE" dirty="0"/>
+              <a:t>);</a:t>
+            </a:r>
+          </a:p>
+          <a:p>
+            <a:pPr marL="0" indent="0">
+              <a:buNone/>
+            </a:pPr>
+            <a:r>
+              <a:rPr lang="de-DE" dirty="0"/>
+              <a:t>		},</a:t>
+            </a:r>
+          </a:p>
+          <a:p>
+            <a:pPr marL="0" indent="0">
+              <a:buNone/>
+            </a:pPr>
+            <a:r>
+              <a:rPr lang="de-DE" dirty="0"/>
+              <a:t>		</a:t>
+            </a:r>
+            <a:r>
+              <a:rPr lang="de-DE" dirty="0" err="1"/>
+              <a:t>onHundredClicked</a:t>
+            </a:r>
+            <a:r>
+              <a:rPr lang="de-DE" dirty="0"/>
+              <a:t>: </a:t>
+            </a:r>
+            <a:r>
+              <a:rPr lang="de-DE" dirty="0" err="1"/>
+              <a:t>function</a:t>
+            </a:r>
+            <a:r>
+              <a:rPr lang="de-DE" dirty="0"/>
+              <a:t>(){</a:t>
+            </a:r>
+          </a:p>
+          <a:p>
+            <a:pPr marL="0" indent="0">
+              <a:buNone/>
+            </a:pPr>
+            <a:r>
+              <a:rPr lang="de-DE" dirty="0"/>
+              <a:t>			</a:t>
+            </a:r>
+            <a:r>
+              <a:rPr lang="de-DE" dirty="0" err="1"/>
+              <a:t>limit</a:t>
+            </a:r>
+            <a:r>
+              <a:rPr lang="de-DE" dirty="0"/>
+              <a:t> = 100;</a:t>
+            </a:r>
+          </a:p>
+          <a:p>
+            <a:pPr marL="0" indent="0">
+              <a:buNone/>
+            </a:pPr>
+            <a:r>
+              <a:rPr lang="de-DE" dirty="0"/>
+              <a:t>			$("#</a:t>
+            </a:r>
+            <a:r>
+              <a:rPr lang="de-DE" dirty="0" err="1"/>
+              <a:t>track_list</a:t>
+            </a:r>
+            <a:r>
+              <a:rPr lang="de-DE" dirty="0"/>
+              <a:t>").</a:t>
+            </a:r>
+            <a:r>
+              <a:rPr lang="de-DE" dirty="0" err="1"/>
+              <a:t>trackList</a:t>
+            </a:r>
+            <a:r>
+              <a:rPr lang="de-DE" dirty="0"/>
+              <a:t>("</a:t>
+            </a:r>
+            <a:r>
+              <a:rPr lang="de-DE" dirty="0" err="1"/>
+              <a:t>reload</a:t>
+            </a:r>
+            <a:r>
+              <a:rPr lang="de-DE" dirty="0"/>
+              <a:t>", </a:t>
+            </a:r>
+            <a:r>
+              <a:rPr lang="de-DE" dirty="0" err="1"/>
+              <a:t>limit</a:t>
+            </a:r>
+            <a:r>
+              <a:rPr lang="de-DE" dirty="0"/>
+              <a:t>);</a:t>
+            </a:r>
+          </a:p>
+          <a:p>
+            <a:pPr marL="0" indent="0">
+              <a:buNone/>
+            </a:pPr>
+            <a:r>
+              <a:rPr lang="de-DE" dirty="0"/>
+              <a:t>		},</a:t>
+            </a:r>
+          </a:p>
+          <a:p>
+            <a:pPr marL="0" indent="0">
+              <a:buNone/>
+            </a:pPr>
+            <a:r>
+              <a:rPr lang="de-DE" dirty="0"/>
+              <a:t>		</a:t>
+            </a:r>
+            <a:r>
+              <a:rPr lang="de-DE" dirty="0" err="1"/>
+              <a:t>onLeftArrowClicked</a:t>
+            </a:r>
+            <a:r>
+              <a:rPr lang="de-DE" dirty="0"/>
+              <a:t>: </a:t>
+            </a:r>
+            <a:r>
+              <a:rPr lang="de-DE" dirty="0" err="1"/>
+              <a:t>function</a:t>
+            </a:r>
+            <a:r>
+              <a:rPr lang="de-DE" dirty="0"/>
+              <a:t>(){</a:t>
+            </a:r>
+          </a:p>
+          <a:p>
+            <a:pPr marL="0" indent="0">
+              <a:buNone/>
+            </a:pPr>
+            <a:r>
+              <a:rPr lang="de-DE" dirty="0"/>
+              <a:t>			$("#</a:t>
+            </a:r>
+            <a:r>
+              <a:rPr lang="de-DE" dirty="0" err="1"/>
+              <a:t>track_list</a:t>
+            </a:r>
+            <a:r>
+              <a:rPr lang="de-DE" dirty="0"/>
+              <a:t>").</a:t>
+            </a:r>
+            <a:r>
+              <a:rPr lang="de-DE" dirty="0" err="1"/>
+              <a:t>trackList</a:t>
+            </a:r>
+            <a:r>
+              <a:rPr lang="de-DE" dirty="0"/>
+              <a:t>("</a:t>
+            </a:r>
+            <a:r>
+              <a:rPr lang="de-DE" dirty="0" err="1"/>
+              <a:t>backwards</a:t>
+            </a:r>
+            <a:r>
+              <a:rPr lang="de-DE" dirty="0"/>
+              <a:t>");</a:t>
+            </a:r>
+          </a:p>
+          <a:p>
+            <a:pPr marL="0" indent="0">
+              <a:buNone/>
+            </a:pPr>
+            <a:r>
+              <a:rPr lang="de-DE" dirty="0"/>
+              <a:t>		},</a:t>
+            </a:r>
+          </a:p>
+          <a:p>
+            <a:pPr marL="0" indent="0">
+              <a:buNone/>
+            </a:pPr>
+            <a:r>
+              <a:rPr lang="de-DE" dirty="0"/>
+              <a:t>		</a:t>
+            </a:r>
+            <a:r>
+              <a:rPr lang="de-DE" dirty="0" err="1"/>
+              <a:t>onRightArrowClicked</a:t>
+            </a:r>
+            <a:r>
+              <a:rPr lang="de-DE" dirty="0"/>
+              <a:t>: </a:t>
+            </a:r>
+            <a:r>
+              <a:rPr lang="de-DE" dirty="0" err="1"/>
+              <a:t>function</a:t>
+            </a:r>
+            <a:r>
+              <a:rPr lang="de-DE" dirty="0"/>
+              <a:t>(){</a:t>
+            </a:r>
+          </a:p>
+          <a:p>
+            <a:pPr marL="0" indent="0">
+              <a:buNone/>
+            </a:pPr>
+            <a:r>
+              <a:rPr lang="de-DE" dirty="0"/>
+              <a:t>			$("#</a:t>
+            </a:r>
+            <a:r>
+              <a:rPr lang="de-DE" dirty="0" err="1"/>
+              <a:t>track_list</a:t>
+            </a:r>
+            <a:r>
+              <a:rPr lang="de-DE" dirty="0"/>
+              <a:t>").</a:t>
+            </a:r>
+            <a:r>
+              <a:rPr lang="de-DE" dirty="0" err="1"/>
+              <a:t>trackList</a:t>
+            </a:r>
+            <a:r>
+              <a:rPr lang="de-DE" dirty="0"/>
+              <a:t>("</a:t>
+            </a:r>
+            <a:r>
+              <a:rPr lang="de-DE" dirty="0" err="1"/>
+              <a:t>forward</a:t>
+            </a:r>
+            <a:r>
+              <a:rPr lang="de-DE" dirty="0"/>
+              <a:t>");</a:t>
+            </a:r>
+          </a:p>
+          <a:p>
+            <a:pPr marL="0" indent="0">
+              <a:buNone/>
+            </a:pPr>
+            <a:r>
+              <a:rPr lang="de-DE" dirty="0"/>
+              <a:t>		}</a:t>
+            </a:r>
+          </a:p>
+          <a:p>
+            <a:pPr marL="0" indent="0">
+              <a:buNone/>
+            </a:pPr>
+            <a:r>
+              <a:rPr lang="de-DE" dirty="0"/>
+              <a:t>		</a:t>
+            </a:r>
+          </a:p>
+          <a:p>
+            <a:pPr marL="0" indent="0">
+              <a:buNone/>
+            </a:pPr>
+            <a:r>
+              <a:rPr lang="de-DE" dirty="0"/>
+              <a:t>	});</a:t>
+            </a:r>
           </a:p>
         </p:txBody>
       </p:sp>
     </p:spTree>
     <p:extLst>
       <p:ext uri="{BB962C8B-B14F-4D97-AF65-F5344CB8AC3E}">
-        <p14:creationId xmlns:p14="http://schemas.microsoft.com/office/powerpoint/2010/main" val="1267882555"/>
+        <p14:creationId xmlns:p14="http://schemas.microsoft.com/office/powerpoint/2010/main" val="3271428354"/>
       </p:ext>
     </p:extLst>
   </p:cSld>
@@ -3500,9 +5047,9 @@
             </a:r>
             <a:r>
               <a:rPr lang="de-DE" dirty="0" err="1" smtClean="0"/>
-              <a:t>jQuery</a:t>
-            </a:r>
-            <a:endParaRPr lang="en-GB" dirty="0"/>
+              <a:t>Paging</a:t>
+            </a:r>
+            <a:endParaRPr lang="de-DE" dirty="0"/>
           </a:p>
         </p:txBody>
       </p:sp>
@@ -3518,44 +5065,580 @@
         </p:nvSpPr>
         <p:spPr/>
         <p:txBody>
-          <a:bodyPr/>
+          <a:bodyPr>
+            <a:normAutofit fontScale="32500" lnSpcReduction="20000"/>
+          </a:bodyPr>
           <a:lstStyle/>
           <a:p>
-            <a:r>
-              <a:rPr lang="de-DE" dirty="0" err="1" smtClean="0"/>
-              <a:t>jQuery</a:t>
-            </a:r>
+            <a:pPr marL="0" indent="0">
+              <a:buNone/>
+            </a:pPr>
             <a:endParaRPr lang="de-DE" dirty="0" smtClean="0"/>
           </a:p>
           <a:p>
-            <a:r>
-              <a:rPr lang="de-DE" dirty="0" err="1" smtClean="0"/>
-              <a:t>jQuery</a:t>
-            </a:r>
+            <a:pPr marL="0" indent="0">
+              <a:buNone/>
+            </a:pPr>
+            <a:r>
+              <a:rPr lang="de-DE" sz="7400" b="1" dirty="0" smtClean="0"/>
+              <a:t>Navigations- und Anzahl der Einträge pro Seite Links:</a:t>
+            </a:r>
+            <a:endParaRPr lang="de-DE" sz="7400" b="1" dirty="0"/>
+          </a:p>
+          <a:p>
+            <a:pPr marL="0" indent="0">
+              <a:buNone/>
+            </a:pPr>
+            <a:endParaRPr lang="de-DE" dirty="0" smtClean="0"/>
+          </a:p>
+          <a:p>
+            <a:pPr marL="0" indent="0">
+              <a:buNone/>
+            </a:pPr>
+            <a:endParaRPr lang="de-DE" dirty="0"/>
+          </a:p>
+          <a:p>
+            <a:pPr marL="0" indent="0">
+              <a:buNone/>
+            </a:pPr>
             <a:r>
               <a:rPr lang="de-DE" dirty="0" smtClean="0"/>
-              <a:t> UI</a:t>
-            </a:r>
-          </a:p>
-          <a:p>
-            <a:r>
-              <a:rPr lang="de-DE" dirty="0" err="1" smtClean="0"/>
-              <a:t>BlockUI</a:t>
-            </a:r>
-            <a:endParaRPr lang="en-GB" dirty="0"/>
+              <a:t>&lt;</a:t>
+            </a:r>
+            <a:r>
+              <a:rPr lang="de-DE" dirty="0" err="1"/>
+              <a:t>tfoot</a:t>
+            </a:r>
+            <a:r>
+              <a:rPr lang="de-DE" dirty="0"/>
+              <a:t>&gt;</a:t>
+            </a:r>
+          </a:p>
+          <a:p>
+            <a:pPr marL="0" indent="0">
+              <a:buNone/>
+            </a:pPr>
+            <a:r>
+              <a:rPr lang="de-DE" dirty="0" smtClean="0"/>
+              <a:t>	&lt;</a:t>
+            </a:r>
+            <a:r>
+              <a:rPr lang="de-DE" dirty="0" err="1"/>
+              <a:t>tr</a:t>
+            </a:r>
+            <a:r>
+              <a:rPr lang="de-DE" dirty="0"/>
+              <a:t> </a:t>
+            </a:r>
+            <a:r>
+              <a:rPr lang="de-DE" dirty="0" err="1"/>
+              <a:t>id</a:t>
+            </a:r>
+            <a:r>
+              <a:rPr lang="de-DE" dirty="0"/>
+              <a:t>="</a:t>
+            </a:r>
+            <a:r>
+              <a:rPr lang="de-DE" dirty="0" err="1"/>
+              <a:t>list_limit</a:t>
+            </a:r>
+            <a:r>
+              <a:rPr lang="de-DE" dirty="0"/>
+              <a:t>" </a:t>
+            </a:r>
+            <a:r>
+              <a:rPr lang="de-DE" dirty="0" err="1"/>
+              <a:t>class</a:t>
+            </a:r>
+            <a:r>
+              <a:rPr lang="de-DE" dirty="0"/>
+              <a:t>="</a:t>
+            </a:r>
+            <a:r>
+              <a:rPr lang="de-DE" dirty="0" err="1"/>
+              <a:t>list_limit</a:t>
+            </a:r>
+            <a:r>
+              <a:rPr lang="de-DE" dirty="0"/>
+              <a:t>"&gt;</a:t>
+            </a:r>
+          </a:p>
+          <a:p>
+            <a:pPr marL="0" indent="0">
+              <a:buNone/>
+            </a:pPr>
+            <a:r>
+              <a:rPr lang="de-DE" dirty="0"/>
+              <a:t>									</a:t>
+            </a:r>
+            <a:r>
+              <a:rPr lang="de-DE" dirty="0" smtClean="0"/>
+              <a:t>	&lt;</a:t>
+            </a:r>
+            <a:r>
+              <a:rPr lang="de-DE" dirty="0" err="1"/>
+              <a:t>td</a:t>
+            </a:r>
+            <a:r>
+              <a:rPr lang="de-DE" dirty="0"/>
+              <a:t> </a:t>
+            </a:r>
+            <a:r>
+              <a:rPr lang="de-DE" dirty="0" err="1"/>
+              <a:t>id</a:t>
+            </a:r>
+            <a:r>
+              <a:rPr lang="de-DE" dirty="0"/>
+              <a:t>="</a:t>
+            </a:r>
+            <a:r>
+              <a:rPr lang="de-DE" dirty="0" err="1"/>
+              <a:t>limit</a:t>
+            </a:r>
+            <a:r>
+              <a:rPr lang="de-DE" dirty="0"/>
+              <a:t>" </a:t>
+            </a:r>
+            <a:r>
+              <a:rPr lang="de-DE" dirty="0" err="1"/>
+              <a:t>colspan</a:t>
+            </a:r>
+            <a:r>
+              <a:rPr lang="de-DE" dirty="0"/>
+              <a:t>="5"&gt;Einträge pro Seite:</a:t>
+            </a:r>
+          </a:p>
+          <a:p>
+            <a:pPr marL="0" indent="0">
+              <a:buNone/>
+            </a:pPr>
+            <a:r>
+              <a:rPr lang="de-DE" dirty="0"/>
+              <a:t>										</a:t>
+            </a:r>
+            <a:r>
+              <a:rPr lang="de-DE" dirty="0" smtClean="0"/>
+              <a:t>	&lt;</a:t>
+            </a:r>
+            <a:r>
+              <a:rPr lang="de-DE" dirty="0"/>
+              <a:t>a </a:t>
+            </a:r>
+            <a:r>
+              <a:rPr lang="de-DE" dirty="0" err="1"/>
+              <a:t>class</a:t>
+            </a:r>
+            <a:r>
+              <a:rPr lang="de-DE" dirty="0"/>
+              <a:t>="</a:t>
+            </a:r>
+            <a:r>
+              <a:rPr lang="de-DE" dirty="0" err="1"/>
+              <a:t>ten</a:t>
+            </a:r>
+            <a:r>
+              <a:rPr lang="de-DE" dirty="0"/>
+              <a:t>" </a:t>
+            </a:r>
+            <a:r>
+              <a:rPr lang="de-DE" dirty="0" err="1"/>
+              <a:t>href</a:t>
+            </a:r>
+            <a:r>
+              <a:rPr lang="de-DE" dirty="0"/>
+              <a:t>="#"&gt;10&lt;/a&gt;</a:t>
+            </a:r>
+          </a:p>
+          <a:p>
+            <a:pPr marL="0" indent="0">
+              <a:buNone/>
+            </a:pPr>
+            <a:r>
+              <a:rPr lang="de-DE" dirty="0"/>
+              <a:t>										</a:t>
+            </a:r>
+            <a:r>
+              <a:rPr lang="de-DE" dirty="0" smtClean="0"/>
+              <a:t>	&lt;</a:t>
+            </a:r>
+            <a:r>
+              <a:rPr lang="de-DE" dirty="0"/>
+              <a:t>a </a:t>
+            </a:r>
+            <a:r>
+              <a:rPr lang="de-DE" dirty="0" err="1"/>
+              <a:t>class</a:t>
+            </a:r>
+            <a:r>
+              <a:rPr lang="de-DE" dirty="0"/>
+              <a:t>="</a:t>
+            </a:r>
+            <a:r>
+              <a:rPr lang="de-DE" dirty="0" err="1"/>
+              <a:t>twenty</a:t>
+            </a:r>
+            <a:r>
+              <a:rPr lang="de-DE" dirty="0"/>
+              <a:t>" </a:t>
+            </a:r>
+            <a:r>
+              <a:rPr lang="de-DE" dirty="0" err="1"/>
+              <a:t>href</a:t>
+            </a:r>
+            <a:r>
+              <a:rPr lang="de-DE" dirty="0"/>
+              <a:t>="#"&gt;20&lt;/a&gt;</a:t>
+            </a:r>
+          </a:p>
+          <a:p>
+            <a:pPr marL="0" indent="0">
+              <a:buNone/>
+            </a:pPr>
+            <a:r>
+              <a:rPr lang="de-DE" dirty="0"/>
+              <a:t>										</a:t>
+            </a:r>
+            <a:r>
+              <a:rPr lang="de-DE" dirty="0" smtClean="0"/>
+              <a:t>	&lt;</a:t>
+            </a:r>
+            <a:r>
+              <a:rPr lang="de-DE" dirty="0"/>
+              <a:t>a </a:t>
+            </a:r>
+            <a:r>
+              <a:rPr lang="de-DE" dirty="0" err="1"/>
+              <a:t>class</a:t>
+            </a:r>
+            <a:r>
+              <a:rPr lang="de-DE" dirty="0"/>
+              <a:t>="</a:t>
+            </a:r>
+            <a:r>
+              <a:rPr lang="de-DE" dirty="0" err="1"/>
+              <a:t>thirty</a:t>
+            </a:r>
+            <a:r>
+              <a:rPr lang="de-DE" dirty="0"/>
+              <a:t>" </a:t>
+            </a:r>
+            <a:r>
+              <a:rPr lang="de-DE" dirty="0" err="1"/>
+              <a:t>href</a:t>
+            </a:r>
+            <a:r>
+              <a:rPr lang="de-DE" dirty="0"/>
+              <a:t>="#"&gt;30&lt;/a&gt;</a:t>
+            </a:r>
+          </a:p>
+          <a:p>
+            <a:pPr marL="0" indent="0">
+              <a:buNone/>
+            </a:pPr>
+            <a:r>
+              <a:rPr lang="de-DE" dirty="0"/>
+              <a:t>										</a:t>
+            </a:r>
+            <a:r>
+              <a:rPr lang="de-DE" dirty="0" smtClean="0"/>
+              <a:t>	&lt;</a:t>
+            </a:r>
+            <a:r>
+              <a:rPr lang="de-DE" dirty="0"/>
+              <a:t>a </a:t>
+            </a:r>
+            <a:r>
+              <a:rPr lang="de-DE" dirty="0" err="1"/>
+              <a:t>class</a:t>
+            </a:r>
+            <a:r>
+              <a:rPr lang="de-DE" dirty="0"/>
+              <a:t>="</a:t>
+            </a:r>
+            <a:r>
+              <a:rPr lang="de-DE" dirty="0" err="1"/>
+              <a:t>fifty</a:t>
+            </a:r>
+            <a:r>
+              <a:rPr lang="de-DE" dirty="0"/>
+              <a:t>" </a:t>
+            </a:r>
+            <a:r>
+              <a:rPr lang="de-DE" dirty="0" err="1"/>
+              <a:t>href</a:t>
+            </a:r>
+            <a:r>
+              <a:rPr lang="de-DE" dirty="0"/>
+              <a:t>="#"&gt;50&lt;/a&gt;</a:t>
+            </a:r>
+          </a:p>
+          <a:p>
+            <a:pPr marL="0" indent="0">
+              <a:buNone/>
+            </a:pPr>
+            <a:r>
+              <a:rPr lang="de-DE" dirty="0"/>
+              <a:t>										</a:t>
+            </a:r>
+            <a:r>
+              <a:rPr lang="de-DE" dirty="0" smtClean="0"/>
+              <a:t>	&lt;</a:t>
+            </a:r>
+            <a:r>
+              <a:rPr lang="de-DE" dirty="0"/>
+              <a:t>a </a:t>
+            </a:r>
+            <a:r>
+              <a:rPr lang="de-DE" dirty="0" err="1"/>
+              <a:t>class</a:t>
+            </a:r>
+            <a:r>
+              <a:rPr lang="de-DE" dirty="0"/>
+              <a:t>="</a:t>
+            </a:r>
+            <a:r>
+              <a:rPr lang="de-DE" dirty="0" err="1"/>
+              <a:t>hundred</a:t>
+            </a:r>
+            <a:r>
+              <a:rPr lang="de-DE" dirty="0"/>
+              <a:t>" </a:t>
+            </a:r>
+            <a:r>
+              <a:rPr lang="de-DE" dirty="0" err="1"/>
+              <a:t>href</a:t>
+            </a:r>
+            <a:r>
+              <a:rPr lang="de-DE" dirty="0"/>
+              <a:t>="#"&gt;100&lt;/a&gt;</a:t>
+            </a:r>
+          </a:p>
+          <a:p>
+            <a:pPr marL="0" indent="0">
+              <a:buNone/>
+            </a:pPr>
+            <a:r>
+              <a:rPr lang="de-DE" dirty="0"/>
+              <a:t>									</a:t>
+            </a:r>
+            <a:r>
+              <a:rPr lang="de-DE" dirty="0" smtClean="0"/>
+              <a:t>	&lt;/</a:t>
+            </a:r>
+            <a:r>
+              <a:rPr lang="de-DE" dirty="0" err="1"/>
+              <a:t>td</a:t>
+            </a:r>
+            <a:r>
+              <a:rPr lang="de-DE" dirty="0"/>
+              <a:t>&gt;</a:t>
+            </a:r>
+          </a:p>
+          <a:p>
+            <a:pPr marL="0" indent="0">
+              <a:buNone/>
+            </a:pPr>
+            <a:r>
+              <a:rPr lang="de-DE" dirty="0"/>
+              <a:t>									</a:t>
+            </a:r>
+            <a:r>
+              <a:rPr lang="de-DE" dirty="0" smtClean="0"/>
+              <a:t>	&lt;</a:t>
+            </a:r>
+            <a:r>
+              <a:rPr lang="de-DE" dirty="0" err="1"/>
+              <a:t>td</a:t>
+            </a:r>
+            <a:r>
+              <a:rPr lang="de-DE" dirty="0"/>
+              <a:t> </a:t>
+            </a:r>
+            <a:r>
+              <a:rPr lang="de-DE" dirty="0" err="1"/>
+              <a:t>colspan</a:t>
+            </a:r>
+            <a:r>
+              <a:rPr lang="de-DE" dirty="0"/>
+              <a:t>="3" </a:t>
+            </a:r>
+            <a:r>
+              <a:rPr lang="de-DE" dirty="0" err="1"/>
+              <a:t>id</a:t>
+            </a:r>
+            <a:r>
+              <a:rPr lang="de-DE" dirty="0"/>
+              <a:t>="</a:t>
+            </a:r>
+            <a:r>
+              <a:rPr lang="de-DE" dirty="0" err="1"/>
+              <a:t>arrows</a:t>
+            </a:r>
+            <a:r>
+              <a:rPr lang="de-DE" dirty="0"/>
+              <a:t>"&gt;</a:t>
+            </a:r>
+          </a:p>
+          <a:p>
+            <a:pPr marL="0" indent="0">
+              <a:buNone/>
+            </a:pPr>
+            <a:r>
+              <a:rPr lang="de-DE" dirty="0"/>
+              <a:t>										</a:t>
+            </a:r>
+            <a:r>
+              <a:rPr lang="de-DE" dirty="0" smtClean="0"/>
+              <a:t>	&lt;</a:t>
+            </a:r>
+            <a:r>
+              <a:rPr lang="de-DE" dirty="0"/>
+              <a:t>a </a:t>
+            </a:r>
+            <a:r>
+              <a:rPr lang="de-DE" dirty="0" err="1"/>
+              <a:t>class</a:t>
+            </a:r>
+            <a:r>
+              <a:rPr lang="de-DE" dirty="0"/>
+              <a:t>="</a:t>
+            </a:r>
+            <a:r>
+              <a:rPr lang="de-DE" dirty="0" err="1"/>
+              <a:t>left_arrow</a:t>
+            </a:r>
+            <a:r>
+              <a:rPr lang="de-DE" dirty="0"/>
+              <a:t>" </a:t>
+            </a:r>
+            <a:r>
+              <a:rPr lang="de-DE" dirty="0" err="1"/>
+              <a:t>href</a:t>
+            </a:r>
+            <a:r>
+              <a:rPr lang="de-DE" dirty="0"/>
+              <a:t>="#"&gt;&lt;- Zurück&lt;/a&gt;</a:t>
+            </a:r>
+          </a:p>
+          <a:p>
+            <a:pPr marL="0" indent="0">
+              <a:buNone/>
+            </a:pPr>
+            <a:r>
+              <a:rPr lang="de-DE" dirty="0"/>
+              <a:t>										</a:t>
+            </a:r>
+            <a:r>
+              <a:rPr lang="de-DE" dirty="0" smtClean="0"/>
+              <a:t>	&lt;</a:t>
+            </a:r>
+            <a:r>
+              <a:rPr lang="de-DE" dirty="0"/>
+              <a:t>a </a:t>
+            </a:r>
+            <a:r>
+              <a:rPr lang="de-DE" dirty="0" err="1"/>
+              <a:t>class</a:t>
+            </a:r>
+            <a:r>
+              <a:rPr lang="de-DE" dirty="0"/>
+              <a:t>="</a:t>
+            </a:r>
+            <a:r>
+              <a:rPr lang="de-DE" dirty="0" err="1"/>
+              <a:t>right_arrow</a:t>
+            </a:r>
+            <a:r>
+              <a:rPr lang="de-DE" dirty="0"/>
+              <a:t>" </a:t>
+            </a:r>
+            <a:r>
+              <a:rPr lang="de-DE" dirty="0" err="1"/>
+              <a:t>href</a:t>
+            </a:r>
+            <a:r>
+              <a:rPr lang="de-DE" dirty="0"/>
+              <a:t>="#"&gt;Weiter -&gt;&lt;/a&gt;</a:t>
+            </a:r>
+          </a:p>
+          <a:p>
+            <a:pPr marL="0" indent="0">
+              <a:buNone/>
+            </a:pPr>
+            <a:r>
+              <a:rPr lang="de-DE" dirty="0"/>
+              <a:t>									</a:t>
+            </a:r>
+            <a:r>
+              <a:rPr lang="de-DE" dirty="0" smtClean="0"/>
+              <a:t>	&lt;/</a:t>
+            </a:r>
+            <a:r>
+              <a:rPr lang="de-DE" dirty="0" err="1"/>
+              <a:t>td</a:t>
+            </a:r>
+            <a:r>
+              <a:rPr lang="de-DE" dirty="0"/>
+              <a:t>&gt;</a:t>
+            </a:r>
+          </a:p>
+          <a:p>
+            <a:pPr marL="0" indent="0">
+              <a:buNone/>
+            </a:pPr>
+            <a:r>
+              <a:rPr lang="de-DE" dirty="0"/>
+              <a:t>	</a:t>
+            </a:r>
+            <a:r>
+              <a:rPr lang="de-DE" dirty="0" smtClean="0"/>
+              <a:t>&lt;/</a:t>
+            </a:r>
+            <a:r>
+              <a:rPr lang="de-DE" dirty="0" err="1"/>
+              <a:t>tr</a:t>
+            </a:r>
+            <a:r>
+              <a:rPr lang="de-DE" dirty="0"/>
+              <a:t>&gt;</a:t>
+            </a:r>
+          </a:p>
+          <a:p>
+            <a:pPr marL="0" indent="0">
+              <a:buNone/>
+            </a:pPr>
+            <a:r>
+              <a:rPr lang="de-DE" dirty="0" smtClean="0"/>
+              <a:t>&lt;/</a:t>
+            </a:r>
+            <a:r>
+              <a:rPr lang="de-DE" dirty="0" err="1"/>
+              <a:t>tfoot</a:t>
+            </a:r>
+            <a:r>
+              <a:rPr lang="de-DE" dirty="0"/>
+              <a:t>&gt;</a:t>
+            </a:r>
           </a:p>
         </p:txBody>
       </p:sp>
     </p:spTree>
     <p:extLst>
       <p:ext uri="{BB962C8B-B14F-4D97-AF65-F5344CB8AC3E}">
-        <p14:creationId xmlns:p14="http://schemas.microsoft.com/office/powerpoint/2010/main" val="3670687025"/>
+        <p14:creationId xmlns:p14="http://schemas.microsoft.com/office/powerpoint/2010/main" val="4239096637"/>
       </p:ext>
     </p:extLst>
   </p:cSld>
   <p:clrMapOvr>
     <a:masterClrMapping/>
   </p:clrMapOvr>
+  <p:timing>
+    <p:tnLst>
+      <p:par>
+        <p:cTn id="1" dur="indefinite" restart="never" nodeType="tmRoot"/>
+      </p:par>
+    </p:tnLst>
+  </p:timing>
 </p:sld>
 </file>
 
@@ -3576,6 +5659,77 @@
           <a:chExt cx="0" cy="0"/>
         </a:xfrm>
       </p:grpSpPr>
+      <p:pic>
+        <p:nvPicPr>
+          <p:cNvPr id="1026" name="Picture 2" descr="C:\Users\Xerox\Desktop\Dropbox\RFH Koeln\Web-Mobile Development\Projekt\layout.PNG"/>
+          <p:cNvPicPr>
+            <a:picLocks noChangeAspect="1" noChangeArrowheads="1"/>
+          </p:cNvPicPr>
+          <p:nvPr/>
+        </p:nvPicPr>
+        <p:blipFill>
+          <a:blip r:embed="rId2">
+            <a:extLst>
+              <a:ext uri="{28A0092B-C50C-407E-A947-70E740481C1C}">
+                <a14:useLocalDpi xmlns:a14="http://schemas.microsoft.com/office/drawing/2010/main" val="0"/>
+              </a:ext>
+            </a:extLst>
+          </a:blip>
+          <a:srcRect/>
+          <a:stretch>
+            <a:fillRect/>
+          </a:stretch>
+        </p:blipFill>
+        <p:spPr bwMode="auto">
+          <a:xfrm>
+            <a:off x="449536" y="1268760"/>
+            <a:ext cx="8274670" cy="4026075"/>
+          </a:xfrm>
+          <a:prstGeom prst="rect">
+            <a:avLst/>
+          </a:prstGeom>
+          <a:noFill/>
+          <a:extLst>
+            <a:ext uri="{909E8E84-426E-40DD-AFC4-6F175D3DCCD1}">
+              <a14:hiddenFill xmlns:a14="http://schemas.microsoft.com/office/drawing/2010/main">
+                <a:solidFill>
+                  <a:srgbClr val="FFFFFF"/>
+                </a:solidFill>
+              </a14:hiddenFill>
+            </a:ext>
+          </a:extLst>
+        </p:spPr>
+      </p:pic>
+    </p:spTree>
+    <p:extLst>
+      <p:ext uri="{BB962C8B-B14F-4D97-AF65-F5344CB8AC3E}">
+        <p14:creationId xmlns:p14="http://schemas.microsoft.com/office/powerpoint/2010/main" val="2268019478"/>
+      </p:ext>
+    </p:extLst>
+  </p:cSld>
+  <p:clrMapOvr>
+    <a:masterClrMapping/>
+  </p:clrMapOvr>
+</p:sld>
+</file>
+
+<file path=ppt/slides/slide15.xml><?xml version="1.0" encoding="utf-8"?>
+<p:sld xmlns:a="http://schemas.openxmlformats.org/drawingml/2006/main" xmlns:r="http://schemas.openxmlformats.org/officeDocument/2006/relationships" xmlns:p="http://schemas.openxmlformats.org/presentationml/2006/main">
+  <p:cSld>
+    <p:spTree>
+      <p:nvGrpSpPr>
+        <p:cNvPr id="1" name=""/>
+        <p:cNvGrpSpPr/>
+        <p:nvPr/>
+      </p:nvGrpSpPr>
+      <p:grpSpPr>
+        <a:xfrm>
+          <a:off x="0" y="0"/>
+          <a:ext cx="0" cy="0"/>
+          <a:chOff x="0" y="0"/>
+          <a:chExt cx="0" cy="0"/>
+        </a:xfrm>
+      </p:grpSpPr>
       <p:sp>
         <p:nvSpPr>
           <p:cNvPr id="2" name="Titel 1"/>
@@ -3593,43 +5747,227 @@
           <a:p>
             <a:r>
               <a:rPr lang="de-DE" dirty="0" smtClean="0"/>
-              <a:t>Mobile Client</a:t>
+              <a:t>Mobile </a:t>
+            </a:r>
+            <a:r>
+              <a:rPr lang="de-DE" dirty="0" smtClean="0"/>
+              <a:t>Client - Listenansicht</a:t>
             </a:r>
             <a:endParaRPr lang="en-GB" dirty="0"/>
           </a:p>
         </p:txBody>
       </p:sp>
-      <p:sp>
-        <p:nvSpPr>
-          <p:cNvPr id="3" name="Inhaltsplatzhalter 2"/>
-          <p:cNvSpPr>
-            <a:spLocks noGrp="1"/>
-          </p:cNvSpPr>
-          <p:nvPr>
-            <p:ph idx="1"/>
-          </p:nvPr>
-        </p:nvSpPr>
-        <p:spPr/>
-        <p:txBody>
-          <a:bodyPr/>
-          <a:lstStyle/>
-          <a:p>
-            <a:r>
-              <a:rPr lang="de-DE" dirty="0" err="1" smtClean="0"/>
-              <a:t>Sencha</a:t>
-            </a:r>
-            <a:r>
-              <a:rPr lang="de-DE" smtClean="0"/>
-              <a:t> Touch</a:t>
-            </a:r>
-            <a:endParaRPr lang="en-GB"/>
-          </a:p>
-        </p:txBody>
-      </p:sp>
+      <p:pic>
+        <p:nvPicPr>
+          <p:cNvPr id="2050" name="Picture 2" descr="C:\Users\Patrick\Desktop\Dropbox\RFH Koeln\Web-Mobile Development\Projekt\mobileliste.JPG"/>
+          <p:cNvPicPr>
+            <a:picLocks noChangeAspect="1" noChangeArrowheads="1"/>
+          </p:cNvPicPr>
+          <p:nvPr/>
+        </p:nvPicPr>
+        <p:blipFill>
+          <a:blip r:embed="rId2">
+            <a:extLst>
+              <a:ext uri="{28A0092B-C50C-407E-A947-70E740481C1C}">
+                <a14:useLocalDpi xmlns:a14="http://schemas.microsoft.com/office/drawing/2010/main" val="0"/>
+              </a:ext>
+            </a:extLst>
+          </a:blip>
+          <a:srcRect/>
+          <a:stretch>
+            <a:fillRect/>
+          </a:stretch>
+        </p:blipFill>
+        <p:spPr bwMode="auto">
+          <a:xfrm>
+            <a:off x="3203848" y="1700808"/>
+            <a:ext cx="2751688" cy="3960440"/>
+          </a:xfrm>
+          <a:prstGeom prst="rect">
+            <a:avLst/>
+          </a:prstGeom>
+          <a:noFill/>
+          <a:extLst>
+            <a:ext uri="{909E8E84-426E-40DD-AFC4-6F175D3DCCD1}">
+              <a14:hiddenFill xmlns:a14="http://schemas.microsoft.com/office/drawing/2010/main">
+                <a:solidFill>
+                  <a:srgbClr val="FFFFFF"/>
+                </a:solidFill>
+              </a14:hiddenFill>
+            </a:ext>
+          </a:extLst>
+        </p:spPr>
+      </p:pic>
     </p:spTree>
     <p:extLst>
       <p:ext uri="{BB962C8B-B14F-4D97-AF65-F5344CB8AC3E}">
         <p14:creationId xmlns:p14="http://schemas.microsoft.com/office/powerpoint/2010/main" val="3071496127"/>
+      </p:ext>
+    </p:extLst>
+  </p:cSld>
+  <p:clrMapOvr>
+    <a:masterClrMapping/>
+  </p:clrMapOvr>
+  <p:timing>
+    <p:tnLst>
+      <p:par>
+        <p:cTn id="1" dur="indefinite" restart="never" nodeType="tmRoot"/>
+      </p:par>
+    </p:tnLst>
+  </p:timing>
+</p:sld>
+</file>
+
+<file path=ppt/slides/slide16.xml><?xml version="1.0" encoding="utf-8"?>
+<p:sld xmlns:a="http://schemas.openxmlformats.org/drawingml/2006/main" xmlns:r="http://schemas.openxmlformats.org/officeDocument/2006/relationships" xmlns:p="http://schemas.openxmlformats.org/presentationml/2006/main">
+  <p:cSld>
+    <p:spTree>
+      <p:nvGrpSpPr>
+        <p:cNvPr id="1" name=""/>
+        <p:cNvGrpSpPr/>
+        <p:nvPr/>
+      </p:nvGrpSpPr>
+      <p:grpSpPr>
+        <a:xfrm>
+          <a:off x="0" y="0"/>
+          <a:ext cx="0" cy="0"/>
+          <a:chOff x="0" y="0"/>
+          <a:chExt cx="0" cy="0"/>
+        </a:xfrm>
+      </p:grpSpPr>
+      <p:sp>
+        <p:nvSpPr>
+          <p:cNvPr id="2" name="Titel 1"/>
+          <p:cNvSpPr>
+            <a:spLocks noGrp="1"/>
+          </p:cNvSpPr>
+          <p:nvPr>
+            <p:ph type="title"/>
+          </p:nvPr>
+        </p:nvSpPr>
+        <p:spPr/>
+        <p:txBody>
+          <a:bodyPr/>
+          <a:lstStyle/>
+          <a:p>
+            <a:r>
+              <a:rPr lang="de-DE" dirty="0" smtClean="0"/>
+              <a:t>Mobile Client - Detailansicht</a:t>
+            </a:r>
+            <a:endParaRPr lang="de-DE" dirty="0"/>
+          </a:p>
+        </p:txBody>
+      </p:sp>
+      <p:pic>
+        <p:nvPicPr>
+          <p:cNvPr id="3074" name="Picture 2" descr="C:\Users\Patrick\Desktop\Dropbox\RFH Koeln\Web-Mobile Development\Projekt\mobiledetail.JPG"/>
+          <p:cNvPicPr>
+            <a:picLocks noChangeAspect="1" noChangeArrowheads="1"/>
+          </p:cNvPicPr>
+          <p:nvPr/>
+        </p:nvPicPr>
+        <p:blipFill>
+          <a:blip r:embed="rId2">
+            <a:extLst>
+              <a:ext uri="{28A0092B-C50C-407E-A947-70E740481C1C}">
+                <a14:useLocalDpi xmlns:a14="http://schemas.microsoft.com/office/drawing/2010/main" val="0"/>
+              </a:ext>
+            </a:extLst>
+          </a:blip>
+          <a:srcRect/>
+          <a:stretch>
+            <a:fillRect/>
+          </a:stretch>
+        </p:blipFill>
+        <p:spPr bwMode="auto">
+          <a:xfrm>
+            <a:off x="3203848" y="1700808"/>
+            <a:ext cx="2967066" cy="4248472"/>
+          </a:xfrm>
+          <a:prstGeom prst="rect">
+            <a:avLst/>
+          </a:prstGeom>
+          <a:noFill/>
+          <a:extLst>
+            <a:ext uri="{909E8E84-426E-40DD-AFC4-6F175D3DCCD1}">
+              <a14:hiddenFill xmlns:a14="http://schemas.microsoft.com/office/drawing/2010/main">
+                <a:solidFill>
+                  <a:srgbClr val="FFFFFF"/>
+                </a:solidFill>
+              </a14:hiddenFill>
+            </a:ext>
+          </a:extLst>
+        </p:spPr>
+      </p:pic>
+    </p:spTree>
+    <p:extLst>
+      <p:ext uri="{BB962C8B-B14F-4D97-AF65-F5344CB8AC3E}">
+        <p14:creationId xmlns:p14="http://schemas.microsoft.com/office/powerpoint/2010/main" val="2356731081"/>
+      </p:ext>
+    </p:extLst>
+  </p:cSld>
+  <p:clrMapOvr>
+    <a:masterClrMapping/>
+  </p:clrMapOvr>
+  <p:timing>
+    <p:tnLst>
+      <p:par>
+        <p:cTn id="1" dur="indefinite" restart="never" nodeType="tmRoot"/>
+      </p:par>
+    </p:tnLst>
+  </p:timing>
+</p:sld>
+</file>
+
+<file path=ppt/slides/slide17.xml><?xml version="1.0" encoding="utf-8"?>
+<p:sld xmlns:a="http://schemas.openxmlformats.org/drawingml/2006/main" xmlns:r="http://schemas.openxmlformats.org/officeDocument/2006/relationships" xmlns:p="http://schemas.openxmlformats.org/presentationml/2006/main">
+  <p:cSld>
+    <p:spTree>
+      <p:nvGrpSpPr>
+        <p:cNvPr id="1" name=""/>
+        <p:cNvGrpSpPr/>
+        <p:nvPr/>
+      </p:nvGrpSpPr>
+      <p:grpSpPr>
+        <a:xfrm>
+          <a:off x="0" y="0"/>
+          <a:ext cx="0" cy="0"/>
+          <a:chOff x="0" y="0"/>
+          <a:chExt cx="0" cy="0"/>
+        </a:xfrm>
+      </p:grpSpPr>
+      <p:sp>
+        <p:nvSpPr>
+          <p:cNvPr id="2" name="Titel 1"/>
+          <p:cNvSpPr>
+            <a:spLocks noGrp="1"/>
+          </p:cNvSpPr>
+          <p:nvPr>
+            <p:ph type="title"/>
+          </p:nvPr>
+        </p:nvSpPr>
+        <p:spPr>
+          <a:xfrm>
+            <a:off x="467544" y="2708920"/>
+            <a:ext cx="8229600" cy="1143000"/>
+          </a:xfrm>
+        </p:spPr>
+        <p:txBody>
+          <a:bodyPr/>
+          <a:lstStyle/>
+          <a:p>
+            <a:r>
+              <a:rPr lang="de-DE" dirty="0" smtClean="0"/>
+              <a:t>Danke!</a:t>
+            </a:r>
+            <a:endParaRPr lang="de-DE" dirty="0"/>
+          </a:p>
+        </p:txBody>
+      </p:sp>
+    </p:spTree>
+    <p:extLst>
+      <p:ext uri="{BB962C8B-B14F-4D97-AF65-F5344CB8AC3E}">
+        <p14:creationId xmlns:p14="http://schemas.microsoft.com/office/powerpoint/2010/main" val="1626982733"/>
       </p:ext>
     </p:extLst>
   </p:cSld>
@@ -3702,8 +6040,9 @@
           <a:p>
             <a:r>
               <a:rPr lang="de-DE" dirty="0" smtClean="0"/>
-              <a:t>Herangehensweise (Planung, Tools)</a:t>
-            </a:r>
+              <a:t>Herangehensweise</a:t>
+            </a:r>
+            <a:endParaRPr lang="de-DE" dirty="0" smtClean="0"/>
           </a:p>
           <a:p>
             <a:r>
@@ -3891,7 +6230,7 @@
           <a:p>
             <a:r>
               <a:rPr lang="de-DE" dirty="0" smtClean="0"/>
-              <a:t>Herangehensweise - Planung</a:t>
+              <a:t>Herangehensweise</a:t>
             </a:r>
             <a:endParaRPr lang="en-GB" dirty="0"/>
           </a:p>
@@ -3967,231 +6306,6 @@
 </file>
 
 <file path=ppt/slides/slide5.xml><?xml version="1.0" encoding="utf-8"?>
-<p:sld xmlns:a="http://schemas.openxmlformats.org/drawingml/2006/main" xmlns:r="http://schemas.openxmlformats.org/officeDocument/2006/relationships" xmlns:p="http://schemas.openxmlformats.org/presentationml/2006/main">
-  <p:cSld>
-    <p:spTree>
-      <p:nvGrpSpPr>
-        <p:cNvPr id="1" name=""/>
-        <p:cNvGrpSpPr/>
-        <p:nvPr/>
-      </p:nvGrpSpPr>
-      <p:grpSpPr>
-        <a:xfrm>
-          <a:off x="0" y="0"/>
-          <a:ext cx="0" cy="0"/>
-          <a:chOff x="0" y="0"/>
-          <a:chExt cx="0" cy="0"/>
-        </a:xfrm>
-      </p:grpSpPr>
-      <p:sp>
-        <p:nvSpPr>
-          <p:cNvPr id="2" name="Titel 1"/>
-          <p:cNvSpPr>
-            <a:spLocks noGrp="1"/>
-          </p:cNvSpPr>
-          <p:nvPr>
-            <p:ph type="title"/>
-          </p:nvPr>
-        </p:nvSpPr>
-        <p:spPr/>
-        <p:txBody>
-          <a:bodyPr/>
-          <a:lstStyle/>
-          <a:p>
-            <a:r>
-              <a:rPr lang="de-DE" dirty="0"/>
-              <a:t>Herangehensweise - </a:t>
-            </a:r>
-            <a:r>
-              <a:rPr lang="de-DE" dirty="0" smtClean="0"/>
-              <a:t>Tools</a:t>
-            </a:r>
-            <a:endParaRPr lang="en-GB" dirty="0"/>
-          </a:p>
-        </p:txBody>
-      </p:sp>
-      <p:sp>
-        <p:nvSpPr>
-          <p:cNvPr id="3" name="Inhaltsplatzhalter 2"/>
-          <p:cNvSpPr>
-            <a:spLocks noGrp="1"/>
-          </p:cNvSpPr>
-          <p:nvPr>
-            <p:ph idx="1"/>
-          </p:nvPr>
-        </p:nvSpPr>
-        <p:spPr/>
-        <p:txBody>
-          <a:bodyPr/>
-          <a:lstStyle/>
-          <a:p>
-            <a:r>
-              <a:rPr lang="de-DE" dirty="0" smtClean="0"/>
-              <a:t>Notepad++</a:t>
-            </a:r>
-          </a:p>
-          <a:p>
-            <a:r>
-              <a:rPr lang="de-DE" dirty="0" err="1" smtClean="0"/>
-              <a:t>Fiddler</a:t>
-            </a:r>
-            <a:endParaRPr lang="de-DE" dirty="0" smtClean="0"/>
-          </a:p>
-          <a:p>
-            <a:r>
-              <a:rPr lang="de-DE" dirty="0" err="1" smtClean="0"/>
-              <a:t>GitHub</a:t>
-            </a:r>
-            <a:endParaRPr lang="de-DE" dirty="0" smtClean="0"/>
-          </a:p>
-          <a:p>
-            <a:r>
-              <a:rPr lang="de-DE" dirty="0" smtClean="0"/>
-              <a:t>XAMPP</a:t>
-            </a:r>
-          </a:p>
-          <a:p>
-            <a:r>
-              <a:rPr lang="de-DE" dirty="0" smtClean="0"/>
-              <a:t>Browser</a:t>
-            </a:r>
-            <a:endParaRPr lang="en-GB" dirty="0"/>
-          </a:p>
-        </p:txBody>
-      </p:sp>
-    </p:spTree>
-    <p:extLst>
-      <p:ext uri="{BB962C8B-B14F-4D97-AF65-F5344CB8AC3E}">
-        <p14:creationId xmlns:p14="http://schemas.microsoft.com/office/powerpoint/2010/main" val="4282721944"/>
-      </p:ext>
-    </p:extLst>
-  </p:cSld>
-  <p:clrMapOvr>
-    <a:masterClrMapping/>
-  </p:clrMapOvr>
-</p:sld>
-</file>
-
-<file path=ppt/slides/slide6.xml><?xml version="1.0" encoding="utf-8"?>
-<p:sld xmlns:a="http://schemas.openxmlformats.org/drawingml/2006/main" xmlns:r="http://schemas.openxmlformats.org/officeDocument/2006/relationships" xmlns:p="http://schemas.openxmlformats.org/presentationml/2006/main">
-  <p:cSld>
-    <p:spTree>
-      <p:nvGrpSpPr>
-        <p:cNvPr id="1" name=""/>
-        <p:cNvGrpSpPr/>
-        <p:nvPr/>
-      </p:nvGrpSpPr>
-      <p:grpSpPr>
-        <a:xfrm>
-          <a:off x="0" y="0"/>
-          <a:ext cx="0" cy="0"/>
-          <a:chOff x="0" y="0"/>
-          <a:chExt cx="0" cy="0"/>
-        </a:xfrm>
-      </p:grpSpPr>
-      <p:sp>
-        <p:nvSpPr>
-          <p:cNvPr id="2" name="Titel 1"/>
-          <p:cNvSpPr>
-            <a:spLocks noGrp="1"/>
-          </p:cNvSpPr>
-          <p:nvPr>
-            <p:ph type="title"/>
-          </p:nvPr>
-        </p:nvSpPr>
-        <p:spPr/>
-        <p:txBody>
-          <a:bodyPr/>
-          <a:lstStyle/>
-          <a:p>
-            <a:r>
-              <a:rPr lang="de-DE" dirty="0" smtClean="0"/>
-              <a:t>Datenbank</a:t>
-            </a:r>
-            <a:endParaRPr lang="en-GB" dirty="0"/>
-          </a:p>
-        </p:txBody>
-      </p:sp>
-      <p:sp>
-        <p:nvSpPr>
-          <p:cNvPr id="3" name="Inhaltsplatzhalter 2"/>
-          <p:cNvSpPr>
-            <a:spLocks noGrp="1"/>
-          </p:cNvSpPr>
-          <p:nvPr>
-            <p:ph idx="1"/>
-          </p:nvPr>
-        </p:nvSpPr>
-        <p:spPr/>
-        <p:txBody>
-          <a:bodyPr/>
-          <a:lstStyle/>
-          <a:p>
-            <a:r>
-              <a:rPr lang="de-DE" dirty="0" smtClean="0"/>
-              <a:t>Tabelle „</a:t>
-            </a:r>
-            <a:r>
-              <a:rPr lang="de-DE" dirty="0" err="1" smtClean="0"/>
-              <a:t>tracks</a:t>
-            </a:r>
-            <a:r>
-              <a:rPr lang="de-DE" dirty="0" smtClean="0"/>
-              <a:t>“</a:t>
-            </a:r>
-          </a:p>
-          <a:p>
-            <a:pPr lvl="1"/>
-            <a:r>
-              <a:rPr lang="de-DE" dirty="0" smtClean="0"/>
-              <a:t>Enthält Daten zu erstellten Läufen</a:t>
-            </a:r>
-            <a:endParaRPr lang="en-GB" dirty="0" smtClean="0"/>
-          </a:p>
-          <a:p>
-            <a:r>
-              <a:rPr lang="de-DE" dirty="0" smtClean="0"/>
-              <a:t>Tabelle „</a:t>
-            </a:r>
-            <a:r>
-              <a:rPr lang="de-DE" dirty="0" err="1" smtClean="0"/>
-              <a:t>users</a:t>
-            </a:r>
-            <a:r>
-              <a:rPr lang="de-DE" dirty="0" smtClean="0"/>
-              <a:t>“</a:t>
-            </a:r>
-          </a:p>
-          <a:p>
-            <a:pPr lvl="1"/>
-            <a:r>
-              <a:rPr lang="de-DE" dirty="0" smtClean="0"/>
-              <a:t>Zur Authentifizierung</a:t>
-            </a:r>
-          </a:p>
-          <a:p>
-            <a:pPr lvl="1"/>
-            <a:r>
-              <a:rPr lang="de-DE" dirty="0" smtClean="0"/>
-              <a:t>Zukünftig: Userprofile, eigene Läufe, Wettkampfvergleich</a:t>
-            </a:r>
-          </a:p>
-        </p:txBody>
-      </p:sp>
-    </p:spTree>
-    <p:extLst>
-      <p:ext uri="{BB962C8B-B14F-4D97-AF65-F5344CB8AC3E}">
-        <p14:creationId xmlns:p14="http://schemas.microsoft.com/office/powerpoint/2010/main" val="2923354908"/>
-      </p:ext>
-    </p:extLst>
-  </p:cSld>
-  <p:clrMapOvr>
-    <a:masterClrMapping/>
-  </p:clrMapOvr>
-</p:sld>
-</file>
-
-<file path=ppt/slides/slide7.xml><?xml version="1.0" encoding="utf-8"?>
 <p:sld xmlns:a="http://schemas.openxmlformats.org/drawingml/2006/main" xmlns:r="http://schemas.openxmlformats.org/officeDocument/2006/relationships" xmlns:p="http://schemas.openxmlformats.org/presentationml/2006/main">
   <p:cSld>
     <p:spTree>
@@ -4285,6 +6399,281 @@
 </p:sld>
 </file>
 
+<file path=ppt/slides/slide6.xml><?xml version="1.0" encoding="utf-8"?>
+<p:sld xmlns:a="http://schemas.openxmlformats.org/drawingml/2006/main" xmlns:r="http://schemas.openxmlformats.org/officeDocument/2006/relationships" xmlns:p="http://schemas.openxmlformats.org/presentationml/2006/main">
+  <p:cSld>
+    <p:spTree>
+      <p:nvGrpSpPr>
+        <p:cNvPr id="1" name=""/>
+        <p:cNvGrpSpPr/>
+        <p:nvPr/>
+      </p:nvGrpSpPr>
+      <p:grpSpPr>
+        <a:xfrm>
+          <a:off x="0" y="0"/>
+          <a:ext cx="0" cy="0"/>
+          <a:chOff x="0" y="0"/>
+          <a:chExt cx="0" cy="0"/>
+        </a:xfrm>
+      </p:grpSpPr>
+      <p:sp>
+        <p:nvSpPr>
+          <p:cNvPr id="2" name="Titel 1"/>
+          <p:cNvSpPr>
+            <a:spLocks noGrp="1"/>
+          </p:cNvSpPr>
+          <p:nvPr>
+            <p:ph type="title"/>
+          </p:nvPr>
+        </p:nvSpPr>
+        <p:spPr/>
+        <p:txBody>
+          <a:bodyPr/>
+          <a:lstStyle/>
+          <a:p>
+            <a:r>
+              <a:rPr lang="de-DE" dirty="0" smtClean="0"/>
+              <a:t>Layout Details</a:t>
+            </a:r>
+            <a:endParaRPr lang="de-DE" dirty="0"/>
+          </a:p>
+        </p:txBody>
+      </p:sp>
+      <p:pic>
+        <p:nvPicPr>
+          <p:cNvPr id="5122" name="Picture 2" descr="C:\Users\Patrick\Desktop\Dropbox\RFH Koeln\Web-Mobile Development\Projekt\details.JPG"/>
+          <p:cNvPicPr>
+            <a:picLocks noChangeAspect="1" noChangeArrowheads="1"/>
+          </p:cNvPicPr>
+          <p:nvPr/>
+        </p:nvPicPr>
+        <p:blipFill>
+          <a:blip r:embed="rId2">
+            <a:extLst>
+              <a:ext uri="{28A0092B-C50C-407E-A947-70E740481C1C}">
+                <a14:useLocalDpi xmlns:a14="http://schemas.microsoft.com/office/drawing/2010/main" val="0"/>
+              </a:ext>
+            </a:extLst>
+          </a:blip>
+          <a:srcRect/>
+          <a:stretch>
+            <a:fillRect/>
+          </a:stretch>
+        </p:blipFill>
+        <p:spPr bwMode="auto">
+          <a:xfrm>
+            <a:off x="611560" y="1818928"/>
+            <a:ext cx="8153101" cy="2809121"/>
+          </a:xfrm>
+          <a:prstGeom prst="rect">
+            <a:avLst/>
+          </a:prstGeom>
+          <a:noFill/>
+          <a:extLst>
+            <a:ext uri="{909E8E84-426E-40DD-AFC4-6F175D3DCCD1}">
+              <a14:hiddenFill xmlns:a14="http://schemas.microsoft.com/office/drawing/2010/main">
+                <a:solidFill>
+                  <a:srgbClr val="FFFFFF"/>
+                </a:solidFill>
+              </a14:hiddenFill>
+            </a:ext>
+          </a:extLst>
+        </p:spPr>
+      </p:pic>
+    </p:spTree>
+    <p:extLst>
+      <p:ext uri="{BB962C8B-B14F-4D97-AF65-F5344CB8AC3E}">
+        <p14:creationId xmlns:p14="http://schemas.microsoft.com/office/powerpoint/2010/main" val="503758384"/>
+      </p:ext>
+    </p:extLst>
+  </p:cSld>
+  <p:clrMapOvr>
+    <a:masterClrMapping/>
+  </p:clrMapOvr>
+</p:sld>
+</file>
+
+<file path=ppt/slides/slide7.xml><?xml version="1.0" encoding="utf-8"?>
+<p:sld xmlns:a="http://schemas.openxmlformats.org/drawingml/2006/main" xmlns:r="http://schemas.openxmlformats.org/officeDocument/2006/relationships" xmlns:p="http://schemas.openxmlformats.org/presentationml/2006/main">
+  <p:cSld>
+    <p:spTree>
+      <p:nvGrpSpPr>
+        <p:cNvPr id="1" name=""/>
+        <p:cNvGrpSpPr/>
+        <p:nvPr/>
+      </p:nvGrpSpPr>
+      <p:grpSpPr>
+        <a:xfrm>
+          <a:off x="0" y="0"/>
+          <a:ext cx="0" cy="0"/>
+          <a:chOff x="0" y="0"/>
+          <a:chExt cx="0" cy="0"/>
+        </a:xfrm>
+      </p:grpSpPr>
+      <p:sp>
+        <p:nvSpPr>
+          <p:cNvPr id="2" name="Titel 1"/>
+          <p:cNvSpPr>
+            <a:spLocks noGrp="1"/>
+          </p:cNvSpPr>
+          <p:nvPr>
+            <p:ph type="title"/>
+          </p:nvPr>
+        </p:nvSpPr>
+        <p:spPr/>
+        <p:txBody>
+          <a:bodyPr/>
+          <a:lstStyle/>
+          <a:p>
+            <a:r>
+              <a:rPr lang="de-DE" dirty="0" smtClean="0"/>
+              <a:t>Datenbank</a:t>
+            </a:r>
+            <a:endParaRPr lang="en-GB" dirty="0"/>
+          </a:p>
+        </p:txBody>
+      </p:sp>
+      <p:sp>
+        <p:nvSpPr>
+          <p:cNvPr id="3" name="Inhaltsplatzhalter 2"/>
+          <p:cNvSpPr>
+            <a:spLocks noGrp="1"/>
+          </p:cNvSpPr>
+          <p:nvPr>
+            <p:ph idx="1"/>
+          </p:nvPr>
+        </p:nvSpPr>
+        <p:spPr/>
+        <p:txBody>
+          <a:bodyPr>
+            <a:normAutofit fontScale="85000" lnSpcReduction="10000"/>
+          </a:bodyPr>
+          <a:lstStyle/>
+          <a:p>
+            <a:endParaRPr lang="de-DE" dirty="0" smtClean="0"/>
+          </a:p>
+          <a:p>
+            <a:endParaRPr lang="de-DE" dirty="0"/>
+          </a:p>
+          <a:p>
+            <a:endParaRPr lang="de-DE" dirty="0" smtClean="0"/>
+          </a:p>
+          <a:p>
+            <a:endParaRPr lang="de-DE" dirty="0"/>
+          </a:p>
+          <a:p>
+            <a:endParaRPr lang="de-DE" dirty="0" smtClean="0"/>
+          </a:p>
+          <a:p>
+            <a:r>
+              <a:rPr lang="de-DE" dirty="0" smtClean="0"/>
+              <a:t>Tabelle </a:t>
+            </a:r>
+            <a:r>
+              <a:rPr lang="de-DE" dirty="0" smtClean="0"/>
+              <a:t>„</a:t>
+            </a:r>
+            <a:r>
+              <a:rPr lang="de-DE" dirty="0" err="1" smtClean="0"/>
+              <a:t>tracks</a:t>
+            </a:r>
+            <a:r>
+              <a:rPr lang="de-DE" dirty="0" smtClean="0"/>
+              <a:t>“</a:t>
+            </a:r>
+          </a:p>
+          <a:p>
+            <a:pPr lvl="1"/>
+            <a:r>
+              <a:rPr lang="de-DE" dirty="0" smtClean="0"/>
+              <a:t>Enthält Daten zu erstellten Läufen</a:t>
+            </a:r>
+            <a:endParaRPr lang="en-GB" dirty="0" smtClean="0"/>
+          </a:p>
+          <a:p>
+            <a:r>
+              <a:rPr lang="de-DE" dirty="0" smtClean="0"/>
+              <a:t>Tabelle „</a:t>
+            </a:r>
+            <a:r>
+              <a:rPr lang="de-DE" dirty="0" err="1" smtClean="0"/>
+              <a:t>users</a:t>
+            </a:r>
+            <a:r>
+              <a:rPr lang="de-DE" dirty="0" smtClean="0"/>
+              <a:t>“</a:t>
+            </a:r>
+          </a:p>
+          <a:p>
+            <a:pPr lvl="1"/>
+            <a:r>
+              <a:rPr lang="de-DE" dirty="0" smtClean="0"/>
+              <a:t>Zur Authentifizierung</a:t>
+            </a:r>
+          </a:p>
+          <a:p>
+            <a:pPr lvl="1"/>
+            <a:r>
+              <a:rPr lang="de-DE" dirty="0" smtClean="0"/>
+              <a:t>Zukünftig: Userprofile, eigene Läufe, Wettkampfvergleich</a:t>
+            </a:r>
+          </a:p>
+        </p:txBody>
+      </p:sp>
+      <p:pic>
+        <p:nvPicPr>
+          <p:cNvPr id="6146" name="Picture 2" descr="C:\Users\Patrick\Desktop\Dropbox\RFH Koeln\Web-Mobile Development\Projekt\sportfreundeDBmodell.jpg"/>
+          <p:cNvPicPr>
+            <a:picLocks noChangeAspect="1" noChangeArrowheads="1"/>
+          </p:cNvPicPr>
+          <p:nvPr/>
+        </p:nvPicPr>
+        <p:blipFill>
+          <a:blip r:embed="rId2">
+            <a:extLst>
+              <a:ext uri="{28A0092B-C50C-407E-A947-70E740481C1C}">
+                <a14:useLocalDpi xmlns:a14="http://schemas.microsoft.com/office/drawing/2010/main" val="0"/>
+              </a:ext>
+            </a:extLst>
+          </a:blip>
+          <a:srcRect/>
+          <a:stretch>
+            <a:fillRect/>
+          </a:stretch>
+        </p:blipFill>
+        <p:spPr bwMode="auto">
+          <a:xfrm>
+            <a:off x="2771800" y="1628799"/>
+            <a:ext cx="3629025" cy="2047875"/>
+          </a:xfrm>
+          <a:prstGeom prst="rect">
+            <a:avLst/>
+          </a:prstGeom>
+          <a:noFill/>
+          <a:extLst>
+            <a:ext uri="{909E8E84-426E-40DD-AFC4-6F175D3DCCD1}">
+              <a14:hiddenFill xmlns:a14="http://schemas.microsoft.com/office/drawing/2010/main">
+                <a:solidFill>
+                  <a:srgbClr val="FFFFFF"/>
+                </a:solidFill>
+              </a14:hiddenFill>
+            </a:ext>
+          </a:extLst>
+        </p:spPr>
+      </p:pic>
+    </p:spTree>
+    <p:extLst>
+      <p:ext uri="{BB962C8B-B14F-4D97-AF65-F5344CB8AC3E}">
+        <p14:creationId xmlns:p14="http://schemas.microsoft.com/office/powerpoint/2010/main" val="2923354908"/>
+      </p:ext>
+    </p:extLst>
+  </p:cSld>
+  <p:clrMapOvr>
+    <a:masterClrMapping/>
+  </p:clrMapOvr>
+</p:sld>
+</file>
+
 <file path=ppt/slides/slide8.xml><?xml version="1.0" encoding="utf-8"?>
 <p:sld xmlns:a="http://schemas.openxmlformats.org/drawingml/2006/main" xmlns:r="http://schemas.openxmlformats.org/officeDocument/2006/relationships" xmlns:p="http://schemas.openxmlformats.org/presentationml/2006/main">
   <p:cSld>
@@ -4319,77 +6708,57 @@
           <a:p>
             <a:r>
               <a:rPr lang="de-DE" dirty="0" smtClean="0"/>
-              <a:t>Webservice - Präsentation</a:t>
+              <a:t>Webservice</a:t>
             </a:r>
             <a:endParaRPr lang="en-GB" dirty="0"/>
           </a:p>
         </p:txBody>
       </p:sp>
-      <p:sp>
-        <p:nvSpPr>
-          <p:cNvPr id="3" name="Inhaltsplatzhalter 2"/>
-          <p:cNvSpPr>
-            <a:spLocks noGrp="1"/>
-          </p:cNvSpPr>
-          <p:nvPr>
-            <p:ph idx="1"/>
-          </p:nvPr>
-        </p:nvSpPr>
-        <p:spPr/>
-        <p:txBody>
-          <a:bodyPr>
-            <a:normAutofit/>
-          </a:bodyPr>
-          <a:lstStyle/>
-          <a:p>
-            <a:r>
-              <a:rPr lang="de-DE" dirty="0" err="1" smtClean="0"/>
-              <a:t>RequestHandler</a:t>
-            </a:r>
-            <a:endParaRPr lang="de-DE" dirty="0" smtClean="0"/>
-          </a:p>
-          <a:p>
-            <a:pPr lvl="1"/>
-            <a:r>
-              <a:rPr lang="de-DE" dirty="0" smtClean="0"/>
-              <a:t>Steuert </a:t>
-            </a:r>
-            <a:r>
-              <a:rPr lang="de-DE" dirty="0" err="1" smtClean="0"/>
-              <a:t>Requests</a:t>
-            </a:r>
-            <a:endParaRPr lang="de-DE" dirty="0" smtClean="0"/>
-          </a:p>
-          <a:p>
-            <a:r>
-              <a:rPr lang="de-DE" dirty="0" smtClean="0"/>
-              <a:t>*</a:t>
-            </a:r>
-            <a:r>
-              <a:rPr lang="de-DE" dirty="0" err="1" smtClean="0"/>
-              <a:t>TracksCommand</a:t>
-            </a:r>
-            <a:r>
-              <a:rPr lang="de-DE" dirty="0" smtClean="0"/>
-              <a:t>-Daten</a:t>
-            </a:r>
-          </a:p>
-          <a:p>
-            <a:pPr lvl="1"/>
-            <a:r>
-              <a:rPr lang="de-DE" dirty="0" smtClean="0"/>
-              <a:t>Dienen zur Ausführung der Befehle</a:t>
-            </a:r>
-          </a:p>
-          <a:p>
-            <a:endParaRPr lang="en-GB" dirty="0"/>
-          </a:p>
-        </p:txBody>
-      </p:sp>
+      <p:pic>
+        <p:nvPicPr>
+          <p:cNvPr id="1026" name="Picture 2" descr="C:\Users\Patrick\Desktop\Dropbox\RFH Koeln\Web-Mobile Development\Projekt\Struktur.jpg"/>
+          <p:cNvPicPr>
+            <a:picLocks noChangeAspect="1" noChangeArrowheads="1"/>
+          </p:cNvPicPr>
+          <p:nvPr/>
+        </p:nvPicPr>
+        <p:blipFill>
+          <a:blip r:embed="rId2">
+            <a:extLst>
+              <a:ext uri="{28A0092B-C50C-407E-A947-70E740481C1C}">
+                <a14:useLocalDpi xmlns:a14="http://schemas.microsoft.com/office/drawing/2010/main" val="0"/>
+              </a:ext>
+            </a:extLst>
+          </a:blip>
+          <a:srcRect/>
+          <a:stretch>
+            <a:fillRect/>
+          </a:stretch>
+        </p:blipFill>
+        <p:spPr bwMode="auto">
+          <a:xfrm>
+            <a:off x="590104" y="1988840"/>
+            <a:ext cx="7934325" cy="3219450"/>
+          </a:xfrm>
+          <a:prstGeom prst="rect">
+            <a:avLst/>
+          </a:prstGeom>
+          <a:noFill/>
+          <a:extLst>
+            <a:ext uri="{909E8E84-426E-40DD-AFC4-6F175D3DCCD1}">
+              <a14:hiddenFill xmlns:a14="http://schemas.microsoft.com/office/drawing/2010/main">
+                <a:solidFill>
+                  <a:srgbClr val="FFFFFF"/>
+                </a:solidFill>
+              </a14:hiddenFill>
+            </a:ext>
+          </a:extLst>
+        </p:spPr>
+      </p:pic>
     </p:spTree>
     <p:extLst>
       <p:ext uri="{BB962C8B-B14F-4D97-AF65-F5344CB8AC3E}">
-        <p14:creationId xmlns:p14="http://schemas.microsoft.com/office/powerpoint/2010/main" val="2291844739"/>
+        <p14:creationId xmlns:p14="http://schemas.microsoft.com/office/powerpoint/2010/main" val="4043707829"/>
       </p:ext>
     </p:extLst>
   </p:cSld>
@@ -4432,72 +6801,58 @@
           <a:lstStyle/>
           <a:p>
             <a:r>
-              <a:rPr lang="de-DE" dirty="0"/>
-              <a:t>Webservice - </a:t>
-            </a:r>
-            <a:r>
               <a:rPr lang="de-DE" dirty="0" smtClean="0"/>
-              <a:t>Model</a:t>
+              <a:t>Webclient</a:t>
             </a:r>
             <a:endParaRPr lang="en-GB" dirty="0"/>
           </a:p>
         </p:txBody>
       </p:sp>
-      <p:sp>
-        <p:nvSpPr>
-          <p:cNvPr id="3" name="Inhaltsplatzhalter 2"/>
-          <p:cNvSpPr>
-            <a:spLocks noGrp="1"/>
-          </p:cNvSpPr>
-          <p:nvPr>
-            <p:ph idx="1"/>
-          </p:nvPr>
-        </p:nvSpPr>
-        <p:spPr/>
-        <p:txBody>
-          <a:bodyPr/>
-          <a:lstStyle/>
-          <a:p>
-            <a:r>
-              <a:rPr lang="de-DE" dirty="0" err="1"/>
-              <a:t>TracksService</a:t>
-            </a:r>
-            <a:endParaRPr lang="de-DE" dirty="0"/>
-          </a:p>
-          <a:p>
-            <a:pPr lvl="1"/>
-            <a:r>
-              <a:rPr lang="de-DE" dirty="0"/>
-              <a:t>Steuert die Anfragen</a:t>
-            </a:r>
-          </a:p>
-          <a:p>
-            <a:r>
-              <a:rPr lang="de-DE" dirty="0"/>
-              <a:t>Tracks</a:t>
-            </a:r>
-          </a:p>
-          <a:p>
-            <a:pPr lvl="1"/>
-            <a:r>
-              <a:rPr lang="de-DE" dirty="0"/>
-              <a:t>Klasse zur Definition eines </a:t>
-            </a:r>
-            <a:r>
-              <a:rPr lang="de-DE" dirty="0" smtClean="0"/>
-              <a:t>Track-Objekts</a:t>
-            </a:r>
-            <a:endParaRPr lang="en-GB" dirty="0" smtClean="0"/>
-          </a:p>
-          <a:p>
-            <a:endParaRPr lang="de-DE" dirty="0"/>
-          </a:p>
-        </p:txBody>
-      </p:sp>
+      <p:pic>
+        <p:nvPicPr>
+          <p:cNvPr id="4098" name="Picture 2" descr="C:\Users\Patrick\Desktop\Dropbox\RFH Koeln\Web-Mobile Development\Projekt\strukturwc.jpg"/>
+          <p:cNvPicPr>
+            <a:picLocks noChangeAspect="1" noChangeArrowheads="1"/>
+          </p:cNvPicPr>
+          <p:nvPr/>
+        </p:nvPicPr>
+        <p:blipFill>
+          <a:blip r:embed="rId2">
+            <a:extLst>
+              <a:ext uri="{28A0092B-C50C-407E-A947-70E740481C1C}">
+                <a14:useLocalDpi xmlns:a14="http://schemas.microsoft.com/office/drawing/2010/main" val="0"/>
+              </a:ext>
+            </a:extLst>
+          </a:blip>
+          <a:srcRect/>
+          <a:stretch>
+            <a:fillRect/>
+          </a:stretch>
+        </p:blipFill>
+        <p:spPr bwMode="auto">
+          <a:xfrm>
+            <a:off x="755576" y="1628800"/>
+            <a:ext cx="7372350" cy="3829050"/>
+          </a:xfrm>
+          <a:prstGeom prst="rect">
+            <a:avLst/>
+          </a:prstGeom>
+          <a:noFill/>
+          <a:extLst>
+            <a:ext uri="{909E8E84-426E-40DD-AFC4-6F175D3DCCD1}">
+              <a14:hiddenFill xmlns:a14="http://schemas.microsoft.com/office/drawing/2010/main">
+                <a:solidFill>
+                  <a:srgbClr val="FFFFFF"/>
+                </a:solidFill>
+              </a14:hiddenFill>
+            </a:ext>
+          </a:extLst>
+        </p:spPr>
+      </p:pic>
     </p:spTree>
     <p:extLst>
       <p:ext uri="{BB962C8B-B14F-4D97-AF65-F5344CB8AC3E}">
-        <p14:creationId xmlns:p14="http://schemas.microsoft.com/office/powerpoint/2010/main" val="2078236508"/>
+        <p14:creationId xmlns:p14="http://schemas.microsoft.com/office/powerpoint/2010/main" val="2012440889"/>
       </p:ext>
     </p:extLst>
   </p:cSld>

--- a/Dokumentation/SportfreundeRFH.pptx
+++ b/Dokumentation/SportfreundeRFH.pptx
@@ -4,6 +4,9 @@
   <p:sldMasterIdLst>
     <p:sldMasterId id="2147483648" r:id="rId1"/>
   </p:sldMasterIdLst>
+  <p:notesMasterIdLst>
+    <p:notesMasterId r:id="rId23"/>
+  </p:notesMasterIdLst>
   <p:sldIdLst>
     <p:sldId id="256" r:id="rId2"/>
     <p:sldId id="257" r:id="rId3"/>
@@ -11,17 +14,21 @@
     <p:sldId id="259" r:id="rId5"/>
     <p:sldId id="262" r:id="rId6"/>
     <p:sldId id="271" r:id="rId7"/>
-    <p:sldId id="261" r:id="rId8"/>
-    <p:sldId id="266" r:id="rId9"/>
-    <p:sldId id="264" r:id="rId10"/>
-    <p:sldId id="267" r:id="rId11"/>
-    <p:sldId id="273" r:id="rId12"/>
-    <p:sldId id="274" r:id="rId13"/>
-    <p:sldId id="272" r:id="rId14"/>
-    <p:sldId id="275" r:id="rId15"/>
-    <p:sldId id="269" r:id="rId16"/>
-    <p:sldId id="270" r:id="rId17"/>
-    <p:sldId id="276" r:id="rId18"/>
+    <p:sldId id="277" r:id="rId8"/>
+    <p:sldId id="261" r:id="rId9"/>
+    <p:sldId id="278" r:id="rId10"/>
+    <p:sldId id="279" r:id="rId11"/>
+    <p:sldId id="280" r:id="rId12"/>
+    <p:sldId id="266" r:id="rId13"/>
+    <p:sldId id="264" r:id="rId14"/>
+    <p:sldId id="267" r:id="rId15"/>
+    <p:sldId id="272" r:id="rId16"/>
+    <p:sldId id="273" r:id="rId17"/>
+    <p:sldId id="274" r:id="rId18"/>
+    <p:sldId id="275" r:id="rId19"/>
+    <p:sldId id="269" r:id="rId20"/>
+    <p:sldId id="270" r:id="rId21"/>
+    <p:sldId id="276" r:id="rId22"/>
   </p:sldIdLst>
   <p:sldSz cx="9144000" cy="6858000" type="screen4x3"/>
   <p:notesSz cx="6858000" cy="9144000"/>
@@ -121,6 +128,532 @@
     </a:lvl9pPr>
   </p:defaultTextStyle>
 </p:presentation>
+</file>
+
+<file path=ppt/notesMasters/notesMaster1.xml><?xml version="1.0" encoding="utf-8"?>
+<p:notesMaster xmlns:a="http://schemas.openxmlformats.org/drawingml/2006/main" xmlns:r="http://schemas.openxmlformats.org/officeDocument/2006/relationships" xmlns:p="http://schemas.openxmlformats.org/presentationml/2006/main">
+  <p:cSld>
+    <p:bg>
+      <p:bgRef idx="1001">
+        <a:schemeClr val="bg1"/>
+      </p:bgRef>
+    </p:bg>
+    <p:spTree>
+      <p:nvGrpSpPr>
+        <p:cNvPr id="1" name=""/>
+        <p:cNvGrpSpPr/>
+        <p:nvPr/>
+      </p:nvGrpSpPr>
+      <p:grpSpPr>
+        <a:xfrm>
+          <a:off x="0" y="0"/>
+          <a:ext cx="0" cy="0"/>
+          <a:chOff x="0" y="0"/>
+          <a:chExt cx="0" cy="0"/>
+        </a:xfrm>
+      </p:grpSpPr>
+      <p:sp>
+        <p:nvSpPr>
+          <p:cNvPr id="2" name="Kopfzeilenplatzhalter 1"/>
+          <p:cNvSpPr>
+            <a:spLocks noGrp="1"/>
+          </p:cNvSpPr>
+          <p:nvPr>
+            <p:ph type="hdr" sz="quarter"/>
+          </p:nvPr>
+        </p:nvSpPr>
+        <p:spPr>
+          <a:xfrm>
+            <a:off x="0" y="0"/>
+            <a:ext cx="2971800" cy="457200"/>
+          </a:xfrm>
+          <a:prstGeom prst="rect">
+            <a:avLst/>
+          </a:prstGeom>
+        </p:spPr>
+        <p:txBody>
+          <a:bodyPr vert="horz" lIns="91440" tIns="45720" rIns="91440" bIns="45720" rtlCol="0"/>
+          <a:lstStyle>
+            <a:lvl1pPr algn="l">
+              <a:defRPr sz="1200"/>
+            </a:lvl1pPr>
+          </a:lstStyle>
+          <a:p>
+            <a:endParaRPr lang="en-GB"/>
+          </a:p>
+        </p:txBody>
+      </p:sp>
+      <p:sp>
+        <p:nvSpPr>
+          <p:cNvPr id="3" name="Datumsplatzhalter 2"/>
+          <p:cNvSpPr>
+            <a:spLocks noGrp="1"/>
+          </p:cNvSpPr>
+          <p:nvPr>
+            <p:ph type="dt" idx="1"/>
+          </p:nvPr>
+        </p:nvSpPr>
+        <p:spPr>
+          <a:xfrm>
+            <a:off x="3884613" y="0"/>
+            <a:ext cx="2971800" cy="457200"/>
+          </a:xfrm>
+          <a:prstGeom prst="rect">
+            <a:avLst/>
+          </a:prstGeom>
+        </p:spPr>
+        <p:txBody>
+          <a:bodyPr vert="horz" lIns="91440" tIns="45720" rIns="91440" bIns="45720" rtlCol="0"/>
+          <a:lstStyle>
+            <a:lvl1pPr algn="r">
+              <a:defRPr sz="1200"/>
+            </a:lvl1pPr>
+          </a:lstStyle>
+          <a:p>
+            <a:fld id="{B4CD2929-A9CC-43B4-8A06-DC2625A86C35}" type="datetimeFigureOut">
+              <a:rPr lang="en-GB" smtClean="0"/>
+              <a:t>20/05/2015</a:t>
+            </a:fld>
+            <a:endParaRPr lang="en-GB"/>
+          </a:p>
+        </p:txBody>
+      </p:sp>
+      <p:sp>
+        <p:nvSpPr>
+          <p:cNvPr id="4" name="Folienbildplatzhalter 3"/>
+          <p:cNvSpPr>
+            <a:spLocks noGrp="1" noRot="1" noChangeAspect="1"/>
+          </p:cNvSpPr>
+          <p:nvPr>
+            <p:ph type="sldImg" idx="2"/>
+          </p:nvPr>
+        </p:nvSpPr>
+        <p:spPr>
+          <a:xfrm>
+            <a:off x="1143000" y="685800"/>
+            <a:ext cx="4572000" cy="3429000"/>
+          </a:xfrm>
+          <a:prstGeom prst="rect">
+            <a:avLst/>
+          </a:prstGeom>
+          <a:noFill/>
+          <a:ln w="12700">
+            <a:solidFill>
+              <a:prstClr val="black"/>
+            </a:solidFill>
+          </a:ln>
+        </p:spPr>
+        <p:txBody>
+          <a:bodyPr vert="horz" lIns="91440" tIns="45720" rIns="91440" bIns="45720" rtlCol="0" anchor="ctr"/>
+          <a:lstStyle/>
+          <a:p>
+            <a:endParaRPr lang="en-GB"/>
+          </a:p>
+        </p:txBody>
+      </p:sp>
+      <p:sp>
+        <p:nvSpPr>
+          <p:cNvPr id="5" name="Notizenplatzhalter 4"/>
+          <p:cNvSpPr>
+            <a:spLocks noGrp="1"/>
+          </p:cNvSpPr>
+          <p:nvPr>
+            <p:ph type="body" sz="quarter" idx="3"/>
+          </p:nvPr>
+        </p:nvSpPr>
+        <p:spPr>
+          <a:xfrm>
+            <a:off x="685800" y="4343400"/>
+            <a:ext cx="5486400" cy="4114800"/>
+          </a:xfrm>
+          <a:prstGeom prst="rect">
+            <a:avLst/>
+          </a:prstGeom>
+        </p:spPr>
+        <p:txBody>
+          <a:bodyPr vert="horz" lIns="91440" tIns="45720" rIns="91440" bIns="45720" rtlCol="0"/>
+          <a:lstStyle/>
+          <a:p>
+            <a:pPr lvl="0"/>
+            <a:r>
+              <a:rPr lang="de-DE" smtClean="0"/>
+              <a:t>Textmasterformat bearbeiten</a:t>
+            </a:r>
+          </a:p>
+          <a:p>
+            <a:pPr lvl="1"/>
+            <a:r>
+              <a:rPr lang="de-DE" smtClean="0"/>
+              <a:t>Zweite Ebene</a:t>
+            </a:r>
+          </a:p>
+          <a:p>
+            <a:pPr lvl="2"/>
+            <a:r>
+              <a:rPr lang="de-DE" smtClean="0"/>
+              <a:t>Dritte Ebene</a:t>
+            </a:r>
+          </a:p>
+          <a:p>
+            <a:pPr lvl="3"/>
+            <a:r>
+              <a:rPr lang="de-DE" smtClean="0"/>
+              <a:t>Vierte Ebene</a:t>
+            </a:r>
+          </a:p>
+          <a:p>
+            <a:pPr lvl="4"/>
+            <a:r>
+              <a:rPr lang="de-DE" smtClean="0"/>
+              <a:t>Fünfte Ebene</a:t>
+            </a:r>
+            <a:endParaRPr lang="en-GB"/>
+          </a:p>
+        </p:txBody>
+      </p:sp>
+      <p:sp>
+        <p:nvSpPr>
+          <p:cNvPr id="6" name="Fußzeilenplatzhalter 5"/>
+          <p:cNvSpPr>
+            <a:spLocks noGrp="1"/>
+          </p:cNvSpPr>
+          <p:nvPr>
+            <p:ph type="ftr" sz="quarter" idx="4"/>
+          </p:nvPr>
+        </p:nvSpPr>
+        <p:spPr>
+          <a:xfrm>
+            <a:off x="0" y="8685213"/>
+            <a:ext cx="2971800" cy="457200"/>
+          </a:xfrm>
+          <a:prstGeom prst="rect">
+            <a:avLst/>
+          </a:prstGeom>
+        </p:spPr>
+        <p:txBody>
+          <a:bodyPr vert="horz" lIns="91440" tIns="45720" rIns="91440" bIns="45720" rtlCol="0" anchor="b"/>
+          <a:lstStyle>
+            <a:lvl1pPr algn="l">
+              <a:defRPr sz="1200"/>
+            </a:lvl1pPr>
+          </a:lstStyle>
+          <a:p>
+            <a:endParaRPr lang="en-GB"/>
+          </a:p>
+        </p:txBody>
+      </p:sp>
+      <p:sp>
+        <p:nvSpPr>
+          <p:cNvPr id="7" name="Foliennummernplatzhalter 6"/>
+          <p:cNvSpPr>
+            <a:spLocks noGrp="1"/>
+          </p:cNvSpPr>
+          <p:nvPr>
+            <p:ph type="sldNum" sz="quarter" idx="5"/>
+          </p:nvPr>
+        </p:nvSpPr>
+        <p:spPr>
+          <a:xfrm>
+            <a:off x="3884613" y="8685213"/>
+            <a:ext cx="2971800" cy="457200"/>
+          </a:xfrm>
+          <a:prstGeom prst="rect">
+            <a:avLst/>
+          </a:prstGeom>
+        </p:spPr>
+        <p:txBody>
+          <a:bodyPr vert="horz" lIns="91440" tIns="45720" rIns="91440" bIns="45720" rtlCol="0" anchor="b"/>
+          <a:lstStyle>
+            <a:lvl1pPr algn="r">
+              <a:defRPr sz="1200"/>
+            </a:lvl1pPr>
+          </a:lstStyle>
+          <a:p>
+            <a:fld id="{97CAC761-B2E2-4D92-8AB9-0BB7DF07F19A}" type="slidenum">
+              <a:rPr lang="en-GB" smtClean="0"/>
+              <a:t>‹Nr.›</a:t>
+            </a:fld>
+            <a:endParaRPr lang="en-GB"/>
+          </a:p>
+        </p:txBody>
+      </p:sp>
+    </p:spTree>
+    <p:extLst>
+      <p:ext uri="{BB962C8B-B14F-4D97-AF65-F5344CB8AC3E}">
+        <p14:creationId xmlns:p14="http://schemas.microsoft.com/office/powerpoint/2010/main" val="928989845"/>
+      </p:ext>
+    </p:extLst>
+  </p:cSld>
+  <p:clrMap bg1="lt1" tx1="dk1" bg2="lt2" tx2="dk2" accent1="accent1" accent2="accent2" accent3="accent3" accent4="accent4" accent5="accent5" accent6="accent6" hlink="hlink" folHlink="folHlink"/>
+  <p:notesStyle>
+    <a:lvl1pPr marL="0" algn="l" defTabSz="914400" rtl="0" eaLnBrk="1" latinLnBrk="0" hangingPunct="1">
+      <a:defRPr sz="1200" kern="1200">
+        <a:solidFill>
+          <a:schemeClr val="tx1"/>
+        </a:solidFill>
+        <a:latin typeface="+mn-lt"/>
+        <a:ea typeface="+mn-ea"/>
+        <a:cs typeface="+mn-cs"/>
+      </a:defRPr>
+    </a:lvl1pPr>
+    <a:lvl2pPr marL="457200" algn="l" defTabSz="914400" rtl="0" eaLnBrk="1" latinLnBrk="0" hangingPunct="1">
+      <a:defRPr sz="1200" kern="1200">
+        <a:solidFill>
+          <a:schemeClr val="tx1"/>
+        </a:solidFill>
+        <a:latin typeface="+mn-lt"/>
+        <a:ea typeface="+mn-ea"/>
+        <a:cs typeface="+mn-cs"/>
+      </a:defRPr>
+    </a:lvl2pPr>
+    <a:lvl3pPr marL="914400" algn="l" defTabSz="914400" rtl="0" eaLnBrk="1" latinLnBrk="0" hangingPunct="1">
+      <a:defRPr sz="1200" kern="1200">
+        <a:solidFill>
+          <a:schemeClr val="tx1"/>
+        </a:solidFill>
+        <a:latin typeface="+mn-lt"/>
+        <a:ea typeface="+mn-ea"/>
+        <a:cs typeface="+mn-cs"/>
+      </a:defRPr>
+    </a:lvl3pPr>
+    <a:lvl4pPr marL="1371600" algn="l" defTabSz="914400" rtl="0" eaLnBrk="1" latinLnBrk="0" hangingPunct="1">
+      <a:defRPr sz="1200" kern="1200">
+        <a:solidFill>
+          <a:schemeClr val="tx1"/>
+        </a:solidFill>
+        <a:latin typeface="+mn-lt"/>
+        <a:ea typeface="+mn-ea"/>
+        <a:cs typeface="+mn-cs"/>
+      </a:defRPr>
+    </a:lvl4pPr>
+    <a:lvl5pPr marL="1828800" algn="l" defTabSz="914400" rtl="0" eaLnBrk="1" latinLnBrk="0" hangingPunct="1">
+      <a:defRPr sz="1200" kern="1200">
+        <a:solidFill>
+          <a:schemeClr val="tx1"/>
+        </a:solidFill>
+        <a:latin typeface="+mn-lt"/>
+        <a:ea typeface="+mn-ea"/>
+        <a:cs typeface="+mn-cs"/>
+      </a:defRPr>
+    </a:lvl5pPr>
+    <a:lvl6pPr marL="2286000" algn="l" defTabSz="914400" rtl="0" eaLnBrk="1" latinLnBrk="0" hangingPunct="1">
+      <a:defRPr sz="1200" kern="1200">
+        <a:solidFill>
+          <a:schemeClr val="tx1"/>
+        </a:solidFill>
+        <a:latin typeface="+mn-lt"/>
+        <a:ea typeface="+mn-ea"/>
+        <a:cs typeface="+mn-cs"/>
+      </a:defRPr>
+    </a:lvl6pPr>
+    <a:lvl7pPr marL="2743200" algn="l" defTabSz="914400" rtl="0" eaLnBrk="1" latinLnBrk="0" hangingPunct="1">
+      <a:defRPr sz="1200" kern="1200">
+        <a:solidFill>
+          <a:schemeClr val="tx1"/>
+        </a:solidFill>
+        <a:latin typeface="+mn-lt"/>
+        <a:ea typeface="+mn-ea"/>
+        <a:cs typeface="+mn-cs"/>
+      </a:defRPr>
+    </a:lvl7pPr>
+    <a:lvl8pPr marL="3200400" algn="l" defTabSz="914400" rtl="0" eaLnBrk="1" latinLnBrk="0" hangingPunct="1">
+      <a:defRPr sz="1200" kern="1200">
+        <a:solidFill>
+          <a:schemeClr val="tx1"/>
+        </a:solidFill>
+        <a:latin typeface="+mn-lt"/>
+        <a:ea typeface="+mn-ea"/>
+        <a:cs typeface="+mn-cs"/>
+      </a:defRPr>
+    </a:lvl8pPr>
+    <a:lvl9pPr marL="3657600" algn="l" defTabSz="914400" rtl="0" eaLnBrk="1" latinLnBrk="0" hangingPunct="1">
+      <a:defRPr sz="1200" kern="1200">
+        <a:solidFill>
+          <a:schemeClr val="tx1"/>
+        </a:solidFill>
+        <a:latin typeface="+mn-lt"/>
+        <a:ea typeface="+mn-ea"/>
+        <a:cs typeface="+mn-cs"/>
+      </a:defRPr>
+    </a:lvl9pPr>
+  </p:notesStyle>
+</p:notesMaster>
+</file>
+
+<file path=ppt/notesSlides/notesSlide1.xml><?xml version="1.0" encoding="utf-8"?>
+<p:notes xmlns:a="http://schemas.openxmlformats.org/drawingml/2006/main" xmlns:r="http://schemas.openxmlformats.org/officeDocument/2006/relationships" xmlns:p="http://schemas.openxmlformats.org/presentationml/2006/main">
+  <p:cSld>
+    <p:spTree>
+      <p:nvGrpSpPr>
+        <p:cNvPr id="1" name=""/>
+        <p:cNvGrpSpPr/>
+        <p:nvPr/>
+      </p:nvGrpSpPr>
+      <p:grpSpPr>
+        <a:xfrm>
+          <a:off x="0" y="0"/>
+          <a:ext cx="0" cy="0"/>
+          <a:chOff x="0" y="0"/>
+          <a:chExt cx="0" cy="0"/>
+        </a:xfrm>
+      </p:grpSpPr>
+      <p:sp>
+        <p:nvSpPr>
+          <p:cNvPr id="2" name="Folienbildplatzhalter 1"/>
+          <p:cNvSpPr>
+            <a:spLocks noGrp="1" noRot="1" noChangeAspect="1"/>
+          </p:cNvSpPr>
+          <p:nvPr>
+            <p:ph type="sldImg"/>
+          </p:nvPr>
+        </p:nvSpPr>
+        <p:spPr/>
+      </p:sp>
+      <p:sp>
+        <p:nvSpPr>
+          <p:cNvPr id="3" name="Notizenplatzhalter 2"/>
+          <p:cNvSpPr>
+            <a:spLocks noGrp="1"/>
+          </p:cNvSpPr>
+          <p:nvPr>
+            <p:ph type="body" idx="1"/>
+          </p:nvPr>
+        </p:nvSpPr>
+        <p:spPr/>
+        <p:txBody>
+          <a:bodyPr/>
+          <a:lstStyle/>
+          <a:p>
+            <a:r>
+              <a:rPr lang="de-DE" dirty="0" smtClean="0"/>
+              <a:t>Rechenlast</a:t>
+            </a:r>
+            <a:r>
+              <a:rPr lang="de-DE" baseline="0" dirty="0" smtClean="0"/>
+              <a:t> Clientseitig</a:t>
+            </a:r>
+            <a:endParaRPr lang="en-GB" dirty="0"/>
+          </a:p>
+        </p:txBody>
+      </p:sp>
+      <p:sp>
+        <p:nvSpPr>
+          <p:cNvPr id="4" name="Foliennummernplatzhalter 3"/>
+          <p:cNvSpPr>
+            <a:spLocks noGrp="1"/>
+          </p:cNvSpPr>
+          <p:nvPr>
+            <p:ph type="sldNum" sz="quarter" idx="10"/>
+          </p:nvPr>
+        </p:nvSpPr>
+        <p:spPr/>
+        <p:txBody>
+          <a:bodyPr/>
+          <a:lstStyle/>
+          <a:p>
+            <a:fld id="{97CAC761-B2E2-4D92-8AB9-0BB7DF07F19A}" type="slidenum">
+              <a:rPr lang="en-GB" smtClean="0"/>
+              <a:t>7</a:t>
+            </a:fld>
+            <a:endParaRPr lang="en-GB"/>
+          </a:p>
+        </p:txBody>
+      </p:sp>
+    </p:spTree>
+    <p:extLst>
+      <p:ext uri="{BB962C8B-B14F-4D97-AF65-F5344CB8AC3E}">
+        <p14:creationId xmlns:p14="http://schemas.microsoft.com/office/powerpoint/2010/main" val="2916932286"/>
+      </p:ext>
+    </p:extLst>
+  </p:cSld>
+  <p:clrMapOvr>
+    <a:masterClrMapping/>
+  </p:clrMapOvr>
+</p:notes>
+</file>
+
+<file path=ppt/notesSlides/notesSlide2.xml><?xml version="1.0" encoding="utf-8"?>
+<p:notes xmlns:a="http://schemas.openxmlformats.org/drawingml/2006/main" xmlns:r="http://schemas.openxmlformats.org/officeDocument/2006/relationships" xmlns:p="http://schemas.openxmlformats.org/presentationml/2006/main">
+  <p:cSld>
+    <p:spTree>
+      <p:nvGrpSpPr>
+        <p:cNvPr id="1" name=""/>
+        <p:cNvGrpSpPr/>
+        <p:nvPr/>
+      </p:nvGrpSpPr>
+      <p:grpSpPr>
+        <a:xfrm>
+          <a:off x="0" y="0"/>
+          <a:ext cx="0" cy="0"/>
+          <a:chOff x="0" y="0"/>
+          <a:chExt cx="0" cy="0"/>
+        </a:xfrm>
+      </p:grpSpPr>
+      <p:sp>
+        <p:nvSpPr>
+          <p:cNvPr id="2" name="Folienbildplatzhalter 1"/>
+          <p:cNvSpPr>
+            <a:spLocks noGrp="1" noRot="1" noChangeAspect="1"/>
+          </p:cNvSpPr>
+          <p:nvPr>
+            <p:ph type="sldImg"/>
+          </p:nvPr>
+        </p:nvSpPr>
+        <p:spPr/>
+      </p:sp>
+      <p:sp>
+        <p:nvSpPr>
+          <p:cNvPr id="3" name="Notizenplatzhalter 2"/>
+          <p:cNvSpPr>
+            <a:spLocks noGrp="1"/>
+          </p:cNvSpPr>
+          <p:nvPr>
+            <p:ph type="body" idx="1"/>
+          </p:nvPr>
+        </p:nvSpPr>
+        <p:spPr/>
+        <p:txBody>
+          <a:bodyPr/>
+          <a:lstStyle/>
+          <a:p>
+            <a:endParaRPr lang="en-GB" dirty="0"/>
+          </a:p>
+        </p:txBody>
+      </p:sp>
+      <p:sp>
+        <p:nvSpPr>
+          <p:cNvPr id="4" name="Foliennummernplatzhalter 3"/>
+          <p:cNvSpPr>
+            <a:spLocks noGrp="1"/>
+          </p:cNvSpPr>
+          <p:nvPr>
+            <p:ph type="sldNum" sz="quarter" idx="10"/>
+          </p:nvPr>
+        </p:nvSpPr>
+        <p:spPr/>
+        <p:txBody>
+          <a:bodyPr/>
+          <a:lstStyle/>
+          <a:p>
+            <a:fld id="{97CAC761-B2E2-4D92-8AB9-0BB7DF07F19A}" type="slidenum">
+              <a:rPr lang="en-GB" smtClean="0"/>
+              <a:t>13</a:t>
+            </a:fld>
+            <a:endParaRPr lang="en-GB"/>
+          </a:p>
+        </p:txBody>
+      </p:sp>
+    </p:spTree>
+    <p:extLst>
+      <p:ext uri="{BB962C8B-B14F-4D97-AF65-F5344CB8AC3E}">
+        <p14:creationId xmlns:p14="http://schemas.microsoft.com/office/powerpoint/2010/main" val="2705162804"/>
+      </p:ext>
+    </p:extLst>
+  </p:cSld>
+  <p:clrMapOvr>
+    <a:masterClrMapping/>
+  </p:clrMapOvr>
+</p:notes>
 </file>
 
 <file path=ppt/slideLayouts/slideLayout1.xml><?xml version="1.0" encoding="utf-8"?>
@@ -3113,6 +3646,13 @@
   <p:clrMapOvr>
     <a:masterClrMapping/>
   </p:clrMapOvr>
+  <p:timing>
+    <p:tnLst>
+      <p:par>
+        <p:cTn id="1" dur="indefinite" restart="never" nodeType="tmRoot"/>
+      </p:par>
+    </p:tnLst>
+  </p:timing>
 </p:sld>
 </file>
 
@@ -3150,11 +3690,7 @@
           <a:p>
             <a:r>
               <a:rPr lang="de-DE" dirty="0" smtClean="0"/>
-              <a:t>Webclient-</a:t>
-            </a:r>
-            <a:r>
-              <a:rPr lang="de-DE" dirty="0" err="1" smtClean="0"/>
-              <a:t>Widgets</a:t>
+              <a:t>Authentifizierung</a:t>
             </a:r>
             <a:endParaRPr lang="en-GB" dirty="0"/>
           </a:p>
@@ -3173,123 +3709,374 @@
         <p:spPr/>
         <p:txBody>
           <a:bodyPr>
-            <a:normAutofit lnSpcReduction="10000"/>
+            <a:normAutofit fontScale="40000" lnSpcReduction="20000"/>
           </a:bodyPr>
           <a:lstStyle/>
           <a:p>
-            <a:r>
-              <a:rPr lang="de-DE" dirty="0" smtClean="0"/>
-              <a:t>Controller für spezielle Elemente der GUI</a:t>
-            </a:r>
-          </a:p>
-          <a:p>
-            <a:pPr lvl="1"/>
-            <a:r>
-              <a:rPr lang="de-DE" dirty="0" err="1" smtClean="0"/>
-              <a:t>Tracklist</a:t>
-            </a:r>
-            <a:r>
-              <a:rPr lang="de-DE" dirty="0" smtClean="0"/>
-              <a:t> -&gt; Listenansicht</a:t>
-            </a:r>
-            <a:endParaRPr lang="de-DE" dirty="0" smtClean="0"/>
-          </a:p>
-          <a:p>
-            <a:pPr lvl="1"/>
-            <a:r>
-              <a:rPr lang="de-DE" dirty="0" err="1" smtClean="0"/>
-              <a:t>Trackdetails</a:t>
-            </a:r>
-            <a:r>
-              <a:rPr lang="de-DE" dirty="0" smtClean="0"/>
-              <a:t> -&gt; Detailansicht</a:t>
-            </a:r>
-            <a:endParaRPr lang="de-DE" dirty="0" smtClean="0"/>
-          </a:p>
-          <a:p>
-            <a:pPr lvl="1"/>
-            <a:r>
-              <a:rPr lang="de-DE" dirty="0" err="1" smtClean="0"/>
-              <a:t>CreateDialog</a:t>
-            </a:r>
-            <a:r>
-              <a:rPr lang="de-DE" dirty="0" smtClean="0"/>
-              <a:t> -&gt; Dialogfenster zum Erstellen</a:t>
-            </a:r>
-            <a:endParaRPr lang="de-DE" dirty="0" smtClean="0"/>
-          </a:p>
-          <a:p>
-            <a:pPr lvl="1"/>
-            <a:r>
-              <a:rPr lang="de-DE" dirty="0" err="1" smtClean="0"/>
-              <a:t>EditDialog</a:t>
-            </a:r>
-            <a:r>
-              <a:rPr lang="de-DE" dirty="0" smtClean="0"/>
-              <a:t> -&gt; Dialogfenster zum Bearbeiten</a:t>
-            </a:r>
-            <a:endParaRPr lang="de-DE" dirty="0" smtClean="0"/>
-          </a:p>
-          <a:p>
-            <a:pPr lvl="1"/>
-            <a:r>
-              <a:rPr lang="de-DE" dirty="0" err="1" smtClean="0"/>
-              <a:t>DeleteDialog</a:t>
-            </a:r>
-            <a:r>
-              <a:rPr lang="de-DE" dirty="0" smtClean="0"/>
-              <a:t> -&gt;Dialogfenster zur Bestätigung</a:t>
-            </a:r>
-            <a:endParaRPr lang="de-DE" dirty="0" smtClean="0"/>
-          </a:p>
-          <a:p>
-            <a:pPr lvl="1"/>
-            <a:r>
-              <a:rPr lang="de-DE" dirty="0" err="1" smtClean="0"/>
-              <a:t>ErrorDialog</a:t>
-            </a:r>
-            <a:r>
-              <a:rPr lang="de-DE" dirty="0" smtClean="0"/>
-              <a:t>-&gt; Dialogfenster im Fehlerfall</a:t>
-            </a:r>
-            <a:endParaRPr lang="de-DE" dirty="0" smtClean="0"/>
-          </a:p>
-          <a:p>
-            <a:pPr lvl="1"/>
-            <a:r>
-              <a:rPr lang="de-DE" dirty="0" smtClean="0"/>
-              <a:t>Navigation -&gt; zur Navigation im Kopfbereich</a:t>
-            </a:r>
-            <a:endParaRPr lang="de-DE" dirty="0" smtClean="0"/>
-          </a:p>
-          <a:p>
-            <a:pPr lvl="1"/>
-            <a:r>
-              <a:rPr lang="de-DE" dirty="0" smtClean="0"/>
-              <a:t>Limitation -&gt; für das </a:t>
-            </a:r>
-            <a:r>
-              <a:rPr lang="de-DE" dirty="0" err="1" smtClean="0"/>
-              <a:t>Paging</a:t>
-            </a:r>
-            <a:r>
-              <a:rPr lang="de-DE" dirty="0" smtClean="0"/>
-              <a:t> der Liste</a:t>
+            <a:pPr marL="0" indent="0">
+              <a:buNone/>
+            </a:pPr>
+            <a:r>
+              <a:rPr lang="en-GB" dirty="0"/>
+              <a:t>&lt;?</a:t>
+            </a:r>
+            <a:r>
+              <a:rPr lang="en-GB" dirty="0" err="1"/>
+              <a:t>php</a:t>
             </a:r>
             <a:endParaRPr lang="en-GB" dirty="0"/>
+          </a:p>
+          <a:p>
+            <a:pPr marL="0" indent="0">
+              <a:buNone/>
+            </a:pPr>
+            <a:r>
+              <a:rPr lang="en-GB" dirty="0" err="1"/>
+              <a:t>session_start</a:t>
+            </a:r>
+            <a:r>
+              <a:rPr lang="en-GB" dirty="0"/>
+              <a:t>();</a:t>
+            </a:r>
+          </a:p>
+          <a:p>
+            <a:pPr marL="0" indent="0">
+              <a:buNone/>
+            </a:pPr>
+            <a:r>
+              <a:rPr lang="en-GB" dirty="0"/>
+              <a:t>?&gt;</a:t>
+            </a:r>
+          </a:p>
+          <a:p>
+            <a:pPr marL="0" indent="0">
+              <a:buNone/>
+            </a:pPr>
+            <a:r>
+              <a:rPr lang="en-GB" dirty="0"/>
+              <a:t>&lt;?</a:t>
+            </a:r>
+            <a:r>
+              <a:rPr lang="en-GB" dirty="0" err="1"/>
+              <a:t>php</a:t>
+            </a:r>
+            <a:endParaRPr lang="en-GB" dirty="0"/>
+          </a:p>
+          <a:p>
+            <a:pPr marL="0" indent="0">
+              <a:buNone/>
+            </a:pPr>
+            <a:r>
+              <a:rPr lang="en-GB" dirty="0"/>
+              <a:t>	$</a:t>
+            </a:r>
+            <a:r>
+              <a:rPr lang="en-GB" dirty="0" err="1"/>
+              <a:t>verbindung</a:t>
+            </a:r>
+            <a:r>
+              <a:rPr lang="en-GB" dirty="0"/>
+              <a:t> = </a:t>
+            </a:r>
+            <a:r>
+              <a:rPr lang="en-GB" dirty="0" err="1"/>
+              <a:t>mysql_connect</a:t>
+            </a:r>
+            <a:r>
+              <a:rPr lang="en-GB" dirty="0"/>
+              <a:t>("</a:t>
+            </a:r>
+            <a:r>
+              <a:rPr lang="en-GB" dirty="0" err="1"/>
+              <a:t>localhost</a:t>
+            </a:r>
+            <a:r>
+              <a:rPr lang="en-GB" dirty="0"/>
+              <a:t>", "root" , "")</a:t>
+            </a:r>
+          </a:p>
+          <a:p>
+            <a:pPr marL="0" indent="0">
+              <a:buNone/>
+            </a:pPr>
+            <a:r>
+              <a:rPr lang="en-GB" dirty="0"/>
+              <a:t>	or die("</a:t>
+            </a:r>
+            <a:r>
+              <a:rPr lang="en-GB" dirty="0" err="1"/>
+              <a:t>Fehler</a:t>
+            </a:r>
+            <a:r>
+              <a:rPr lang="en-GB" dirty="0"/>
+              <a:t> </a:t>
+            </a:r>
+            <a:r>
+              <a:rPr lang="en-GB" dirty="0" err="1"/>
+              <a:t>bei</a:t>
+            </a:r>
+            <a:r>
+              <a:rPr lang="en-GB" dirty="0"/>
+              <a:t> der </a:t>
+            </a:r>
+            <a:r>
+              <a:rPr lang="en-GB" dirty="0" err="1"/>
+              <a:t>Verbindung</a:t>
+            </a:r>
+            <a:r>
+              <a:rPr lang="en-GB" dirty="0"/>
+              <a:t> </a:t>
+            </a:r>
+            <a:r>
+              <a:rPr lang="en-GB" dirty="0" err="1"/>
+              <a:t>zur</a:t>
+            </a:r>
+            <a:r>
+              <a:rPr lang="en-GB" dirty="0"/>
+              <a:t> </a:t>
+            </a:r>
+            <a:r>
+              <a:rPr lang="en-GB" dirty="0" err="1"/>
+              <a:t>Datenbank</a:t>
+            </a:r>
+            <a:r>
+              <a:rPr lang="en-GB" dirty="0"/>
+              <a:t>!");</a:t>
+            </a:r>
+          </a:p>
+          <a:p>
+            <a:pPr marL="0" indent="0">
+              <a:buNone/>
+            </a:pPr>
+            <a:r>
+              <a:rPr lang="en-GB" dirty="0"/>
+              <a:t>	</a:t>
+            </a:r>
+            <a:r>
+              <a:rPr lang="en-GB" dirty="0" err="1"/>
+              <a:t>mysql_select_db</a:t>
+            </a:r>
+            <a:r>
+              <a:rPr lang="en-GB" dirty="0"/>
+              <a:t>("</a:t>
+            </a:r>
+            <a:r>
+              <a:rPr lang="en-GB" dirty="0" err="1"/>
+              <a:t>sportfreunde</a:t>
+            </a:r>
+            <a:r>
+              <a:rPr lang="en-GB" dirty="0"/>
+              <a:t>") or die ("</a:t>
+            </a:r>
+            <a:r>
+              <a:rPr lang="en-GB" dirty="0" err="1"/>
+              <a:t>Datenbankfehler</a:t>
+            </a:r>
+            <a:r>
+              <a:rPr lang="en-GB" dirty="0"/>
+              <a:t>!");</a:t>
+            </a:r>
+          </a:p>
+          <a:p>
+            <a:pPr marL="0" indent="0">
+              <a:buNone/>
+            </a:pPr>
+            <a:endParaRPr lang="en-GB" dirty="0"/>
+          </a:p>
+          <a:p>
+            <a:pPr marL="0" indent="0">
+              <a:buNone/>
+            </a:pPr>
+            <a:r>
+              <a:rPr lang="en-GB" dirty="0"/>
+              <a:t>	$user = $_POST["user"];</a:t>
+            </a:r>
+          </a:p>
+          <a:p>
+            <a:pPr marL="0" indent="0">
+              <a:buNone/>
+            </a:pPr>
+            <a:r>
+              <a:rPr lang="en-GB" dirty="0"/>
+              <a:t>	$</a:t>
+            </a:r>
+            <a:r>
+              <a:rPr lang="en-GB" dirty="0" err="1"/>
+              <a:t>pw</a:t>
+            </a:r>
+            <a:r>
+              <a:rPr lang="en-GB" dirty="0"/>
+              <a:t> = $_POST["</a:t>
+            </a:r>
+            <a:r>
+              <a:rPr lang="en-GB" dirty="0" err="1"/>
+              <a:t>pw</a:t>
+            </a:r>
+            <a:r>
+              <a:rPr lang="en-GB" dirty="0"/>
+              <a:t>"];</a:t>
+            </a:r>
+          </a:p>
+          <a:p>
+            <a:pPr marL="0" indent="0">
+              <a:buNone/>
+            </a:pPr>
+            <a:endParaRPr lang="en-GB" dirty="0"/>
+          </a:p>
+          <a:p>
+            <a:pPr marL="0" indent="0">
+              <a:buNone/>
+            </a:pPr>
+            <a:r>
+              <a:rPr lang="en-GB" dirty="0"/>
+              <a:t>	$query = "SELECT user, </a:t>
+            </a:r>
+            <a:r>
+              <a:rPr lang="en-GB" dirty="0" err="1"/>
+              <a:t>pw</a:t>
+            </a:r>
+            <a:r>
+              <a:rPr lang="en-GB" dirty="0"/>
+              <a:t> FROM users WHERE user LIKE '$user' LIMIT 1";</a:t>
+            </a:r>
+          </a:p>
+          <a:p>
+            <a:pPr marL="0" indent="0">
+              <a:buNone/>
+            </a:pPr>
+            <a:r>
+              <a:rPr lang="en-GB" dirty="0"/>
+              <a:t>	$result = </a:t>
+            </a:r>
+            <a:r>
+              <a:rPr lang="en-GB" dirty="0" err="1"/>
+              <a:t>mysql_query</a:t>
+            </a:r>
+            <a:r>
+              <a:rPr lang="en-GB" dirty="0"/>
+              <a:t>($query);</a:t>
+            </a:r>
+          </a:p>
+          <a:p>
+            <a:pPr marL="0" indent="0">
+              <a:buNone/>
+            </a:pPr>
+            <a:r>
+              <a:rPr lang="en-GB" dirty="0"/>
+              <a:t>	$row = </a:t>
+            </a:r>
+            <a:r>
+              <a:rPr lang="en-GB" dirty="0" err="1"/>
+              <a:t>mysql_fetch_object</a:t>
+            </a:r>
+            <a:r>
+              <a:rPr lang="en-GB" dirty="0"/>
+              <a:t>($result);</a:t>
+            </a:r>
+          </a:p>
+          <a:p>
+            <a:pPr marL="0" indent="0">
+              <a:buNone/>
+            </a:pPr>
+            <a:endParaRPr lang="en-GB" dirty="0"/>
+          </a:p>
+          <a:p>
+            <a:pPr marL="0" indent="0">
+              <a:buNone/>
+            </a:pPr>
+            <a:r>
+              <a:rPr lang="en-GB" dirty="0"/>
+              <a:t>	if($row-&gt;</a:t>
+            </a:r>
+            <a:r>
+              <a:rPr lang="en-GB" dirty="0" err="1"/>
+              <a:t>pw</a:t>
+            </a:r>
+            <a:r>
+              <a:rPr lang="en-GB" dirty="0"/>
+              <a:t> == $</a:t>
+            </a:r>
+            <a:r>
+              <a:rPr lang="en-GB" dirty="0" err="1"/>
+              <a:t>pw</a:t>
+            </a:r>
+            <a:r>
+              <a:rPr lang="en-GB" dirty="0"/>
+              <a:t>)</a:t>
+            </a:r>
+          </a:p>
+          <a:p>
+            <a:pPr marL="0" indent="0">
+              <a:buNone/>
+            </a:pPr>
+            <a:r>
+              <a:rPr lang="en-GB" dirty="0"/>
+              <a:t>		{</a:t>
+            </a:r>
+          </a:p>
+          <a:p>
+            <a:pPr marL="0" indent="0">
+              <a:buNone/>
+            </a:pPr>
+            <a:r>
+              <a:rPr lang="en-GB" dirty="0"/>
+              <a:t>		$_SESSION["user"] = $user;</a:t>
+            </a:r>
+          </a:p>
+          <a:p>
+            <a:pPr marL="0" indent="0">
+              <a:buNone/>
+            </a:pPr>
+            <a:r>
+              <a:rPr lang="en-GB" dirty="0"/>
+              <a:t>		}</a:t>
+            </a:r>
+          </a:p>
+          <a:p>
+            <a:pPr marL="0" indent="0">
+              <a:buNone/>
+            </a:pPr>
+            <a:r>
+              <a:rPr lang="en-GB" dirty="0"/>
+              <a:t>	header('Location: </a:t>
+            </a:r>
+            <a:r>
+              <a:rPr lang="en-GB" dirty="0" err="1"/>
+              <a:t>index.php</a:t>
+            </a:r>
+            <a:r>
+              <a:rPr lang="en-GB" dirty="0"/>
+              <a:t>');</a:t>
+            </a:r>
+          </a:p>
+          <a:p>
+            <a:pPr marL="0" indent="0">
+              <a:buNone/>
+            </a:pPr>
+            <a:r>
+              <a:rPr lang="en-GB" dirty="0"/>
+              <a:t>?&gt; </a:t>
+            </a:r>
           </a:p>
         </p:txBody>
       </p:sp>
     </p:spTree>
     <p:extLst>
       <p:ext uri="{BB962C8B-B14F-4D97-AF65-F5344CB8AC3E}">
-        <p14:creationId xmlns:p14="http://schemas.microsoft.com/office/powerpoint/2010/main" val="1267882555"/>
+        <p14:creationId xmlns:p14="http://schemas.microsoft.com/office/powerpoint/2010/main" val="4255705440"/>
       </p:ext>
     </p:extLst>
   </p:cSld>
   <p:clrMapOvr>
     <a:masterClrMapping/>
   </p:clrMapOvr>
+  <p:timing>
+    <p:tnLst>
+      <p:par>
+        <p:cTn id="1" dur="indefinite" restart="never" nodeType="tmRoot"/>
+      </p:par>
+    </p:tnLst>
+  </p:timing>
 </p:sld>
 </file>
 
@@ -3326,14 +4113,10 @@
           <a:lstStyle/>
           <a:p>
             <a:r>
-              <a:rPr lang="de-DE" dirty="0"/>
-              <a:t>Webclient - </a:t>
-            </a:r>
-            <a:r>
-              <a:rPr lang="de-DE" dirty="0" err="1"/>
-              <a:t>Paging</a:t>
-            </a:r>
-            <a:endParaRPr lang="de-DE" dirty="0"/>
+              <a:rPr lang="de-DE" dirty="0" smtClean="0"/>
+              <a:t>Authentifizierung</a:t>
+            </a:r>
+            <a:endParaRPr lang="en-GB" dirty="0"/>
           </a:p>
         </p:txBody>
       </p:sp>
@@ -3350,7 +4133,7 @@
         <p:spPr/>
         <p:txBody>
           <a:bodyPr>
-            <a:normAutofit fontScale="25000" lnSpcReduction="20000"/>
+            <a:normAutofit fontScale="32500" lnSpcReduction="20000"/>
           </a:bodyPr>
           <a:lstStyle/>
           <a:p>
@@ -3358,13 +4141,446 @@
               <a:buNone/>
             </a:pPr>
             <a:r>
-              <a:rPr lang="de-DE" sz="9600" b="1" dirty="0" err="1" smtClean="0"/>
-              <a:t>Widget</a:t>
-            </a:r>
-            <a:r>
-              <a:rPr lang="de-DE" sz="9600" b="1" dirty="0" smtClean="0"/>
-              <a:t> mit der Kontroll-Logik</a:t>
-            </a:r>
+              <a:rPr lang="de-DE" sz="5500" b="1" dirty="0" smtClean="0"/>
+              <a:t>Login:</a:t>
+            </a:r>
+          </a:p>
+          <a:p>
+            <a:pPr marL="0" indent="0">
+              <a:buNone/>
+            </a:pPr>
+            <a:endParaRPr lang="en-GB" sz="5500" b="1" dirty="0" smtClean="0"/>
+          </a:p>
+          <a:p>
+            <a:pPr marL="0" indent="0">
+              <a:buNone/>
+            </a:pPr>
+            <a:r>
+              <a:rPr lang="en-GB" dirty="0" smtClean="0"/>
+              <a:t>&lt;?</a:t>
+            </a:r>
+            <a:r>
+              <a:rPr lang="en-GB" dirty="0" err="1"/>
+              <a:t>php</a:t>
+            </a:r>
+            <a:endParaRPr lang="en-GB" dirty="0"/>
+          </a:p>
+          <a:p>
+            <a:pPr marL="0" indent="0">
+              <a:buNone/>
+            </a:pPr>
+            <a:r>
+              <a:rPr lang="en-GB" dirty="0"/>
+              <a:t>	</a:t>
+            </a:r>
+            <a:r>
+              <a:rPr lang="en-GB" dirty="0" smtClean="0"/>
+              <a:t>if</a:t>
+            </a:r>
+            <a:r>
+              <a:rPr lang="en-GB" dirty="0"/>
+              <a:t>(!</a:t>
+            </a:r>
+            <a:r>
+              <a:rPr lang="en-GB" dirty="0" err="1"/>
+              <a:t>isset</a:t>
+            </a:r>
+            <a:r>
+              <a:rPr lang="en-GB" dirty="0"/>
+              <a:t>($_SESSION["user"]))</a:t>
+            </a:r>
+          </a:p>
+          <a:p>
+            <a:pPr marL="0" indent="0">
+              <a:buNone/>
+            </a:pPr>
+            <a:r>
+              <a:rPr lang="en-GB" dirty="0"/>
+              <a:t>		</a:t>
+            </a:r>
+            <a:r>
+              <a:rPr lang="en-GB" dirty="0" smtClean="0"/>
+              <a:t> </a:t>
+            </a:r>
+            <a:r>
+              <a:rPr lang="en-GB" dirty="0"/>
+              <a:t>{</a:t>
+            </a:r>
+          </a:p>
+          <a:p>
+            <a:pPr marL="0" indent="0">
+              <a:buNone/>
+            </a:pPr>
+            <a:r>
+              <a:rPr lang="en-GB" dirty="0"/>
+              <a:t>		</a:t>
+            </a:r>
+            <a:r>
+              <a:rPr lang="en-GB" dirty="0" smtClean="0"/>
+              <a:t>echo </a:t>
+            </a:r>
+          </a:p>
+          <a:p>
+            <a:pPr marL="0" indent="0">
+              <a:buNone/>
+            </a:pPr>
+            <a:r>
+              <a:rPr lang="en-GB" dirty="0" smtClean="0"/>
+              <a:t>		“&lt;</a:t>
+            </a:r>
+            <a:r>
+              <a:rPr lang="en-GB" dirty="0"/>
+              <a:t>form action=\"</a:t>
+            </a:r>
+            <a:r>
+              <a:rPr lang="en-GB" dirty="0" err="1"/>
+              <a:t>login.php</a:t>
+            </a:r>
+            <a:r>
+              <a:rPr lang="en-GB" dirty="0"/>
+              <a:t>\" method=\"post\"&gt;</a:t>
+            </a:r>
+          </a:p>
+          <a:p>
+            <a:pPr marL="0" indent="0">
+              <a:buNone/>
+            </a:pPr>
+            <a:r>
+              <a:rPr lang="en-GB" dirty="0"/>
+              <a:t>		</a:t>
+            </a:r>
+            <a:r>
+              <a:rPr lang="en-GB" dirty="0" smtClean="0"/>
+              <a:t> </a:t>
+            </a:r>
+            <a:r>
+              <a:rPr lang="en-GB" dirty="0"/>
+              <a:t>&lt;p&gt;</a:t>
+            </a:r>
+            <a:r>
+              <a:rPr lang="en-GB" dirty="0" err="1"/>
+              <a:t>Sie</a:t>
+            </a:r>
+            <a:r>
+              <a:rPr lang="en-GB" dirty="0"/>
+              <a:t> </a:t>
+            </a:r>
+            <a:r>
+              <a:rPr lang="en-GB" dirty="0" err="1"/>
+              <a:t>sind</a:t>
+            </a:r>
+            <a:r>
+              <a:rPr lang="en-GB" dirty="0"/>
+              <a:t> </a:t>
+            </a:r>
+            <a:r>
+              <a:rPr lang="en-GB" dirty="0" err="1"/>
+              <a:t>nicht</a:t>
+            </a:r>
+            <a:r>
+              <a:rPr lang="en-GB" dirty="0"/>
+              <a:t> </a:t>
+            </a:r>
+            <a:r>
+              <a:rPr lang="en-GB" dirty="0" err="1"/>
+              <a:t>eingeloggt</a:t>
+            </a:r>
+            <a:r>
+              <a:rPr lang="en-GB" dirty="0"/>
+              <a:t>!&lt;/p&gt;</a:t>
+            </a:r>
+          </a:p>
+          <a:p>
+            <a:pPr marL="0" indent="0">
+              <a:buNone/>
+            </a:pPr>
+            <a:r>
+              <a:rPr lang="en-GB" dirty="0"/>
+              <a:t>		</a:t>
+            </a:r>
+            <a:r>
+              <a:rPr lang="en-GB" dirty="0" smtClean="0"/>
+              <a:t>&lt;</a:t>
+            </a:r>
+            <a:r>
+              <a:rPr lang="en-GB" dirty="0"/>
+              <a:t>p&gt;</a:t>
+            </a:r>
+            <a:r>
+              <a:rPr lang="en-GB" dirty="0" err="1"/>
+              <a:t>Bitte</a:t>
+            </a:r>
+            <a:r>
+              <a:rPr lang="en-GB" dirty="0"/>
+              <a:t> </a:t>
+            </a:r>
+            <a:r>
+              <a:rPr lang="en-GB" dirty="0" err="1"/>
+              <a:t>melden</a:t>
+            </a:r>
+            <a:r>
+              <a:rPr lang="en-GB" dirty="0"/>
+              <a:t> </a:t>
+            </a:r>
+            <a:r>
+              <a:rPr lang="en-GB" dirty="0" err="1"/>
+              <a:t>Sie</a:t>
+            </a:r>
+            <a:r>
+              <a:rPr lang="en-GB" dirty="0"/>
+              <a:t> </a:t>
+            </a:r>
+            <a:r>
+              <a:rPr lang="en-GB" dirty="0" err="1"/>
+              <a:t>sich</a:t>
+            </a:r>
+            <a:r>
+              <a:rPr lang="en-GB" dirty="0"/>
+              <a:t> an:&lt;/p&gt;  </a:t>
+            </a:r>
+          </a:p>
+          <a:p>
+            <a:pPr marL="0" indent="0">
+              <a:buNone/>
+            </a:pPr>
+            <a:r>
+              <a:rPr lang="en-GB" dirty="0"/>
+              <a:t>		</a:t>
+            </a:r>
+            <a:r>
+              <a:rPr lang="en-GB" dirty="0" smtClean="0"/>
+              <a:t>&lt;</a:t>
+            </a:r>
+            <a:r>
+              <a:rPr lang="en-GB" dirty="0"/>
+              <a:t>label for=\"user\"&gt;</a:t>
+            </a:r>
+            <a:r>
+              <a:rPr lang="en-GB" dirty="0" err="1"/>
+              <a:t>Benutzer</a:t>
+            </a:r>
+            <a:r>
+              <a:rPr lang="en-GB" dirty="0"/>
+              <a:t>:&lt;/label&gt;</a:t>
+            </a:r>
+          </a:p>
+          <a:p>
+            <a:pPr marL="0" indent="0">
+              <a:buNone/>
+            </a:pPr>
+            <a:r>
+              <a:rPr lang="en-GB" dirty="0"/>
+              <a:t>		</a:t>
+            </a:r>
+            <a:r>
+              <a:rPr lang="en-GB" dirty="0" smtClean="0"/>
+              <a:t>&lt;</a:t>
+            </a:r>
+            <a:r>
+              <a:rPr lang="en-GB" dirty="0"/>
+              <a:t>p&gt; &lt;input type=\"text\" name=\"user\" id=\"user\" value=\"\" /&gt;&lt;/p&gt;</a:t>
+            </a:r>
+          </a:p>
+          <a:p>
+            <a:pPr marL="0" indent="0">
+              <a:buNone/>
+            </a:pPr>
+            <a:r>
+              <a:rPr lang="en-GB" dirty="0"/>
+              <a:t>		</a:t>
+            </a:r>
+            <a:r>
+              <a:rPr lang="en-GB" dirty="0" smtClean="0"/>
+              <a:t>&lt;</a:t>
+            </a:r>
+            <a:r>
+              <a:rPr lang="en-GB" dirty="0"/>
+              <a:t>label for=\"</a:t>
+            </a:r>
+            <a:r>
+              <a:rPr lang="en-GB" dirty="0" err="1"/>
+              <a:t>pw</a:t>
+            </a:r>
+            <a:r>
+              <a:rPr lang="en-GB" dirty="0"/>
+              <a:t>\"&gt;</a:t>
+            </a:r>
+            <a:r>
+              <a:rPr lang="en-GB" dirty="0" err="1"/>
+              <a:t>Passwort</a:t>
+            </a:r>
+            <a:r>
+              <a:rPr lang="en-GB" dirty="0"/>
+              <a:t>&lt;/label&gt;</a:t>
+            </a:r>
+          </a:p>
+          <a:p>
+            <a:pPr marL="0" indent="0">
+              <a:buNone/>
+            </a:pPr>
+            <a:r>
+              <a:rPr lang="en-GB" dirty="0"/>
+              <a:t>		</a:t>
+            </a:r>
+            <a:r>
+              <a:rPr lang="en-GB" dirty="0" smtClean="0"/>
+              <a:t>&lt;</a:t>
+            </a:r>
+            <a:r>
+              <a:rPr lang="en-GB" dirty="0"/>
+              <a:t>p&gt; &lt;input type=\"password\" name=\"</a:t>
+            </a:r>
+            <a:r>
+              <a:rPr lang="en-GB" dirty="0" err="1"/>
+              <a:t>pw</a:t>
+            </a:r>
+            <a:r>
+              <a:rPr lang="en-GB" dirty="0"/>
+              <a:t>\" id=\"</a:t>
+            </a:r>
+            <a:r>
+              <a:rPr lang="en-GB" dirty="0" err="1"/>
+              <a:t>pw</a:t>
+            </a:r>
+            <a:r>
+              <a:rPr lang="en-GB" dirty="0"/>
+              <a:t>\" value=\"\" /&gt;&lt;/p&gt;</a:t>
+            </a:r>
+          </a:p>
+          <a:p>
+            <a:pPr marL="0" indent="0">
+              <a:buNone/>
+            </a:pPr>
+            <a:r>
+              <a:rPr lang="en-GB" dirty="0" smtClean="0"/>
+              <a:t>		&lt;</a:t>
+            </a:r>
+            <a:r>
+              <a:rPr lang="en-GB" dirty="0"/>
+              <a:t>p&gt;&lt;input type=\"submit\" name=\"cancel\" value=\"</a:t>
+            </a:r>
+            <a:r>
+              <a:rPr lang="en-GB" dirty="0" err="1"/>
+              <a:t>Absenden</a:t>
+            </a:r>
+            <a:r>
+              <a:rPr lang="en-GB" dirty="0"/>
+              <a:t>\"/&gt;&lt;/p</a:t>
+            </a:r>
+            <a:r>
+              <a:rPr lang="en-GB" dirty="0" smtClean="0"/>
+              <a:t>&gt;</a:t>
+            </a:r>
+            <a:endParaRPr lang="en-GB" dirty="0"/>
+          </a:p>
+          <a:p>
+            <a:pPr marL="0" indent="0">
+              <a:buNone/>
+            </a:pPr>
+            <a:r>
+              <a:rPr lang="en-GB" dirty="0"/>
+              <a:t>		</a:t>
+            </a:r>
+            <a:r>
+              <a:rPr lang="en-GB" dirty="0" smtClean="0"/>
+              <a:t>&lt;/</a:t>
+            </a:r>
+            <a:r>
+              <a:rPr lang="en-GB" dirty="0"/>
+              <a:t>form&gt;";</a:t>
+            </a:r>
+          </a:p>
+          <a:p>
+            <a:pPr marL="0" indent="0">
+              <a:buNone/>
+            </a:pPr>
+            <a:r>
+              <a:rPr lang="en-GB" dirty="0"/>
+              <a:t>							</a:t>
+            </a:r>
+          </a:p>
+          <a:p>
+            <a:pPr marL="0" indent="0">
+              <a:buNone/>
+            </a:pPr>
+            <a:r>
+              <a:rPr lang="en-GB" dirty="0"/>
+              <a:t>		</a:t>
+            </a:r>
+            <a:r>
+              <a:rPr lang="en-GB" dirty="0" smtClean="0"/>
+              <a:t>  </a:t>
+            </a:r>
+            <a:r>
+              <a:rPr lang="en-GB" dirty="0"/>
+              <a:t>}else{</a:t>
+            </a:r>
+          </a:p>
+          <a:p>
+            <a:pPr marL="0" indent="0">
+              <a:buNone/>
+            </a:pPr>
+            <a:r>
+              <a:rPr lang="en-GB" dirty="0" smtClean="0"/>
+              <a:t>		echo </a:t>
+            </a:r>
+            <a:r>
+              <a:rPr lang="en-GB" dirty="0"/>
+              <a:t>"&lt;p&gt;</a:t>
+            </a:r>
+            <a:r>
+              <a:rPr lang="en-GB" dirty="0" err="1"/>
+              <a:t>Willkommen</a:t>
+            </a:r>
+            <a:r>
+              <a:rPr lang="en-GB" dirty="0"/>
+              <a:t> auf der </a:t>
+            </a:r>
+            <a:r>
+              <a:rPr lang="en-GB" dirty="0" err="1"/>
+              <a:t>Seite</a:t>
+            </a:r>
+            <a:r>
+              <a:rPr lang="en-GB" dirty="0"/>
+              <a:t> der </a:t>
+            </a:r>
+            <a:r>
+              <a:rPr lang="en-GB" dirty="0" err="1"/>
+              <a:t>Sportfreunde</a:t>
+            </a:r>
+            <a:r>
+              <a:rPr lang="en-GB" dirty="0"/>
+              <a:t> RFH&lt;/p&gt;";</a:t>
+            </a:r>
+          </a:p>
+          <a:p>
+            <a:pPr marL="0" indent="0">
+              <a:buNone/>
+            </a:pPr>
+            <a:r>
+              <a:rPr lang="en-GB" dirty="0"/>
+              <a:t>		</a:t>
+            </a:r>
+            <a:r>
+              <a:rPr lang="en-GB" dirty="0" smtClean="0"/>
+              <a:t>}</a:t>
+            </a:r>
+            <a:endParaRPr lang="en-GB" dirty="0"/>
+          </a:p>
+          <a:p>
+            <a:pPr marL="0" indent="0">
+              <a:buNone/>
+            </a:pPr>
+            <a:r>
+              <a:rPr lang="en-GB" dirty="0" smtClean="0"/>
+              <a:t>?&gt; </a:t>
+            </a:r>
+          </a:p>
+          <a:p>
+            <a:pPr marL="0" indent="0">
+              <a:buNone/>
+            </a:pPr>
+            <a:endParaRPr lang="de-DE" dirty="0" smtClean="0"/>
           </a:p>
           <a:p>
             <a:pPr marL="0" indent="0">
@@ -3377,874 +4593,67 @@
               <a:buNone/>
             </a:pPr>
             <a:r>
-              <a:rPr lang="de-DE" dirty="0" smtClean="0"/>
-              <a:t>$.</a:t>
-            </a:r>
-            <a:r>
-              <a:rPr lang="de-DE" dirty="0" err="1"/>
-              <a:t>widget</a:t>
-            </a:r>
-            <a:r>
-              <a:rPr lang="de-DE" dirty="0"/>
-              <a:t>("</a:t>
-            </a:r>
-            <a:r>
-              <a:rPr lang="de-DE" dirty="0" err="1"/>
-              <a:t>track.listLimit</a:t>
-            </a:r>
-            <a:r>
-              <a:rPr lang="de-DE" dirty="0"/>
-              <a:t>", {</a:t>
-            </a:r>
-          </a:p>
-          <a:p>
-            <a:pPr marL="0" indent="0">
-              <a:buNone/>
-            </a:pPr>
-            <a:r>
-              <a:rPr lang="de-DE" dirty="0"/>
-              <a:t>	_</a:t>
-            </a:r>
-            <a:r>
-              <a:rPr lang="de-DE" dirty="0" err="1"/>
-              <a:t>create</a:t>
-            </a:r>
-            <a:r>
-              <a:rPr lang="de-DE" dirty="0"/>
-              <a:t>: </a:t>
-            </a:r>
-            <a:r>
-              <a:rPr lang="de-DE" dirty="0" err="1"/>
-              <a:t>function</a:t>
-            </a:r>
-            <a:r>
-              <a:rPr lang="de-DE" dirty="0"/>
-              <a:t>(){</a:t>
-            </a:r>
-          </a:p>
-          <a:p>
-            <a:pPr marL="0" indent="0">
-              <a:buNone/>
-            </a:pPr>
-            <a:r>
-              <a:rPr lang="de-DE" dirty="0"/>
-              <a:t>		</a:t>
-            </a:r>
-            <a:r>
-              <a:rPr lang="de-DE" dirty="0" err="1"/>
-              <a:t>var</a:t>
-            </a:r>
-            <a:r>
-              <a:rPr lang="de-DE" dirty="0"/>
+              <a:rPr lang="de-DE" sz="5500" b="1" dirty="0" err="1" smtClean="0"/>
+              <a:t>Logout</a:t>
+            </a:r>
+            <a:r>
+              <a:rPr lang="de-DE" sz="5500" b="1" dirty="0" smtClean="0"/>
+              <a:t>:</a:t>
+            </a:r>
+          </a:p>
+          <a:p>
+            <a:pPr marL="0" indent="0">
+              <a:buNone/>
+            </a:pPr>
+            <a:endParaRPr lang="de-DE" sz="5500" b="1" dirty="0"/>
+          </a:p>
+          <a:p>
+            <a:pPr marL="0" indent="0" algn="ctr">
+              <a:buNone/>
+            </a:pPr>
+            <a:r>
+              <a:rPr lang="en-GB" dirty="0"/>
+              <a:t>&lt;span&gt;&lt;a </a:t>
+            </a:r>
+            <a:r>
+              <a:rPr lang="en-GB" dirty="0" err="1"/>
+              <a:t>href</a:t>
+            </a:r>
+            <a:r>
+              <a:rPr lang="en-GB" dirty="0"/>
+              <a:t>="</a:t>
+            </a:r>
+            <a:r>
+              <a:rPr lang="en-GB" dirty="0" err="1"/>
+              <a:t>index.php</a:t>
+            </a:r>
+            <a:r>
+              <a:rPr lang="en-GB" dirty="0"/>
+              <a:t>" </a:t>
+            </a:r>
+            <a:r>
+              <a:rPr lang="en-GB" dirty="0" err="1"/>
+              <a:t>onclick</a:t>
+            </a:r>
+            <a:r>
+              <a:rPr lang="en-GB" dirty="0"/>
+              <a:t>="&lt;?</a:t>
+            </a:r>
+            <a:r>
+              <a:rPr lang="en-GB" dirty="0" err="1"/>
+              <a:t>php</a:t>
+            </a:r>
+            <a:r>
+              <a:rPr lang="en-GB" dirty="0"/>
               <a:t> </a:t>
             </a:r>
             <a:r>
-              <a:rPr lang="de-DE" dirty="0" err="1"/>
-              <a:t>that</a:t>
-            </a:r>
-            <a:r>
-              <a:rPr lang="de-DE" dirty="0"/>
-              <a:t> = </a:t>
-            </a:r>
-            <a:r>
-              <a:rPr lang="de-DE" dirty="0" err="1"/>
-              <a:t>this</a:t>
-            </a:r>
-            <a:r>
-              <a:rPr lang="de-DE" dirty="0"/>
-              <a:t>;</a:t>
-            </a:r>
-          </a:p>
-          <a:p>
-            <a:pPr marL="0" indent="0">
-              <a:buNone/>
-            </a:pPr>
-            <a:r>
-              <a:rPr lang="de-DE" dirty="0"/>
-              <a:t>		</a:t>
-            </a:r>
-          </a:p>
-          <a:p>
-            <a:pPr marL="0" indent="0">
-              <a:buNone/>
-            </a:pPr>
-            <a:r>
-              <a:rPr lang="de-DE" dirty="0"/>
-              <a:t>		</a:t>
-            </a:r>
-            <a:r>
-              <a:rPr lang="de-DE" dirty="0" err="1"/>
-              <a:t>this.element.find</a:t>
-            </a:r>
-            <a:r>
-              <a:rPr lang="de-DE" dirty="0"/>
-              <a:t>(".</a:t>
-            </a:r>
-            <a:r>
-              <a:rPr lang="de-DE" dirty="0" err="1"/>
-              <a:t>ten</a:t>
-            </a:r>
-            <a:r>
-              <a:rPr lang="de-DE" dirty="0"/>
-              <a:t>").</a:t>
-            </a:r>
-            <a:r>
-              <a:rPr lang="de-DE" dirty="0" err="1"/>
-              <a:t>click</a:t>
-            </a:r>
-            <a:r>
-              <a:rPr lang="de-DE" dirty="0"/>
-              <a:t>(</a:t>
-            </a:r>
-            <a:r>
-              <a:rPr lang="de-DE" dirty="0" err="1"/>
-              <a:t>function</a:t>
-            </a:r>
-            <a:r>
-              <a:rPr lang="de-DE" dirty="0"/>
-              <a:t>(){</a:t>
-            </a:r>
-          </a:p>
-          <a:p>
-            <a:pPr marL="0" indent="0">
-              <a:buNone/>
-            </a:pPr>
-            <a:r>
-              <a:rPr lang="de-DE" dirty="0"/>
-              <a:t>			</a:t>
-            </a:r>
-            <a:r>
-              <a:rPr lang="de-DE" dirty="0" err="1"/>
-              <a:t>that</a:t>
-            </a:r>
-            <a:r>
-              <a:rPr lang="de-DE" dirty="0"/>
-              <a:t>._</a:t>
-            </a:r>
-            <a:r>
-              <a:rPr lang="de-DE" dirty="0" err="1"/>
-              <a:t>trigger</a:t>
-            </a:r>
-            <a:r>
-              <a:rPr lang="de-DE" dirty="0"/>
-              <a:t>("</a:t>
-            </a:r>
-            <a:r>
-              <a:rPr lang="de-DE" dirty="0" err="1"/>
-              <a:t>onTenClicked</a:t>
-            </a:r>
-            <a:r>
-              <a:rPr lang="de-DE" dirty="0"/>
-              <a:t>");</a:t>
-            </a:r>
-          </a:p>
-          <a:p>
-            <a:pPr marL="0" indent="0">
-              <a:buNone/>
-            </a:pPr>
-            <a:r>
-              <a:rPr lang="de-DE" dirty="0"/>
-              <a:t>			</a:t>
-            </a:r>
-            <a:r>
-              <a:rPr lang="de-DE" dirty="0" err="1"/>
-              <a:t>return</a:t>
-            </a:r>
-            <a:r>
-              <a:rPr lang="de-DE" dirty="0"/>
-              <a:t> </a:t>
-            </a:r>
-            <a:r>
-              <a:rPr lang="de-DE" dirty="0" err="1"/>
-              <a:t>false</a:t>
-            </a:r>
-            <a:r>
-              <a:rPr lang="de-DE" dirty="0"/>
-              <a:t>;</a:t>
-            </a:r>
-          </a:p>
-          <a:p>
-            <a:pPr marL="0" indent="0">
-              <a:buNone/>
-            </a:pPr>
-            <a:r>
-              <a:rPr lang="de-DE" dirty="0"/>
-              <a:t>		});</a:t>
-            </a:r>
-          </a:p>
-          <a:p>
-            <a:pPr marL="0" indent="0">
-              <a:buNone/>
-            </a:pPr>
-            <a:r>
-              <a:rPr lang="de-DE" dirty="0"/>
-              <a:t>		</a:t>
-            </a:r>
-            <a:r>
-              <a:rPr lang="de-DE" dirty="0" err="1"/>
-              <a:t>this.element.find</a:t>
-            </a:r>
-            <a:r>
-              <a:rPr lang="de-DE" dirty="0"/>
-              <a:t>(".</a:t>
-            </a:r>
-            <a:r>
-              <a:rPr lang="de-DE" dirty="0" err="1"/>
-              <a:t>twenty</a:t>
-            </a:r>
-            <a:r>
-              <a:rPr lang="de-DE" dirty="0"/>
-              <a:t>").</a:t>
-            </a:r>
-            <a:r>
-              <a:rPr lang="de-DE" dirty="0" err="1"/>
-              <a:t>click</a:t>
-            </a:r>
-            <a:r>
-              <a:rPr lang="de-DE" dirty="0"/>
-              <a:t>(</a:t>
-            </a:r>
-            <a:r>
-              <a:rPr lang="de-DE" dirty="0" err="1"/>
-              <a:t>function</a:t>
-            </a:r>
-            <a:r>
-              <a:rPr lang="de-DE" dirty="0"/>
-              <a:t>(){</a:t>
-            </a:r>
-          </a:p>
-          <a:p>
-            <a:pPr marL="0" indent="0">
-              <a:buNone/>
-            </a:pPr>
-            <a:r>
-              <a:rPr lang="de-DE" dirty="0"/>
-              <a:t>			</a:t>
-            </a:r>
-            <a:r>
-              <a:rPr lang="de-DE" dirty="0" err="1"/>
-              <a:t>that</a:t>
-            </a:r>
-            <a:r>
-              <a:rPr lang="de-DE" dirty="0"/>
-              <a:t>._</a:t>
-            </a:r>
-            <a:r>
-              <a:rPr lang="de-DE" dirty="0" err="1"/>
-              <a:t>trigger</a:t>
-            </a:r>
-            <a:r>
-              <a:rPr lang="de-DE" dirty="0"/>
-              <a:t>("</a:t>
-            </a:r>
-            <a:r>
-              <a:rPr lang="de-DE" dirty="0" err="1"/>
-              <a:t>onTwentyClicked</a:t>
-            </a:r>
-            <a:r>
-              <a:rPr lang="de-DE" dirty="0"/>
-              <a:t>");</a:t>
-            </a:r>
-          </a:p>
-          <a:p>
-            <a:pPr marL="0" indent="0">
-              <a:buNone/>
-            </a:pPr>
-            <a:r>
-              <a:rPr lang="de-DE" dirty="0"/>
-              <a:t>			</a:t>
-            </a:r>
-            <a:r>
-              <a:rPr lang="de-DE" dirty="0" err="1"/>
-              <a:t>return</a:t>
-            </a:r>
-            <a:r>
-              <a:rPr lang="de-DE" dirty="0"/>
-              <a:t> </a:t>
-            </a:r>
-            <a:r>
-              <a:rPr lang="de-DE" dirty="0" err="1"/>
-              <a:t>false</a:t>
-            </a:r>
-            <a:r>
-              <a:rPr lang="de-DE" dirty="0"/>
-              <a:t>;</a:t>
-            </a:r>
-          </a:p>
-          <a:p>
-            <a:pPr marL="0" indent="0">
-              <a:buNone/>
-            </a:pPr>
-            <a:r>
-              <a:rPr lang="de-DE" dirty="0"/>
-              <a:t>		});</a:t>
-            </a:r>
-          </a:p>
-          <a:p>
-            <a:pPr marL="0" indent="0">
-              <a:buNone/>
-            </a:pPr>
-            <a:r>
-              <a:rPr lang="de-DE" dirty="0"/>
-              <a:t>		</a:t>
-            </a:r>
-            <a:r>
-              <a:rPr lang="de-DE" dirty="0" err="1"/>
-              <a:t>this.element.find</a:t>
-            </a:r>
-            <a:r>
-              <a:rPr lang="de-DE" dirty="0"/>
-              <a:t>(".</a:t>
-            </a:r>
-            <a:r>
-              <a:rPr lang="de-DE" dirty="0" err="1"/>
-              <a:t>thirty</a:t>
-            </a:r>
-            <a:r>
-              <a:rPr lang="de-DE" dirty="0"/>
-              <a:t>").</a:t>
-            </a:r>
-            <a:r>
-              <a:rPr lang="de-DE" dirty="0" err="1"/>
-              <a:t>click</a:t>
-            </a:r>
-            <a:r>
-              <a:rPr lang="de-DE" dirty="0"/>
-              <a:t>(</a:t>
-            </a:r>
-            <a:r>
-              <a:rPr lang="de-DE" dirty="0" err="1"/>
-              <a:t>function</a:t>
-            </a:r>
-            <a:r>
-              <a:rPr lang="de-DE" dirty="0"/>
-              <a:t>(){</a:t>
-            </a:r>
-          </a:p>
-          <a:p>
-            <a:pPr marL="0" indent="0">
-              <a:buNone/>
-            </a:pPr>
-            <a:r>
-              <a:rPr lang="de-DE" dirty="0"/>
-              <a:t>			</a:t>
-            </a:r>
-            <a:r>
-              <a:rPr lang="de-DE" dirty="0" err="1"/>
-              <a:t>that</a:t>
-            </a:r>
-            <a:r>
-              <a:rPr lang="de-DE" dirty="0"/>
-              <a:t>._</a:t>
-            </a:r>
-            <a:r>
-              <a:rPr lang="de-DE" dirty="0" err="1"/>
-              <a:t>trigger</a:t>
-            </a:r>
-            <a:r>
-              <a:rPr lang="de-DE" dirty="0"/>
-              <a:t>("</a:t>
-            </a:r>
-            <a:r>
-              <a:rPr lang="de-DE" dirty="0" err="1"/>
-              <a:t>onThirtyClicked</a:t>
-            </a:r>
-            <a:r>
-              <a:rPr lang="de-DE" dirty="0"/>
-              <a:t>");</a:t>
-            </a:r>
-          </a:p>
-          <a:p>
-            <a:pPr marL="0" indent="0">
-              <a:buNone/>
-            </a:pPr>
-            <a:r>
-              <a:rPr lang="de-DE" dirty="0"/>
-              <a:t>			</a:t>
-            </a:r>
-            <a:r>
-              <a:rPr lang="de-DE" dirty="0" err="1"/>
-              <a:t>return</a:t>
-            </a:r>
-            <a:r>
-              <a:rPr lang="de-DE" dirty="0"/>
-              <a:t> </a:t>
-            </a:r>
-            <a:r>
-              <a:rPr lang="de-DE" dirty="0" err="1"/>
-              <a:t>false</a:t>
-            </a:r>
-            <a:r>
-              <a:rPr lang="de-DE" dirty="0"/>
-              <a:t>;</a:t>
-            </a:r>
-          </a:p>
-          <a:p>
-            <a:pPr marL="0" indent="0">
-              <a:buNone/>
-            </a:pPr>
-            <a:r>
-              <a:rPr lang="de-DE" dirty="0"/>
-              <a:t>		});</a:t>
-            </a:r>
-          </a:p>
-          <a:p>
-            <a:pPr marL="0" indent="0">
-              <a:buNone/>
-            </a:pPr>
-            <a:r>
-              <a:rPr lang="de-DE" dirty="0"/>
-              <a:t>		</a:t>
-            </a:r>
-            <a:r>
-              <a:rPr lang="de-DE" dirty="0" err="1"/>
-              <a:t>this.element.find</a:t>
-            </a:r>
-            <a:r>
-              <a:rPr lang="de-DE" dirty="0"/>
-              <a:t>(".</a:t>
-            </a:r>
-            <a:r>
-              <a:rPr lang="de-DE" dirty="0" err="1"/>
-              <a:t>fifty</a:t>
-            </a:r>
-            <a:r>
-              <a:rPr lang="de-DE" dirty="0"/>
-              <a:t>").</a:t>
-            </a:r>
-            <a:r>
-              <a:rPr lang="de-DE" dirty="0" err="1"/>
-              <a:t>click</a:t>
-            </a:r>
-            <a:r>
-              <a:rPr lang="de-DE" dirty="0"/>
-              <a:t>(</a:t>
-            </a:r>
-            <a:r>
-              <a:rPr lang="de-DE" dirty="0" err="1"/>
-              <a:t>function</a:t>
-            </a:r>
-            <a:r>
-              <a:rPr lang="de-DE" dirty="0"/>
-              <a:t>(){</a:t>
-            </a:r>
-          </a:p>
-          <a:p>
-            <a:pPr marL="0" indent="0">
-              <a:buNone/>
-            </a:pPr>
-            <a:r>
-              <a:rPr lang="de-DE" dirty="0"/>
-              <a:t>			</a:t>
-            </a:r>
-            <a:r>
-              <a:rPr lang="de-DE" dirty="0" err="1"/>
-              <a:t>that</a:t>
-            </a:r>
-            <a:r>
-              <a:rPr lang="de-DE" dirty="0"/>
-              <a:t>._</a:t>
-            </a:r>
-            <a:r>
-              <a:rPr lang="de-DE" dirty="0" err="1"/>
-              <a:t>trigger</a:t>
-            </a:r>
-            <a:r>
-              <a:rPr lang="de-DE" dirty="0"/>
-              <a:t>("</a:t>
-            </a:r>
-            <a:r>
-              <a:rPr lang="de-DE" dirty="0" err="1"/>
-              <a:t>onFiftyClicked</a:t>
-            </a:r>
-            <a:r>
-              <a:rPr lang="de-DE" dirty="0"/>
-              <a:t>");</a:t>
-            </a:r>
-          </a:p>
-          <a:p>
-            <a:pPr marL="0" indent="0">
-              <a:buNone/>
-            </a:pPr>
-            <a:r>
-              <a:rPr lang="de-DE" dirty="0"/>
-              <a:t>			</a:t>
-            </a:r>
-            <a:r>
-              <a:rPr lang="de-DE" dirty="0" err="1"/>
-              <a:t>return</a:t>
-            </a:r>
-            <a:r>
-              <a:rPr lang="de-DE" dirty="0"/>
-              <a:t> </a:t>
-            </a:r>
-            <a:r>
-              <a:rPr lang="de-DE" dirty="0" err="1"/>
-              <a:t>false</a:t>
-            </a:r>
-            <a:r>
-              <a:rPr lang="de-DE" dirty="0"/>
-              <a:t>;</a:t>
-            </a:r>
-          </a:p>
-          <a:p>
-            <a:pPr marL="0" indent="0">
-              <a:buNone/>
-            </a:pPr>
-            <a:r>
-              <a:rPr lang="de-DE" dirty="0"/>
-              <a:t>		});</a:t>
-            </a:r>
-          </a:p>
-          <a:p>
-            <a:pPr marL="0" indent="0">
-              <a:buNone/>
-            </a:pPr>
-            <a:r>
-              <a:rPr lang="de-DE" dirty="0"/>
-              <a:t>		</a:t>
-            </a:r>
-            <a:r>
-              <a:rPr lang="de-DE" dirty="0" err="1"/>
-              <a:t>this.element.find</a:t>
-            </a:r>
-            <a:r>
-              <a:rPr lang="de-DE" dirty="0"/>
-              <a:t>(".</a:t>
-            </a:r>
-            <a:r>
-              <a:rPr lang="de-DE" dirty="0" err="1"/>
-              <a:t>hundred</a:t>
-            </a:r>
-            <a:r>
-              <a:rPr lang="de-DE" dirty="0"/>
-              <a:t>").</a:t>
-            </a:r>
-            <a:r>
-              <a:rPr lang="de-DE" dirty="0" err="1"/>
-              <a:t>click</a:t>
-            </a:r>
-            <a:r>
-              <a:rPr lang="de-DE" dirty="0"/>
-              <a:t>(</a:t>
-            </a:r>
-            <a:r>
-              <a:rPr lang="de-DE" dirty="0" err="1"/>
-              <a:t>function</a:t>
-            </a:r>
-            <a:r>
-              <a:rPr lang="de-DE" dirty="0"/>
-              <a:t>(){</a:t>
-            </a:r>
-          </a:p>
-          <a:p>
-            <a:pPr marL="0" indent="0">
-              <a:buNone/>
-            </a:pPr>
-            <a:r>
-              <a:rPr lang="de-DE" dirty="0"/>
-              <a:t>			</a:t>
-            </a:r>
-            <a:r>
-              <a:rPr lang="de-DE" dirty="0" err="1"/>
-              <a:t>that</a:t>
-            </a:r>
-            <a:r>
-              <a:rPr lang="de-DE" dirty="0"/>
-              <a:t>._</a:t>
-            </a:r>
-            <a:r>
-              <a:rPr lang="de-DE" dirty="0" err="1"/>
-              <a:t>trigger</a:t>
-            </a:r>
-            <a:r>
-              <a:rPr lang="de-DE" dirty="0"/>
-              <a:t>("</a:t>
-            </a:r>
-            <a:r>
-              <a:rPr lang="de-DE" dirty="0" err="1"/>
-              <a:t>onHundredClicked</a:t>
-            </a:r>
-            <a:r>
-              <a:rPr lang="de-DE" dirty="0"/>
-              <a:t>");</a:t>
-            </a:r>
-          </a:p>
-          <a:p>
-            <a:pPr marL="0" indent="0">
-              <a:buNone/>
-            </a:pPr>
-            <a:r>
-              <a:rPr lang="de-DE" dirty="0"/>
-              <a:t>			</a:t>
-            </a:r>
-            <a:r>
-              <a:rPr lang="de-DE" dirty="0" err="1"/>
-              <a:t>return</a:t>
-            </a:r>
-            <a:r>
-              <a:rPr lang="de-DE" dirty="0"/>
-              <a:t> </a:t>
-            </a:r>
-            <a:r>
-              <a:rPr lang="de-DE" dirty="0" err="1"/>
-              <a:t>false</a:t>
-            </a:r>
-            <a:r>
-              <a:rPr lang="de-DE" dirty="0"/>
-              <a:t>;</a:t>
-            </a:r>
-          </a:p>
-          <a:p>
-            <a:pPr marL="0" indent="0">
-              <a:buNone/>
-            </a:pPr>
-            <a:r>
-              <a:rPr lang="de-DE" dirty="0"/>
-              <a:t>		});</a:t>
-            </a:r>
-          </a:p>
-          <a:p>
-            <a:pPr marL="0" indent="0">
-              <a:buNone/>
-            </a:pPr>
-            <a:r>
-              <a:rPr lang="de-DE" dirty="0"/>
-              <a:t>		</a:t>
-            </a:r>
-            <a:r>
-              <a:rPr lang="de-DE" dirty="0" err="1"/>
-              <a:t>this.element.find</a:t>
-            </a:r>
-            <a:r>
-              <a:rPr lang="de-DE" dirty="0"/>
-              <a:t>(".</a:t>
-            </a:r>
-            <a:r>
-              <a:rPr lang="de-DE" dirty="0" err="1"/>
-              <a:t>left_arrow</a:t>
-            </a:r>
-            <a:r>
-              <a:rPr lang="de-DE" dirty="0"/>
-              <a:t>").</a:t>
-            </a:r>
-            <a:r>
-              <a:rPr lang="de-DE" dirty="0" err="1"/>
-              <a:t>click</a:t>
-            </a:r>
-            <a:r>
-              <a:rPr lang="de-DE" dirty="0"/>
-              <a:t>(</a:t>
-            </a:r>
-            <a:r>
-              <a:rPr lang="de-DE" dirty="0" err="1"/>
-              <a:t>function</a:t>
-            </a:r>
-            <a:r>
-              <a:rPr lang="de-DE" dirty="0"/>
-              <a:t>(){</a:t>
-            </a:r>
-          </a:p>
-          <a:p>
-            <a:pPr marL="0" indent="0">
-              <a:buNone/>
-            </a:pPr>
-            <a:r>
-              <a:rPr lang="de-DE" dirty="0"/>
-              <a:t>			</a:t>
-            </a:r>
-            <a:r>
-              <a:rPr lang="de-DE" dirty="0" err="1"/>
-              <a:t>that</a:t>
-            </a:r>
-            <a:r>
-              <a:rPr lang="de-DE" dirty="0"/>
-              <a:t>._</a:t>
-            </a:r>
-            <a:r>
-              <a:rPr lang="de-DE" dirty="0" err="1"/>
-              <a:t>trigger</a:t>
-            </a:r>
-            <a:r>
-              <a:rPr lang="de-DE" dirty="0"/>
-              <a:t>("</a:t>
-            </a:r>
-            <a:r>
-              <a:rPr lang="de-DE" dirty="0" err="1"/>
-              <a:t>onLeftArrowClicked</a:t>
-            </a:r>
-            <a:r>
-              <a:rPr lang="de-DE" dirty="0"/>
-              <a:t>");</a:t>
-            </a:r>
-          </a:p>
-          <a:p>
-            <a:pPr marL="0" indent="0">
-              <a:buNone/>
-            </a:pPr>
-            <a:r>
-              <a:rPr lang="de-DE" dirty="0"/>
-              <a:t>			</a:t>
-            </a:r>
-            <a:r>
-              <a:rPr lang="de-DE" dirty="0" err="1"/>
-              <a:t>return</a:t>
-            </a:r>
-            <a:r>
-              <a:rPr lang="de-DE" dirty="0"/>
-              <a:t> </a:t>
-            </a:r>
-            <a:r>
-              <a:rPr lang="de-DE" dirty="0" err="1"/>
-              <a:t>false</a:t>
-            </a:r>
-            <a:r>
-              <a:rPr lang="de-DE" dirty="0"/>
-              <a:t>;</a:t>
-            </a:r>
-          </a:p>
-          <a:p>
-            <a:pPr marL="0" indent="0">
-              <a:buNone/>
-            </a:pPr>
-            <a:r>
-              <a:rPr lang="de-DE" dirty="0"/>
-              <a:t>		});</a:t>
-            </a:r>
-          </a:p>
-          <a:p>
-            <a:pPr marL="0" indent="0">
-              <a:buNone/>
-            </a:pPr>
-            <a:r>
-              <a:rPr lang="de-DE" dirty="0"/>
-              <a:t>		</a:t>
-            </a:r>
-            <a:r>
-              <a:rPr lang="de-DE" dirty="0" err="1"/>
-              <a:t>this.element.find</a:t>
-            </a:r>
-            <a:r>
-              <a:rPr lang="de-DE" dirty="0"/>
-              <a:t>(".</a:t>
-            </a:r>
-            <a:r>
-              <a:rPr lang="de-DE" dirty="0" err="1"/>
-              <a:t>right_arrow</a:t>
-            </a:r>
-            <a:r>
-              <a:rPr lang="de-DE" dirty="0"/>
-              <a:t>").</a:t>
-            </a:r>
-            <a:r>
-              <a:rPr lang="de-DE" dirty="0" err="1"/>
-              <a:t>click</a:t>
-            </a:r>
-            <a:r>
-              <a:rPr lang="de-DE" dirty="0"/>
-              <a:t>(</a:t>
-            </a:r>
-            <a:r>
-              <a:rPr lang="de-DE" dirty="0" err="1"/>
-              <a:t>function</a:t>
-            </a:r>
-            <a:r>
-              <a:rPr lang="de-DE" dirty="0"/>
-              <a:t>(){</a:t>
-            </a:r>
-          </a:p>
-          <a:p>
-            <a:pPr marL="0" indent="0">
-              <a:buNone/>
-            </a:pPr>
-            <a:r>
-              <a:rPr lang="de-DE" dirty="0"/>
-              <a:t>			</a:t>
-            </a:r>
-            <a:r>
-              <a:rPr lang="de-DE" dirty="0" err="1"/>
-              <a:t>that</a:t>
-            </a:r>
-            <a:r>
-              <a:rPr lang="de-DE" dirty="0"/>
-              <a:t>._</a:t>
-            </a:r>
-            <a:r>
-              <a:rPr lang="de-DE" dirty="0" err="1"/>
-              <a:t>trigger</a:t>
-            </a:r>
-            <a:r>
-              <a:rPr lang="de-DE" dirty="0"/>
-              <a:t>("</a:t>
-            </a:r>
-            <a:r>
-              <a:rPr lang="de-DE" dirty="0" err="1"/>
-              <a:t>onRightArrowClicked</a:t>
-            </a:r>
-            <a:r>
-              <a:rPr lang="de-DE" dirty="0"/>
-              <a:t>");</a:t>
-            </a:r>
-          </a:p>
-          <a:p>
-            <a:pPr marL="0" indent="0">
-              <a:buNone/>
-            </a:pPr>
-            <a:r>
-              <a:rPr lang="de-DE" dirty="0"/>
-              <a:t>			</a:t>
-            </a:r>
-            <a:r>
-              <a:rPr lang="de-DE" dirty="0" err="1"/>
-              <a:t>return</a:t>
-            </a:r>
-            <a:r>
-              <a:rPr lang="de-DE" dirty="0"/>
-              <a:t> </a:t>
-            </a:r>
-            <a:r>
-              <a:rPr lang="de-DE" dirty="0" err="1"/>
-              <a:t>false</a:t>
-            </a:r>
-            <a:r>
-              <a:rPr lang="de-DE" dirty="0"/>
-              <a:t>;</a:t>
-            </a:r>
-          </a:p>
-          <a:p>
-            <a:pPr marL="0" indent="0">
-              <a:buNone/>
-            </a:pPr>
-            <a:r>
-              <a:rPr lang="de-DE" dirty="0"/>
-              <a:t>		});</a:t>
-            </a:r>
-          </a:p>
-          <a:p>
-            <a:pPr marL="0" indent="0">
-              <a:buNone/>
-            </a:pPr>
-            <a:r>
-              <a:rPr lang="de-DE" dirty="0"/>
-              <a:t>	}</a:t>
-            </a:r>
-          </a:p>
-          <a:p>
-            <a:pPr marL="0" indent="0">
-              <a:buNone/>
-            </a:pPr>
-            <a:r>
-              <a:rPr lang="de-DE" dirty="0"/>
-              <a:t>	</a:t>
-            </a:r>
-          </a:p>
-          <a:p>
-            <a:pPr marL="0" indent="0">
-              <a:buNone/>
-            </a:pPr>
-            <a:r>
-              <a:rPr lang="de-DE" dirty="0"/>
-              <a:t>});</a:t>
+              <a:rPr lang="en-GB" dirty="0" err="1"/>
+              <a:t>session_destroy</a:t>
+            </a:r>
+            <a:r>
+              <a:rPr lang="en-GB" dirty="0"/>
+              <a:t>(); ?&gt;"&gt;Logout&lt;/a&gt;&lt;/span&gt;</a:t>
             </a:r>
           </a:p>
         </p:txBody>
@@ -4252,7 +4661,7 @@
     </p:spTree>
     <p:extLst>
       <p:ext uri="{BB962C8B-B14F-4D97-AF65-F5344CB8AC3E}">
-        <p14:creationId xmlns:p14="http://schemas.microsoft.com/office/powerpoint/2010/main" val="3677994950"/>
+        <p14:creationId xmlns:p14="http://schemas.microsoft.com/office/powerpoint/2010/main" val="3997979140"/>
       </p:ext>
     </p:extLst>
   </p:cSld>
@@ -4303,709 +4712,70 @@
           <a:p>
             <a:r>
               <a:rPr lang="de-DE" dirty="0" smtClean="0"/>
-              <a:t>Webclient - </a:t>
-            </a:r>
-            <a:r>
-              <a:rPr lang="de-DE" dirty="0" err="1" smtClean="0"/>
-              <a:t>Paging</a:t>
-            </a:r>
-            <a:endParaRPr lang="de-DE" dirty="0"/>
-          </a:p>
-        </p:txBody>
-      </p:sp>
-      <p:sp>
-        <p:nvSpPr>
-          <p:cNvPr id="3" name="Inhaltsplatzhalter 2"/>
-          <p:cNvSpPr>
-            <a:spLocks noGrp="1"/>
-          </p:cNvSpPr>
-          <p:nvPr>
-            <p:ph idx="1"/>
-          </p:nvPr>
-        </p:nvSpPr>
-        <p:spPr/>
-        <p:txBody>
-          <a:bodyPr>
-            <a:normAutofit fontScale="25000" lnSpcReduction="20000"/>
-          </a:bodyPr>
-          <a:lstStyle/>
-          <a:p>
-            <a:pPr marL="0" indent="0">
-              <a:buNone/>
-            </a:pPr>
-            <a:endParaRPr lang="de-DE" dirty="0" smtClean="0"/>
-          </a:p>
-          <a:p>
-            <a:pPr marL="0" indent="0">
-              <a:buNone/>
-            </a:pPr>
-            <a:r>
-              <a:rPr lang="de-DE" sz="9600" b="1" dirty="0" smtClean="0"/>
-              <a:t>Instanziierung und Trigger</a:t>
-            </a:r>
-            <a:endParaRPr lang="de-DE" dirty="0" smtClean="0"/>
-          </a:p>
-          <a:p>
-            <a:pPr marL="0" indent="0">
-              <a:buNone/>
-            </a:pPr>
-            <a:endParaRPr lang="de-DE" dirty="0"/>
-          </a:p>
-          <a:p>
-            <a:pPr marL="0" indent="0">
-              <a:buNone/>
-            </a:pPr>
-            <a:endParaRPr lang="de-DE" dirty="0" smtClean="0"/>
-          </a:p>
-          <a:p>
-            <a:pPr marL="0" indent="0">
-              <a:buNone/>
-            </a:pPr>
-            <a:r>
-              <a:rPr lang="de-DE" dirty="0" smtClean="0"/>
-              <a:t>$("#</a:t>
-            </a:r>
-            <a:r>
-              <a:rPr lang="de-DE" dirty="0" err="1"/>
-              <a:t>list_limit</a:t>
-            </a:r>
-            <a:r>
-              <a:rPr lang="de-DE" dirty="0"/>
-              <a:t>").</a:t>
-            </a:r>
-            <a:r>
-              <a:rPr lang="de-DE" dirty="0" err="1"/>
-              <a:t>listLimit</a:t>
-            </a:r>
-            <a:r>
-              <a:rPr lang="de-DE" dirty="0"/>
-              <a:t>({</a:t>
-            </a:r>
-          </a:p>
-          <a:p>
-            <a:pPr marL="0" indent="0">
-              <a:buNone/>
-            </a:pPr>
-            <a:r>
-              <a:rPr lang="de-DE" dirty="0"/>
-              <a:t>		</a:t>
-            </a:r>
-            <a:r>
-              <a:rPr lang="de-DE" dirty="0" err="1"/>
-              <a:t>onTenClicked</a:t>
-            </a:r>
-            <a:r>
-              <a:rPr lang="de-DE" dirty="0"/>
-              <a:t>: </a:t>
-            </a:r>
-            <a:r>
-              <a:rPr lang="de-DE" dirty="0" err="1"/>
-              <a:t>function</a:t>
-            </a:r>
-            <a:r>
-              <a:rPr lang="de-DE" dirty="0"/>
-              <a:t>(){</a:t>
-            </a:r>
-          </a:p>
-          <a:p>
-            <a:pPr marL="0" indent="0">
-              <a:buNone/>
-            </a:pPr>
-            <a:r>
-              <a:rPr lang="de-DE" dirty="0"/>
-              <a:t>			</a:t>
-            </a:r>
-            <a:r>
-              <a:rPr lang="de-DE" dirty="0" err="1"/>
-              <a:t>limit</a:t>
-            </a:r>
-            <a:r>
-              <a:rPr lang="de-DE" dirty="0"/>
-              <a:t> = 10;</a:t>
-            </a:r>
-          </a:p>
-          <a:p>
-            <a:pPr marL="0" indent="0">
-              <a:buNone/>
-            </a:pPr>
-            <a:r>
-              <a:rPr lang="de-DE" dirty="0"/>
-              <a:t>			$("#</a:t>
-            </a:r>
-            <a:r>
-              <a:rPr lang="de-DE" dirty="0" err="1"/>
-              <a:t>track_list</a:t>
-            </a:r>
-            <a:r>
-              <a:rPr lang="de-DE" dirty="0"/>
-              <a:t>").</a:t>
-            </a:r>
-            <a:r>
-              <a:rPr lang="de-DE" dirty="0" err="1"/>
-              <a:t>trackList</a:t>
-            </a:r>
-            <a:r>
-              <a:rPr lang="de-DE" dirty="0"/>
-              <a:t>("</a:t>
-            </a:r>
-            <a:r>
-              <a:rPr lang="de-DE" dirty="0" err="1"/>
-              <a:t>reload</a:t>
-            </a:r>
-            <a:r>
-              <a:rPr lang="de-DE" dirty="0"/>
-              <a:t>", </a:t>
-            </a:r>
-            <a:r>
-              <a:rPr lang="de-DE" dirty="0" err="1"/>
-              <a:t>limit</a:t>
-            </a:r>
-            <a:r>
-              <a:rPr lang="de-DE" dirty="0"/>
-              <a:t>);</a:t>
-            </a:r>
-          </a:p>
-          <a:p>
-            <a:pPr marL="0" indent="0">
-              <a:buNone/>
-            </a:pPr>
-            <a:r>
-              <a:rPr lang="de-DE" dirty="0"/>
-              <a:t>		},</a:t>
-            </a:r>
-          </a:p>
-          <a:p>
-            <a:pPr marL="0" indent="0">
-              <a:buNone/>
-            </a:pPr>
-            <a:r>
-              <a:rPr lang="de-DE" dirty="0"/>
-              <a:t>		</a:t>
-            </a:r>
-            <a:r>
-              <a:rPr lang="de-DE" dirty="0" err="1"/>
-              <a:t>onTwentyClicked</a:t>
-            </a:r>
-            <a:r>
-              <a:rPr lang="de-DE" dirty="0"/>
-              <a:t>: </a:t>
-            </a:r>
-            <a:r>
-              <a:rPr lang="de-DE" dirty="0" err="1"/>
-              <a:t>function</a:t>
-            </a:r>
-            <a:r>
-              <a:rPr lang="de-DE" dirty="0"/>
-              <a:t>(){</a:t>
-            </a:r>
-          </a:p>
-          <a:p>
-            <a:pPr marL="0" indent="0">
-              <a:buNone/>
-            </a:pPr>
-            <a:r>
-              <a:rPr lang="de-DE" dirty="0"/>
-              <a:t>			</a:t>
-            </a:r>
-            <a:r>
-              <a:rPr lang="de-DE" dirty="0" err="1"/>
-              <a:t>limit</a:t>
-            </a:r>
-            <a:r>
-              <a:rPr lang="de-DE" dirty="0"/>
-              <a:t> = 20;</a:t>
-            </a:r>
-          </a:p>
-          <a:p>
-            <a:pPr marL="0" indent="0">
-              <a:buNone/>
-            </a:pPr>
-            <a:r>
-              <a:rPr lang="de-DE" dirty="0"/>
-              <a:t>			$("#</a:t>
-            </a:r>
-            <a:r>
-              <a:rPr lang="de-DE" dirty="0" err="1"/>
-              <a:t>track_list</a:t>
-            </a:r>
-            <a:r>
-              <a:rPr lang="de-DE" dirty="0"/>
-              <a:t>").</a:t>
-            </a:r>
-            <a:r>
-              <a:rPr lang="de-DE" dirty="0" err="1"/>
-              <a:t>trackList</a:t>
-            </a:r>
-            <a:r>
-              <a:rPr lang="de-DE" dirty="0"/>
-              <a:t>("</a:t>
-            </a:r>
-            <a:r>
-              <a:rPr lang="de-DE" dirty="0" err="1"/>
-              <a:t>reload</a:t>
-            </a:r>
-            <a:r>
-              <a:rPr lang="de-DE" dirty="0"/>
-              <a:t>", </a:t>
-            </a:r>
-            <a:r>
-              <a:rPr lang="de-DE" dirty="0" err="1"/>
-              <a:t>limit</a:t>
-            </a:r>
-            <a:r>
-              <a:rPr lang="de-DE" dirty="0"/>
-              <a:t>);</a:t>
-            </a:r>
-          </a:p>
-          <a:p>
-            <a:pPr marL="0" indent="0">
-              <a:buNone/>
-            </a:pPr>
-            <a:r>
-              <a:rPr lang="de-DE" dirty="0"/>
-              <a:t>		},</a:t>
-            </a:r>
-          </a:p>
-          <a:p>
-            <a:pPr marL="0" indent="0">
-              <a:buNone/>
-            </a:pPr>
-            <a:r>
-              <a:rPr lang="de-DE" dirty="0"/>
-              <a:t>		</a:t>
-            </a:r>
-            <a:r>
-              <a:rPr lang="de-DE" dirty="0" err="1"/>
-              <a:t>onThirtyClicked</a:t>
-            </a:r>
-            <a:r>
-              <a:rPr lang="de-DE" dirty="0"/>
-              <a:t>: </a:t>
-            </a:r>
-            <a:r>
-              <a:rPr lang="de-DE" dirty="0" err="1"/>
-              <a:t>function</a:t>
-            </a:r>
-            <a:r>
-              <a:rPr lang="de-DE" dirty="0"/>
-              <a:t>(){</a:t>
-            </a:r>
-          </a:p>
-          <a:p>
-            <a:pPr marL="0" indent="0">
-              <a:buNone/>
-            </a:pPr>
-            <a:r>
-              <a:rPr lang="de-DE" dirty="0"/>
-              <a:t>			</a:t>
-            </a:r>
-            <a:r>
-              <a:rPr lang="de-DE" dirty="0" err="1"/>
-              <a:t>limit</a:t>
-            </a:r>
-            <a:r>
-              <a:rPr lang="de-DE" dirty="0"/>
-              <a:t> = 30;</a:t>
-            </a:r>
-          </a:p>
-          <a:p>
-            <a:pPr marL="0" indent="0">
-              <a:buNone/>
-            </a:pPr>
-            <a:r>
-              <a:rPr lang="de-DE" dirty="0"/>
-              <a:t>			$("#</a:t>
-            </a:r>
-            <a:r>
-              <a:rPr lang="de-DE" dirty="0" err="1"/>
-              <a:t>track_list</a:t>
-            </a:r>
-            <a:r>
-              <a:rPr lang="de-DE" dirty="0"/>
-              <a:t>").</a:t>
-            </a:r>
-            <a:r>
-              <a:rPr lang="de-DE" dirty="0" err="1"/>
-              <a:t>trackList</a:t>
-            </a:r>
-            <a:r>
-              <a:rPr lang="de-DE" dirty="0"/>
-              <a:t>("</a:t>
-            </a:r>
-            <a:r>
-              <a:rPr lang="de-DE" dirty="0" err="1"/>
-              <a:t>reload</a:t>
-            </a:r>
-            <a:r>
-              <a:rPr lang="de-DE" dirty="0"/>
-              <a:t>", </a:t>
-            </a:r>
-            <a:r>
-              <a:rPr lang="de-DE" dirty="0" err="1"/>
-              <a:t>limit</a:t>
-            </a:r>
-            <a:r>
-              <a:rPr lang="de-DE" dirty="0"/>
-              <a:t>);</a:t>
-            </a:r>
-          </a:p>
-          <a:p>
-            <a:pPr marL="0" indent="0">
-              <a:buNone/>
-            </a:pPr>
-            <a:r>
-              <a:rPr lang="de-DE" dirty="0"/>
-              <a:t>		},</a:t>
-            </a:r>
-          </a:p>
-          <a:p>
-            <a:pPr marL="0" indent="0">
-              <a:buNone/>
-            </a:pPr>
-            <a:r>
-              <a:rPr lang="de-DE" dirty="0"/>
-              <a:t>		</a:t>
-            </a:r>
-            <a:r>
-              <a:rPr lang="de-DE" dirty="0" err="1"/>
-              <a:t>onFiftyClicked</a:t>
-            </a:r>
-            <a:r>
-              <a:rPr lang="de-DE" dirty="0"/>
-              <a:t>: </a:t>
-            </a:r>
-            <a:r>
-              <a:rPr lang="de-DE" dirty="0" err="1"/>
-              <a:t>function</a:t>
-            </a:r>
-            <a:r>
-              <a:rPr lang="de-DE" dirty="0"/>
-              <a:t>(){</a:t>
-            </a:r>
-          </a:p>
-          <a:p>
-            <a:pPr marL="0" indent="0">
-              <a:buNone/>
-            </a:pPr>
-            <a:r>
-              <a:rPr lang="de-DE" dirty="0"/>
-              <a:t>			</a:t>
-            </a:r>
-            <a:r>
-              <a:rPr lang="de-DE" dirty="0" err="1"/>
-              <a:t>limit</a:t>
-            </a:r>
-            <a:r>
-              <a:rPr lang="de-DE" dirty="0"/>
-              <a:t> = 50;</a:t>
-            </a:r>
-          </a:p>
-          <a:p>
-            <a:pPr marL="0" indent="0">
-              <a:buNone/>
-            </a:pPr>
-            <a:r>
-              <a:rPr lang="de-DE" dirty="0"/>
-              <a:t>			$("#</a:t>
-            </a:r>
-            <a:r>
-              <a:rPr lang="de-DE" dirty="0" err="1"/>
-              <a:t>track_list</a:t>
-            </a:r>
-            <a:r>
-              <a:rPr lang="de-DE" dirty="0"/>
-              <a:t>").</a:t>
-            </a:r>
-            <a:r>
-              <a:rPr lang="de-DE" dirty="0" err="1"/>
-              <a:t>trackList</a:t>
-            </a:r>
-            <a:r>
-              <a:rPr lang="de-DE" dirty="0"/>
-              <a:t>("</a:t>
-            </a:r>
-            <a:r>
-              <a:rPr lang="de-DE" dirty="0" err="1"/>
-              <a:t>reload</a:t>
-            </a:r>
-            <a:r>
-              <a:rPr lang="de-DE" dirty="0"/>
-              <a:t>", </a:t>
-            </a:r>
-            <a:r>
-              <a:rPr lang="de-DE" dirty="0" err="1"/>
-              <a:t>limit</a:t>
-            </a:r>
-            <a:r>
-              <a:rPr lang="de-DE" dirty="0"/>
-              <a:t>);</a:t>
-            </a:r>
-          </a:p>
-          <a:p>
-            <a:pPr marL="0" indent="0">
-              <a:buNone/>
-            </a:pPr>
-            <a:r>
-              <a:rPr lang="de-DE" dirty="0"/>
-              <a:t>		},</a:t>
-            </a:r>
-          </a:p>
-          <a:p>
-            <a:pPr marL="0" indent="0">
-              <a:buNone/>
-            </a:pPr>
-            <a:r>
-              <a:rPr lang="de-DE" dirty="0"/>
-              <a:t>		</a:t>
-            </a:r>
-            <a:r>
-              <a:rPr lang="de-DE" dirty="0" err="1"/>
-              <a:t>onHundredClicked</a:t>
-            </a:r>
-            <a:r>
-              <a:rPr lang="de-DE" dirty="0"/>
-              <a:t>: </a:t>
-            </a:r>
-            <a:r>
-              <a:rPr lang="de-DE" dirty="0" err="1"/>
-              <a:t>function</a:t>
-            </a:r>
-            <a:r>
-              <a:rPr lang="de-DE" dirty="0"/>
-              <a:t>(){</a:t>
-            </a:r>
-          </a:p>
-          <a:p>
-            <a:pPr marL="0" indent="0">
-              <a:buNone/>
-            </a:pPr>
-            <a:r>
-              <a:rPr lang="de-DE" dirty="0"/>
-              <a:t>			</a:t>
-            </a:r>
-            <a:r>
-              <a:rPr lang="de-DE" dirty="0" err="1"/>
-              <a:t>limit</a:t>
-            </a:r>
-            <a:r>
-              <a:rPr lang="de-DE" dirty="0"/>
-              <a:t> = 100;</a:t>
-            </a:r>
-          </a:p>
-          <a:p>
-            <a:pPr marL="0" indent="0">
-              <a:buNone/>
-            </a:pPr>
-            <a:r>
-              <a:rPr lang="de-DE" dirty="0"/>
-              <a:t>			$("#</a:t>
-            </a:r>
-            <a:r>
-              <a:rPr lang="de-DE" dirty="0" err="1"/>
-              <a:t>track_list</a:t>
-            </a:r>
-            <a:r>
-              <a:rPr lang="de-DE" dirty="0"/>
-              <a:t>").</a:t>
-            </a:r>
-            <a:r>
-              <a:rPr lang="de-DE" dirty="0" err="1"/>
-              <a:t>trackList</a:t>
-            </a:r>
-            <a:r>
-              <a:rPr lang="de-DE" dirty="0"/>
-              <a:t>("</a:t>
-            </a:r>
-            <a:r>
-              <a:rPr lang="de-DE" dirty="0" err="1"/>
-              <a:t>reload</a:t>
-            </a:r>
-            <a:r>
-              <a:rPr lang="de-DE" dirty="0"/>
-              <a:t>", </a:t>
-            </a:r>
-            <a:r>
-              <a:rPr lang="de-DE" dirty="0" err="1"/>
-              <a:t>limit</a:t>
-            </a:r>
-            <a:r>
-              <a:rPr lang="de-DE" dirty="0"/>
-              <a:t>);</a:t>
-            </a:r>
-          </a:p>
-          <a:p>
-            <a:pPr marL="0" indent="0">
-              <a:buNone/>
-            </a:pPr>
-            <a:r>
-              <a:rPr lang="de-DE" dirty="0"/>
-              <a:t>		},</a:t>
-            </a:r>
-          </a:p>
-          <a:p>
-            <a:pPr marL="0" indent="0">
-              <a:buNone/>
-            </a:pPr>
-            <a:r>
-              <a:rPr lang="de-DE" dirty="0"/>
-              <a:t>		</a:t>
-            </a:r>
-            <a:r>
-              <a:rPr lang="de-DE" dirty="0" err="1"/>
-              <a:t>onLeftArrowClicked</a:t>
-            </a:r>
-            <a:r>
-              <a:rPr lang="de-DE" dirty="0"/>
-              <a:t>: </a:t>
-            </a:r>
-            <a:r>
-              <a:rPr lang="de-DE" dirty="0" err="1"/>
-              <a:t>function</a:t>
-            </a:r>
-            <a:r>
-              <a:rPr lang="de-DE" dirty="0"/>
-              <a:t>(){</a:t>
-            </a:r>
-          </a:p>
-          <a:p>
-            <a:pPr marL="0" indent="0">
-              <a:buNone/>
-            </a:pPr>
-            <a:r>
-              <a:rPr lang="de-DE" dirty="0"/>
-              <a:t>			$("#</a:t>
-            </a:r>
-            <a:r>
-              <a:rPr lang="de-DE" dirty="0" err="1"/>
-              <a:t>track_list</a:t>
-            </a:r>
-            <a:r>
-              <a:rPr lang="de-DE" dirty="0"/>
-              <a:t>").</a:t>
-            </a:r>
-            <a:r>
-              <a:rPr lang="de-DE" dirty="0" err="1"/>
-              <a:t>trackList</a:t>
-            </a:r>
-            <a:r>
-              <a:rPr lang="de-DE" dirty="0"/>
-              <a:t>("</a:t>
-            </a:r>
-            <a:r>
-              <a:rPr lang="de-DE" dirty="0" err="1"/>
-              <a:t>backwards</a:t>
-            </a:r>
-            <a:r>
-              <a:rPr lang="de-DE" dirty="0"/>
-              <a:t>");</a:t>
-            </a:r>
-          </a:p>
-          <a:p>
-            <a:pPr marL="0" indent="0">
-              <a:buNone/>
-            </a:pPr>
-            <a:r>
-              <a:rPr lang="de-DE" dirty="0"/>
-              <a:t>		},</a:t>
-            </a:r>
-          </a:p>
-          <a:p>
-            <a:pPr marL="0" indent="0">
-              <a:buNone/>
-            </a:pPr>
-            <a:r>
-              <a:rPr lang="de-DE" dirty="0"/>
-              <a:t>		</a:t>
-            </a:r>
-            <a:r>
-              <a:rPr lang="de-DE" dirty="0" err="1"/>
-              <a:t>onRightArrowClicked</a:t>
-            </a:r>
-            <a:r>
-              <a:rPr lang="de-DE" dirty="0"/>
-              <a:t>: </a:t>
-            </a:r>
-            <a:r>
-              <a:rPr lang="de-DE" dirty="0" err="1"/>
-              <a:t>function</a:t>
-            </a:r>
-            <a:r>
-              <a:rPr lang="de-DE" dirty="0"/>
-              <a:t>(){</a:t>
-            </a:r>
-          </a:p>
-          <a:p>
-            <a:pPr marL="0" indent="0">
-              <a:buNone/>
-            </a:pPr>
-            <a:r>
-              <a:rPr lang="de-DE" dirty="0"/>
-              <a:t>			$("#</a:t>
-            </a:r>
-            <a:r>
-              <a:rPr lang="de-DE" dirty="0" err="1"/>
-              <a:t>track_list</a:t>
-            </a:r>
-            <a:r>
-              <a:rPr lang="de-DE" dirty="0"/>
-              <a:t>").</a:t>
-            </a:r>
-            <a:r>
-              <a:rPr lang="de-DE" dirty="0" err="1"/>
-              <a:t>trackList</a:t>
-            </a:r>
-            <a:r>
-              <a:rPr lang="de-DE" dirty="0"/>
-              <a:t>("</a:t>
-            </a:r>
-            <a:r>
-              <a:rPr lang="de-DE" dirty="0" err="1"/>
-              <a:t>forward</a:t>
-            </a:r>
-            <a:r>
-              <a:rPr lang="de-DE" dirty="0"/>
-              <a:t>");</a:t>
-            </a:r>
-          </a:p>
-          <a:p>
-            <a:pPr marL="0" indent="0">
-              <a:buNone/>
-            </a:pPr>
-            <a:r>
-              <a:rPr lang="de-DE" dirty="0"/>
-              <a:t>		}</a:t>
-            </a:r>
-          </a:p>
-          <a:p>
-            <a:pPr marL="0" indent="0">
-              <a:buNone/>
-            </a:pPr>
-            <a:r>
-              <a:rPr lang="de-DE" dirty="0"/>
-              <a:t>		</a:t>
-            </a:r>
-          </a:p>
-          <a:p>
-            <a:pPr marL="0" indent="0">
-              <a:buNone/>
-            </a:pPr>
-            <a:r>
-              <a:rPr lang="de-DE" dirty="0"/>
-              <a:t>	});</a:t>
-            </a:r>
-          </a:p>
-        </p:txBody>
-      </p:sp>
+              <a:t>Webservice</a:t>
+            </a:r>
+            <a:endParaRPr lang="en-GB" dirty="0"/>
+          </a:p>
+        </p:txBody>
+      </p:sp>
+      <p:pic>
+        <p:nvPicPr>
+          <p:cNvPr id="1026" name="Picture 2" descr="C:\Users\Patrick\Desktop\Dropbox\RFH Koeln\Web-Mobile Development\Projekt\Struktur.jpg"/>
+          <p:cNvPicPr>
+            <a:picLocks noChangeAspect="1" noChangeArrowheads="1"/>
+          </p:cNvPicPr>
+          <p:nvPr/>
+        </p:nvPicPr>
+        <p:blipFill>
+          <a:blip r:embed="rId2">
+            <a:extLst>
+              <a:ext uri="{28A0092B-C50C-407E-A947-70E740481C1C}">
+                <a14:useLocalDpi xmlns:a14="http://schemas.microsoft.com/office/drawing/2010/main" val="0"/>
+              </a:ext>
+            </a:extLst>
+          </a:blip>
+          <a:srcRect/>
+          <a:stretch>
+            <a:fillRect/>
+          </a:stretch>
+        </p:blipFill>
+        <p:spPr bwMode="auto">
+          <a:xfrm>
+            <a:off x="590104" y="1988840"/>
+            <a:ext cx="7934325" cy="3219450"/>
+          </a:xfrm>
+          <a:prstGeom prst="rect">
+            <a:avLst/>
+          </a:prstGeom>
+          <a:noFill/>
+          <a:extLst>
+            <a:ext uri="{909E8E84-426E-40DD-AFC4-6F175D3DCCD1}">
+              <a14:hiddenFill xmlns:a14="http://schemas.microsoft.com/office/drawing/2010/main">
+                <a:solidFill>
+                  <a:srgbClr val="FFFFFF"/>
+                </a:solidFill>
+              </a14:hiddenFill>
+            </a:ext>
+          </a:extLst>
+        </p:spPr>
+      </p:pic>
     </p:spTree>
     <p:extLst>
       <p:ext uri="{BB962C8B-B14F-4D97-AF65-F5344CB8AC3E}">
-        <p14:creationId xmlns:p14="http://schemas.microsoft.com/office/powerpoint/2010/main" val="3271428354"/>
+        <p14:creationId xmlns:p14="http://schemas.microsoft.com/office/powerpoint/2010/main" val="4043707829"/>
       </p:ext>
     </p:extLst>
   </p:cSld>
   <p:clrMapOvr>
     <a:masterClrMapping/>
   </p:clrMapOvr>
+  <p:timing>
+    <p:tnLst>
+      <p:par>
+        <p:cTn id="1" dur="indefinite" restart="never" nodeType="tmRoot"/>
+      </p:par>
+    </p:tnLst>
+  </p:timing>
 </p:sld>
 </file>
 
@@ -5043,6 +4813,284 @@
           <a:p>
             <a:r>
               <a:rPr lang="de-DE" dirty="0" smtClean="0"/>
+              <a:t>Webclient</a:t>
+            </a:r>
+            <a:endParaRPr lang="en-GB" dirty="0"/>
+          </a:p>
+        </p:txBody>
+      </p:sp>
+      <p:pic>
+        <p:nvPicPr>
+          <p:cNvPr id="4098" name="Picture 2" descr="C:\Users\Patrick\Desktop\Dropbox\RFH Koeln\Web-Mobile Development\Projekt\strukturwc.jpg"/>
+          <p:cNvPicPr>
+            <a:picLocks noChangeAspect="1" noChangeArrowheads="1"/>
+          </p:cNvPicPr>
+          <p:nvPr/>
+        </p:nvPicPr>
+        <p:blipFill>
+          <a:blip r:embed="rId3">
+            <a:extLst>
+              <a:ext uri="{28A0092B-C50C-407E-A947-70E740481C1C}">
+                <a14:useLocalDpi xmlns:a14="http://schemas.microsoft.com/office/drawing/2010/main" val="0"/>
+              </a:ext>
+            </a:extLst>
+          </a:blip>
+          <a:srcRect/>
+          <a:stretch>
+            <a:fillRect/>
+          </a:stretch>
+        </p:blipFill>
+        <p:spPr bwMode="auto">
+          <a:xfrm>
+            <a:off x="755576" y="1628800"/>
+            <a:ext cx="7372350" cy="3829050"/>
+          </a:xfrm>
+          <a:prstGeom prst="rect">
+            <a:avLst/>
+          </a:prstGeom>
+          <a:noFill/>
+          <a:extLst>
+            <a:ext uri="{909E8E84-426E-40DD-AFC4-6F175D3DCCD1}">
+              <a14:hiddenFill xmlns:a14="http://schemas.microsoft.com/office/drawing/2010/main">
+                <a:solidFill>
+                  <a:srgbClr val="FFFFFF"/>
+                </a:solidFill>
+              </a14:hiddenFill>
+            </a:ext>
+          </a:extLst>
+        </p:spPr>
+      </p:pic>
+    </p:spTree>
+    <p:extLst>
+      <p:ext uri="{BB962C8B-B14F-4D97-AF65-F5344CB8AC3E}">
+        <p14:creationId xmlns:p14="http://schemas.microsoft.com/office/powerpoint/2010/main" val="2012440889"/>
+      </p:ext>
+    </p:extLst>
+  </p:cSld>
+  <p:clrMapOvr>
+    <a:masterClrMapping/>
+  </p:clrMapOvr>
+  <p:timing>
+    <p:tnLst>
+      <p:par>
+        <p:cTn id="1" dur="indefinite" restart="never" nodeType="tmRoot"/>
+      </p:par>
+    </p:tnLst>
+  </p:timing>
+</p:sld>
+</file>
+
+<file path=ppt/slides/slide14.xml><?xml version="1.0" encoding="utf-8"?>
+<p:sld xmlns:a="http://schemas.openxmlformats.org/drawingml/2006/main" xmlns:r="http://schemas.openxmlformats.org/officeDocument/2006/relationships" xmlns:p="http://schemas.openxmlformats.org/presentationml/2006/main">
+  <p:cSld>
+    <p:spTree>
+      <p:nvGrpSpPr>
+        <p:cNvPr id="1" name=""/>
+        <p:cNvGrpSpPr/>
+        <p:nvPr/>
+      </p:nvGrpSpPr>
+      <p:grpSpPr>
+        <a:xfrm>
+          <a:off x="0" y="0"/>
+          <a:ext cx="0" cy="0"/>
+          <a:chOff x="0" y="0"/>
+          <a:chExt cx="0" cy="0"/>
+        </a:xfrm>
+      </p:grpSpPr>
+      <p:sp>
+        <p:nvSpPr>
+          <p:cNvPr id="2" name="Titel 1"/>
+          <p:cNvSpPr>
+            <a:spLocks noGrp="1"/>
+          </p:cNvSpPr>
+          <p:nvPr>
+            <p:ph type="title"/>
+          </p:nvPr>
+        </p:nvSpPr>
+        <p:spPr/>
+        <p:txBody>
+          <a:bodyPr/>
+          <a:lstStyle/>
+          <a:p>
+            <a:r>
+              <a:rPr lang="de-DE" dirty="0" smtClean="0"/>
+              <a:t>Webclient-</a:t>
+            </a:r>
+            <a:r>
+              <a:rPr lang="de-DE" dirty="0" err="1" smtClean="0"/>
+              <a:t>Widgets</a:t>
+            </a:r>
+            <a:endParaRPr lang="en-GB" dirty="0"/>
+          </a:p>
+        </p:txBody>
+      </p:sp>
+      <p:sp>
+        <p:nvSpPr>
+          <p:cNvPr id="3" name="Inhaltsplatzhalter 2"/>
+          <p:cNvSpPr>
+            <a:spLocks noGrp="1"/>
+          </p:cNvSpPr>
+          <p:nvPr>
+            <p:ph idx="1"/>
+          </p:nvPr>
+        </p:nvSpPr>
+        <p:spPr/>
+        <p:txBody>
+          <a:bodyPr>
+            <a:normAutofit lnSpcReduction="10000"/>
+          </a:bodyPr>
+          <a:lstStyle/>
+          <a:p>
+            <a:r>
+              <a:rPr lang="de-DE" dirty="0" smtClean="0"/>
+              <a:t>Controller für spezielle Elemente der GUI</a:t>
+            </a:r>
+          </a:p>
+          <a:p>
+            <a:pPr lvl="1"/>
+            <a:r>
+              <a:rPr lang="de-DE" dirty="0" err="1" smtClean="0"/>
+              <a:t>Tracklist</a:t>
+            </a:r>
+            <a:r>
+              <a:rPr lang="de-DE" dirty="0" smtClean="0"/>
+              <a:t> -&gt; Listenansicht</a:t>
+            </a:r>
+          </a:p>
+          <a:p>
+            <a:pPr lvl="1"/>
+            <a:r>
+              <a:rPr lang="de-DE" dirty="0" err="1" smtClean="0"/>
+              <a:t>Trackdetails</a:t>
+            </a:r>
+            <a:r>
+              <a:rPr lang="de-DE" dirty="0" smtClean="0"/>
+              <a:t> -&gt; Detailansicht</a:t>
+            </a:r>
+          </a:p>
+          <a:p>
+            <a:pPr lvl="1"/>
+            <a:r>
+              <a:rPr lang="de-DE" dirty="0" err="1" smtClean="0"/>
+              <a:t>CreateDialog</a:t>
+            </a:r>
+            <a:r>
+              <a:rPr lang="de-DE" dirty="0" smtClean="0"/>
+              <a:t> -&gt; Dialogfenster zum Erstellen</a:t>
+            </a:r>
+          </a:p>
+          <a:p>
+            <a:pPr lvl="1"/>
+            <a:r>
+              <a:rPr lang="de-DE" dirty="0" err="1" smtClean="0"/>
+              <a:t>EditDialog</a:t>
+            </a:r>
+            <a:r>
+              <a:rPr lang="de-DE" dirty="0" smtClean="0"/>
+              <a:t> -&gt; Dialogfenster zum Bearbeiten</a:t>
+            </a:r>
+          </a:p>
+          <a:p>
+            <a:pPr lvl="1"/>
+            <a:r>
+              <a:rPr lang="de-DE" dirty="0" err="1" smtClean="0"/>
+              <a:t>DeleteDialog</a:t>
+            </a:r>
+            <a:r>
+              <a:rPr lang="de-DE" dirty="0" smtClean="0"/>
+              <a:t> -&gt;Dialogfenster zur Bestätigung</a:t>
+            </a:r>
+          </a:p>
+          <a:p>
+            <a:pPr lvl="1"/>
+            <a:r>
+              <a:rPr lang="de-DE" dirty="0" err="1" smtClean="0"/>
+              <a:t>ErrorDialog</a:t>
+            </a:r>
+            <a:r>
+              <a:rPr lang="de-DE" dirty="0" smtClean="0"/>
+              <a:t>-&gt; Dialogfenster im Fehlerfall</a:t>
+            </a:r>
+          </a:p>
+          <a:p>
+            <a:pPr lvl="1"/>
+            <a:r>
+              <a:rPr lang="de-DE" dirty="0" smtClean="0"/>
+              <a:t>Navigation -&gt; zur Navigation im Kopfbereich</a:t>
+            </a:r>
+          </a:p>
+          <a:p>
+            <a:pPr lvl="1"/>
+            <a:r>
+              <a:rPr lang="de-DE" dirty="0" smtClean="0"/>
+              <a:t>Limitation -&gt; für das </a:t>
+            </a:r>
+            <a:r>
+              <a:rPr lang="de-DE" dirty="0" err="1" smtClean="0"/>
+              <a:t>Paging</a:t>
+            </a:r>
+            <a:r>
+              <a:rPr lang="de-DE" dirty="0" smtClean="0"/>
+              <a:t> der Liste</a:t>
+            </a:r>
+            <a:endParaRPr lang="en-GB" dirty="0"/>
+          </a:p>
+        </p:txBody>
+      </p:sp>
+    </p:spTree>
+    <p:extLst>
+      <p:ext uri="{BB962C8B-B14F-4D97-AF65-F5344CB8AC3E}">
+        <p14:creationId xmlns:p14="http://schemas.microsoft.com/office/powerpoint/2010/main" val="1267882555"/>
+      </p:ext>
+    </p:extLst>
+  </p:cSld>
+  <p:clrMapOvr>
+    <a:masterClrMapping/>
+  </p:clrMapOvr>
+  <p:timing>
+    <p:tnLst>
+      <p:par>
+        <p:cTn id="1" dur="indefinite" restart="never" nodeType="tmRoot"/>
+      </p:par>
+    </p:tnLst>
+  </p:timing>
+</p:sld>
+</file>
+
+<file path=ppt/slides/slide15.xml><?xml version="1.0" encoding="utf-8"?>
+<p:sld xmlns:a="http://schemas.openxmlformats.org/drawingml/2006/main" xmlns:r="http://schemas.openxmlformats.org/officeDocument/2006/relationships" xmlns:p="http://schemas.openxmlformats.org/presentationml/2006/main">
+  <p:cSld>
+    <p:spTree>
+      <p:nvGrpSpPr>
+        <p:cNvPr id="1" name=""/>
+        <p:cNvGrpSpPr/>
+        <p:nvPr/>
+      </p:nvGrpSpPr>
+      <p:grpSpPr>
+        <a:xfrm>
+          <a:off x="0" y="0"/>
+          <a:ext cx="0" cy="0"/>
+          <a:chOff x="0" y="0"/>
+          <a:chExt cx="0" cy="0"/>
+        </a:xfrm>
+      </p:grpSpPr>
+      <p:sp>
+        <p:nvSpPr>
+          <p:cNvPr id="2" name="Titel 1"/>
+          <p:cNvSpPr>
+            <a:spLocks noGrp="1"/>
+          </p:cNvSpPr>
+          <p:nvPr>
+            <p:ph type="title"/>
+          </p:nvPr>
+        </p:nvSpPr>
+        <p:spPr/>
+        <p:txBody>
+          <a:bodyPr/>
+          <a:lstStyle/>
+          <a:p>
+            <a:r>
+              <a:rPr lang="de-DE" dirty="0" smtClean="0"/>
               <a:t>Webclient - </a:t>
             </a:r>
             <a:r>
@@ -5642,7 +5690,1729 @@
 </p:sld>
 </file>
 
-<file path=ppt/slides/slide14.xml><?xml version="1.0" encoding="utf-8"?>
+<file path=ppt/slides/slide16.xml><?xml version="1.0" encoding="utf-8"?>
+<p:sld xmlns:a="http://schemas.openxmlformats.org/drawingml/2006/main" xmlns:r="http://schemas.openxmlformats.org/officeDocument/2006/relationships" xmlns:p="http://schemas.openxmlformats.org/presentationml/2006/main">
+  <p:cSld>
+    <p:spTree>
+      <p:nvGrpSpPr>
+        <p:cNvPr id="1" name=""/>
+        <p:cNvGrpSpPr/>
+        <p:nvPr/>
+      </p:nvGrpSpPr>
+      <p:grpSpPr>
+        <a:xfrm>
+          <a:off x="0" y="0"/>
+          <a:ext cx="0" cy="0"/>
+          <a:chOff x="0" y="0"/>
+          <a:chExt cx="0" cy="0"/>
+        </a:xfrm>
+      </p:grpSpPr>
+      <p:sp>
+        <p:nvSpPr>
+          <p:cNvPr id="2" name="Titel 1"/>
+          <p:cNvSpPr>
+            <a:spLocks noGrp="1"/>
+          </p:cNvSpPr>
+          <p:nvPr>
+            <p:ph type="title"/>
+          </p:nvPr>
+        </p:nvSpPr>
+        <p:spPr/>
+        <p:txBody>
+          <a:bodyPr/>
+          <a:lstStyle/>
+          <a:p>
+            <a:r>
+              <a:rPr lang="de-DE" dirty="0"/>
+              <a:t>Webclient - </a:t>
+            </a:r>
+            <a:r>
+              <a:rPr lang="de-DE" dirty="0" err="1"/>
+              <a:t>Paging</a:t>
+            </a:r>
+            <a:endParaRPr lang="de-DE" dirty="0"/>
+          </a:p>
+        </p:txBody>
+      </p:sp>
+      <p:sp>
+        <p:nvSpPr>
+          <p:cNvPr id="3" name="Inhaltsplatzhalter 2"/>
+          <p:cNvSpPr>
+            <a:spLocks noGrp="1"/>
+          </p:cNvSpPr>
+          <p:nvPr>
+            <p:ph idx="1"/>
+          </p:nvPr>
+        </p:nvSpPr>
+        <p:spPr/>
+        <p:txBody>
+          <a:bodyPr>
+            <a:normAutofit fontScale="25000" lnSpcReduction="20000"/>
+          </a:bodyPr>
+          <a:lstStyle/>
+          <a:p>
+            <a:pPr marL="0" indent="0">
+              <a:buNone/>
+            </a:pPr>
+            <a:r>
+              <a:rPr lang="de-DE" sz="9600" b="1" dirty="0" err="1" smtClean="0"/>
+              <a:t>Widget</a:t>
+            </a:r>
+            <a:r>
+              <a:rPr lang="de-DE" sz="9600" b="1" dirty="0" smtClean="0"/>
+              <a:t> mit der Kontroll-Logik</a:t>
+            </a:r>
+          </a:p>
+          <a:p>
+            <a:pPr marL="0" indent="0">
+              <a:buNone/>
+            </a:pPr>
+            <a:endParaRPr lang="de-DE" dirty="0"/>
+          </a:p>
+          <a:p>
+            <a:pPr marL="0" indent="0">
+              <a:buNone/>
+            </a:pPr>
+            <a:r>
+              <a:rPr lang="de-DE" dirty="0" smtClean="0"/>
+              <a:t>$.</a:t>
+            </a:r>
+            <a:r>
+              <a:rPr lang="de-DE" dirty="0" err="1"/>
+              <a:t>widget</a:t>
+            </a:r>
+            <a:r>
+              <a:rPr lang="de-DE" dirty="0"/>
+              <a:t>("</a:t>
+            </a:r>
+            <a:r>
+              <a:rPr lang="de-DE" dirty="0" err="1"/>
+              <a:t>track.listLimit</a:t>
+            </a:r>
+            <a:r>
+              <a:rPr lang="de-DE" dirty="0"/>
+              <a:t>", {</a:t>
+            </a:r>
+          </a:p>
+          <a:p>
+            <a:pPr marL="0" indent="0">
+              <a:buNone/>
+            </a:pPr>
+            <a:r>
+              <a:rPr lang="de-DE" dirty="0"/>
+              <a:t>	_</a:t>
+            </a:r>
+            <a:r>
+              <a:rPr lang="de-DE" dirty="0" err="1"/>
+              <a:t>create</a:t>
+            </a:r>
+            <a:r>
+              <a:rPr lang="de-DE" dirty="0"/>
+              <a:t>: </a:t>
+            </a:r>
+            <a:r>
+              <a:rPr lang="de-DE" dirty="0" err="1"/>
+              <a:t>function</a:t>
+            </a:r>
+            <a:r>
+              <a:rPr lang="de-DE" dirty="0"/>
+              <a:t>(){</a:t>
+            </a:r>
+          </a:p>
+          <a:p>
+            <a:pPr marL="0" indent="0">
+              <a:buNone/>
+            </a:pPr>
+            <a:r>
+              <a:rPr lang="de-DE" dirty="0"/>
+              <a:t>		</a:t>
+            </a:r>
+            <a:r>
+              <a:rPr lang="de-DE" dirty="0" err="1"/>
+              <a:t>var</a:t>
+            </a:r>
+            <a:r>
+              <a:rPr lang="de-DE" dirty="0"/>
+              <a:t> </a:t>
+            </a:r>
+            <a:r>
+              <a:rPr lang="de-DE" dirty="0" err="1"/>
+              <a:t>that</a:t>
+            </a:r>
+            <a:r>
+              <a:rPr lang="de-DE" dirty="0"/>
+              <a:t> = </a:t>
+            </a:r>
+            <a:r>
+              <a:rPr lang="de-DE" dirty="0" err="1"/>
+              <a:t>this</a:t>
+            </a:r>
+            <a:r>
+              <a:rPr lang="de-DE" dirty="0"/>
+              <a:t>;</a:t>
+            </a:r>
+          </a:p>
+          <a:p>
+            <a:pPr marL="0" indent="0">
+              <a:buNone/>
+            </a:pPr>
+            <a:r>
+              <a:rPr lang="de-DE" dirty="0"/>
+              <a:t>		</a:t>
+            </a:r>
+          </a:p>
+          <a:p>
+            <a:pPr marL="0" indent="0">
+              <a:buNone/>
+            </a:pPr>
+            <a:r>
+              <a:rPr lang="de-DE" dirty="0"/>
+              <a:t>		</a:t>
+            </a:r>
+            <a:r>
+              <a:rPr lang="de-DE" dirty="0" err="1"/>
+              <a:t>this.element.find</a:t>
+            </a:r>
+            <a:r>
+              <a:rPr lang="de-DE" dirty="0"/>
+              <a:t>(".</a:t>
+            </a:r>
+            <a:r>
+              <a:rPr lang="de-DE" dirty="0" err="1"/>
+              <a:t>ten</a:t>
+            </a:r>
+            <a:r>
+              <a:rPr lang="de-DE" dirty="0"/>
+              <a:t>").</a:t>
+            </a:r>
+            <a:r>
+              <a:rPr lang="de-DE" dirty="0" err="1"/>
+              <a:t>click</a:t>
+            </a:r>
+            <a:r>
+              <a:rPr lang="de-DE" dirty="0"/>
+              <a:t>(</a:t>
+            </a:r>
+            <a:r>
+              <a:rPr lang="de-DE" dirty="0" err="1"/>
+              <a:t>function</a:t>
+            </a:r>
+            <a:r>
+              <a:rPr lang="de-DE" dirty="0"/>
+              <a:t>(){</a:t>
+            </a:r>
+          </a:p>
+          <a:p>
+            <a:pPr marL="0" indent="0">
+              <a:buNone/>
+            </a:pPr>
+            <a:r>
+              <a:rPr lang="de-DE" dirty="0"/>
+              <a:t>			</a:t>
+            </a:r>
+            <a:r>
+              <a:rPr lang="de-DE" dirty="0" err="1"/>
+              <a:t>that</a:t>
+            </a:r>
+            <a:r>
+              <a:rPr lang="de-DE" dirty="0"/>
+              <a:t>._</a:t>
+            </a:r>
+            <a:r>
+              <a:rPr lang="de-DE" dirty="0" err="1"/>
+              <a:t>trigger</a:t>
+            </a:r>
+            <a:r>
+              <a:rPr lang="de-DE" dirty="0"/>
+              <a:t>("</a:t>
+            </a:r>
+            <a:r>
+              <a:rPr lang="de-DE" dirty="0" err="1"/>
+              <a:t>onTenClicked</a:t>
+            </a:r>
+            <a:r>
+              <a:rPr lang="de-DE" dirty="0"/>
+              <a:t>");</a:t>
+            </a:r>
+          </a:p>
+          <a:p>
+            <a:pPr marL="0" indent="0">
+              <a:buNone/>
+            </a:pPr>
+            <a:r>
+              <a:rPr lang="de-DE" dirty="0"/>
+              <a:t>			</a:t>
+            </a:r>
+            <a:r>
+              <a:rPr lang="de-DE" dirty="0" err="1"/>
+              <a:t>return</a:t>
+            </a:r>
+            <a:r>
+              <a:rPr lang="de-DE" dirty="0"/>
+              <a:t> </a:t>
+            </a:r>
+            <a:r>
+              <a:rPr lang="de-DE" dirty="0" err="1"/>
+              <a:t>false</a:t>
+            </a:r>
+            <a:r>
+              <a:rPr lang="de-DE" dirty="0"/>
+              <a:t>;</a:t>
+            </a:r>
+          </a:p>
+          <a:p>
+            <a:pPr marL="0" indent="0">
+              <a:buNone/>
+            </a:pPr>
+            <a:r>
+              <a:rPr lang="de-DE" dirty="0"/>
+              <a:t>		});</a:t>
+            </a:r>
+          </a:p>
+          <a:p>
+            <a:pPr marL="0" indent="0">
+              <a:buNone/>
+            </a:pPr>
+            <a:r>
+              <a:rPr lang="de-DE" dirty="0"/>
+              <a:t>		</a:t>
+            </a:r>
+            <a:r>
+              <a:rPr lang="de-DE" dirty="0" err="1"/>
+              <a:t>this.element.find</a:t>
+            </a:r>
+            <a:r>
+              <a:rPr lang="de-DE" dirty="0"/>
+              <a:t>(".</a:t>
+            </a:r>
+            <a:r>
+              <a:rPr lang="de-DE" dirty="0" err="1"/>
+              <a:t>twenty</a:t>
+            </a:r>
+            <a:r>
+              <a:rPr lang="de-DE" dirty="0"/>
+              <a:t>").</a:t>
+            </a:r>
+            <a:r>
+              <a:rPr lang="de-DE" dirty="0" err="1"/>
+              <a:t>click</a:t>
+            </a:r>
+            <a:r>
+              <a:rPr lang="de-DE" dirty="0"/>
+              <a:t>(</a:t>
+            </a:r>
+            <a:r>
+              <a:rPr lang="de-DE" dirty="0" err="1"/>
+              <a:t>function</a:t>
+            </a:r>
+            <a:r>
+              <a:rPr lang="de-DE" dirty="0"/>
+              <a:t>(){</a:t>
+            </a:r>
+          </a:p>
+          <a:p>
+            <a:pPr marL="0" indent="0">
+              <a:buNone/>
+            </a:pPr>
+            <a:r>
+              <a:rPr lang="de-DE" dirty="0"/>
+              <a:t>			</a:t>
+            </a:r>
+            <a:r>
+              <a:rPr lang="de-DE" dirty="0" err="1"/>
+              <a:t>that</a:t>
+            </a:r>
+            <a:r>
+              <a:rPr lang="de-DE" dirty="0"/>
+              <a:t>._</a:t>
+            </a:r>
+            <a:r>
+              <a:rPr lang="de-DE" dirty="0" err="1"/>
+              <a:t>trigger</a:t>
+            </a:r>
+            <a:r>
+              <a:rPr lang="de-DE" dirty="0"/>
+              <a:t>("</a:t>
+            </a:r>
+            <a:r>
+              <a:rPr lang="de-DE" dirty="0" err="1"/>
+              <a:t>onTwentyClicked</a:t>
+            </a:r>
+            <a:r>
+              <a:rPr lang="de-DE" dirty="0"/>
+              <a:t>");</a:t>
+            </a:r>
+          </a:p>
+          <a:p>
+            <a:pPr marL="0" indent="0">
+              <a:buNone/>
+            </a:pPr>
+            <a:r>
+              <a:rPr lang="de-DE" dirty="0"/>
+              <a:t>			</a:t>
+            </a:r>
+            <a:r>
+              <a:rPr lang="de-DE" dirty="0" err="1"/>
+              <a:t>return</a:t>
+            </a:r>
+            <a:r>
+              <a:rPr lang="de-DE" dirty="0"/>
+              <a:t> </a:t>
+            </a:r>
+            <a:r>
+              <a:rPr lang="de-DE" dirty="0" err="1"/>
+              <a:t>false</a:t>
+            </a:r>
+            <a:r>
+              <a:rPr lang="de-DE" dirty="0"/>
+              <a:t>;</a:t>
+            </a:r>
+          </a:p>
+          <a:p>
+            <a:pPr marL="0" indent="0">
+              <a:buNone/>
+            </a:pPr>
+            <a:r>
+              <a:rPr lang="de-DE" dirty="0"/>
+              <a:t>		});</a:t>
+            </a:r>
+          </a:p>
+          <a:p>
+            <a:pPr marL="0" indent="0">
+              <a:buNone/>
+            </a:pPr>
+            <a:r>
+              <a:rPr lang="de-DE" dirty="0"/>
+              <a:t>		</a:t>
+            </a:r>
+            <a:r>
+              <a:rPr lang="de-DE" dirty="0" err="1"/>
+              <a:t>this.element.find</a:t>
+            </a:r>
+            <a:r>
+              <a:rPr lang="de-DE" dirty="0"/>
+              <a:t>(".</a:t>
+            </a:r>
+            <a:r>
+              <a:rPr lang="de-DE" dirty="0" err="1"/>
+              <a:t>thirty</a:t>
+            </a:r>
+            <a:r>
+              <a:rPr lang="de-DE" dirty="0"/>
+              <a:t>").</a:t>
+            </a:r>
+            <a:r>
+              <a:rPr lang="de-DE" dirty="0" err="1"/>
+              <a:t>click</a:t>
+            </a:r>
+            <a:r>
+              <a:rPr lang="de-DE" dirty="0"/>
+              <a:t>(</a:t>
+            </a:r>
+            <a:r>
+              <a:rPr lang="de-DE" dirty="0" err="1"/>
+              <a:t>function</a:t>
+            </a:r>
+            <a:r>
+              <a:rPr lang="de-DE" dirty="0"/>
+              <a:t>(){</a:t>
+            </a:r>
+          </a:p>
+          <a:p>
+            <a:pPr marL="0" indent="0">
+              <a:buNone/>
+            </a:pPr>
+            <a:r>
+              <a:rPr lang="de-DE" dirty="0"/>
+              <a:t>			</a:t>
+            </a:r>
+            <a:r>
+              <a:rPr lang="de-DE" dirty="0" err="1"/>
+              <a:t>that</a:t>
+            </a:r>
+            <a:r>
+              <a:rPr lang="de-DE" dirty="0"/>
+              <a:t>._</a:t>
+            </a:r>
+            <a:r>
+              <a:rPr lang="de-DE" dirty="0" err="1"/>
+              <a:t>trigger</a:t>
+            </a:r>
+            <a:r>
+              <a:rPr lang="de-DE" dirty="0"/>
+              <a:t>("</a:t>
+            </a:r>
+            <a:r>
+              <a:rPr lang="de-DE" dirty="0" err="1"/>
+              <a:t>onThirtyClicked</a:t>
+            </a:r>
+            <a:r>
+              <a:rPr lang="de-DE" dirty="0"/>
+              <a:t>");</a:t>
+            </a:r>
+          </a:p>
+          <a:p>
+            <a:pPr marL="0" indent="0">
+              <a:buNone/>
+            </a:pPr>
+            <a:r>
+              <a:rPr lang="de-DE" dirty="0"/>
+              <a:t>			</a:t>
+            </a:r>
+            <a:r>
+              <a:rPr lang="de-DE" dirty="0" err="1"/>
+              <a:t>return</a:t>
+            </a:r>
+            <a:r>
+              <a:rPr lang="de-DE" dirty="0"/>
+              <a:t> </a:t>
+            </a:r>
+            <a:r>
+              <a:rPr lang="de-DE" dirty="0" err="1"/>
+              <a:t>false</a:t>
+            </a:r>
+            <a:r>
+              <a:rPr lang="de-DE" dirty="0"/>
+              <a:t>;</a:t>
+            </a:r>
+          </a:p>
+          <a:p>
+            <a:pPr marL="0" indent="0">
+              <a:buNone/>
+            </a:pPr>
+            <a:r>
+              <a:rPr lang="de-DE" dirty="0"/>
+              <a:t>		});</a:t>
+            </a:r>
+          </a:p>
+          <a:p>
+            <a:pPr marL="0" indent="0">
+              <a:buNone/>
+            </a:pPr>
+            <a:r>
+              <a:rPr lang="de-DE" dirty="0"/>
+              <a:t>		</a:t>
+            </a:r>
+            <a:r>
+              <a:rPr lang="de-DE" dirty="0" err="1"/>
+              <a:t>this.element.find</a:t>
+            </a:r>
+            <a:r>
+              <a:rPr lang="de-DE" dirty="0"/>
+              <a:t>(".</a:t>
+            </a:r>
+            <a:r>
+              <a:rPr lang="de-DE" dirty="0" err="1"/>
+              <a:t>fifty</a:t>
+            </a:r>
+            <a:r>
+              <a:rPr lang="de-DE" dirty="0"/>
+              <a:t>").</a:t>
+            </a:r>
+            <a:r>
+              <a:rPr lang="de-DE" dirty="0" err="1"/>
+              <a:t>click</a:t>
+            </a:r>
+            <a:r>
+              <a:rPr lang="de-DE" dirty="0"/>
+              <a:t>(</a:t>
+            </a:r>
+            <a:r>
+              <a:rPr lang="de-DE" dirty="0" err="1"/>
+              <a:t>function</a:t>
+            </a:r>
+            <a:r>
+              <a:rPr lang="de-DE" dirty="0"/>
+              <a:t>(){</a:t>
+            </a:r>
+          </a:p>
+          <a:p>
+            <a:pPr marL="0" indent="0">
+              <a:buNone/>
+            </a:pPr>
+            <a:r>
+              <a:rPr lang="de-DE" dirty="0"/>
+              <a:t>			</a:t>
+            </a:r>
+            <a:r>
+              <a:rPr lang="de-DE" dirty="0" err="1"/>
+              <a:t>that</a:t>
+            </a:r>
+            <a:r>
+              <a:rPr lang="de-DE" dirty="0"/>
+              <a:t>._</a:t>
+            </a:r>
+            <a:r>
+              <a:rPr lang="de-DE" dirty="0" err="1"/>
+              <a:t>trigger</a:t>
+            </a:r>
+            <a:r>
+              <a:rPr lang="de-DE" dirty="0"/>
+              <a:t>("</a:t>
+            </a:r>
+            <a:r>
+              <a:rPr lang="de-DE" dirty="0" err="1"/>
+              <a:t>onFiftyClicked</a:t>
+            </a:r>
+            <a:r>
+              <a:rPr lang="de-DE" dirty="0"/>
+              <a:t>");</a:t>
+            </a:r>
+          </a:p>
+          <a:p>
+            <a:pPr marL="0" indent="0">
+              <a:buNone/>
+            </a:pPr>
+            <a:r>
+              <a:rPr lang="de-DE" dirty="0"/>
+              <a:t>			</a:t>
+            </a:r>
+            <a:r>
+              <a:rPr lang="de-DE" dirty="0" err="1"/>
+              <a:t>return</a:t>
+            </a:r>
+            <a:r>
+              <a:rPr lang="de-DE" dirty="0"/>
+              <a:t> </a:t>
+            </a:r>
+            <a:r>
+              <a:rPr lang="de-DE" dirty="0" err="1"/>
+              <a:t>false</a:t>
+            </a:r>
+            <a:r>
+              <a:rPr lang="de-DE" dirty="0"/>
+              <a:t>;</a:t>
+            </a:r>
+          </a:p>
+          <a:p>
+            <a:pPr marL="0" indent="0">
+              <a:buNone/>
+            </a:pPr>
+            <a:r>
+              <a:rPr lang="de-DE" dirty="0"/>
+              <a:t>		});</a:t>
+            </a:r>
+          </a:p>
+          <a:p>
+            <a:pPr marL="0" indent="0">
+              <a:buNone/>
+            </a:pPr>
+            <a:r>
+              <a:rPr lang="de-DE" dirty="0"/>
+              <a:t>		</a:t>
+            </a:r>
+            <a:r>
+              <a:rPr lang="de-DE" dirty="0" err="1"/>
+              <a:t>this.element.find</a:t>
+            </a:r>
+            <a:r>
+              <a:rPr lang="de-DE" dirty="0"/>
+              <a:t>(".</a:t>
+            </a:r>
+            <a:r>
+              <a:rPr lang="de-DE" dirty="0" err="1"/>
+              <a:t>hundred</a:t>
+            </a:r>
+            <a:r>
+              <a:rPr lang="de-DE" dirty="0"/>
+              <a:t>").</a:t>
+            </a:r>
+            <a:r>
+              <a:rPr lang="de-DE" dirty="0" err="1"/>
+              <a:t>click</a:t>
+            </a:r>
+            <a:r>
+              <a:rPr lang="de-DE" dirty="0"/>
+              <a:t>(</a:t>
+            </a:r>
+            <a:r>
+              <a:rPr lang="de-DE" dirty="0" err="1"/>
+              <a:t>function</a:t>
+            </a:r>
+            <a:r>
+              <a:rPr lang="de-DE" dirty="0"/>
+              <a:t>(){</a:t>
+            </a:r>
+          </a:p>
+          <a:p>
+            <a:pPr marL="0" indent="0">
+              <a:buNone/>
+            </a:pPr>
+            <a:r>
+              <a:rPr lang="de-DE" dirty="0"/>
+              <a:t>			</a:t>
+            </a:r>
+            <a:r>
+              <a:rPr lang="de-DE" dirty="0" err="1"/>
+              <a:t>that</a:t>
+            </a:r>
+            <a:r>
+              <a:rPr lang="de-DE" dirty="0"/>
+              <a:t>._</a:t>
+            </a:r>
+            <a:r>
+              <a:rPr lang="de-DE" dirty="0" err="1"/>
+              <a:t>trigger</a:t>
+            </a:r>
+            <a:r>
+              <a:rPr lang="de-DE" dirty="0"/>
+              <a:t>("</a:t>
+            </a:r>
+            <a:r>
+              <a:rPr lang="de-DE" dirty="0" err="1"/>
+              <a:t>onHundredClicked</a:t>
+            </a:r>
+            <a:r>
+              <a:rPr lang="de-DE" dirty="0"/>
+              <a:t>");</a:t>
+            </a:r>
+          </a:p>
+          <a:p>
+            <a:pPr marL="0" indent="0">
+              <a:buNone/>
+            </a:pPr>
+            <a:r>
+              <a:rPr lang="de-DE" dirty="0"/>
+              <a:t>			</a:t>
+            </a:r>
+            <a:r>
+              <a:rPr lang="de-DE" dirty="0" err="1"/>
+              <a:t>return</a:t>
+            </a:r>
+            <a:r>
+              <a:rPr lang="de-DE" dirty="0"/>
+              <a:t> </a:t>
+            </a:r>
+            <a:r>
+              <a:rPr lang="de-DE" dirty="0" err="1"/>
+              <a:t>false</a:t>
+            </a:r>
+            <a:r>
+              <a:rPr lang="de-DE" dirty="0"/>
+              <a:t>;</a:t>
+            </a:r>
+          </a:p>
+          <a:p>
+            <a:pPr marL="0" indent="0">
+              <a:buNone/>
+            </a:pPr>
+            <a:r>
+              <a:rPr lang="de-DE" dirty="0"/>
+              <a:t>		});</a:t>
+            </a:r>
+          </a:p>
+          <a:p>
+            <a:pPr marL="0" indent="0">
+              <a:buNone/>
+            </a:pPr>
+            <a:r>
+              <a:rPr lang="de-DE" dirty="0"/>
+              <a:t>		</a:t>
+            </a:r>
+            <a:r>
+              <a:rPr lang="de-DE" dirty="0" err="1"/>
+              <a:t>this.element.find</a:t>
+            </a:r>
+            <a:r>
+              <a:rPr lang="de-DE" dirty="0"/>
+              <a:t>(".</a:t>
+            </a:r>
+            <a:r>
+              <a:rPr lang="de-DE" dirty="0" err="1"/>
+              <a:t>left_arrow</a:t>
+            </a:r>
+            <a:r>
+              <a:rPr lang="de-DE" dirty="0"/>
+              <a:t>").</a:t>
+            </a:r>
+            <a:r>
+              <a:rPr lang="de-DE" dirty="0" err="1"/>
+              <a:t>click</a:t>
+            </a:r>
+            <a:r>
+              <a:rPr lang="de-DE" dirty="0"/>
+              <a:t>(</a:t>
+            </a:r>
+            <a:r>
+              <a:rPr lang="de-DE" dirty="0" err="1"/>
+              <a:t>function</a:t>
+            </a:r>
+            <a:r>
+              <a:rPr lang="de-DE" dirty="0"/>
+              <a:t>(){</a:t>
+            </a:r>
+          </a:p>
+          <a:p>
+            <a:pPr marL="0" indent="0">
+              <a:buNone/>
+            </a:pPr>
+            <a:r>
+              <a:rPr lang="de-DE" dirty="0"/>
+              <a:t>			</a:t>
+            </a:r>
+            <a:r>
+              <a:rPr lang="de-DE" dirty="0" err="1"/>
+              <a:t>that</a:t>
+            </a:r>
+            <a:r>
+              <a:rPr lang="de-DE" dirty="0"/>
+              <a:t>._</a:t>
+            </a:r>
+            <a:r>
+              <a:rPr lang="de-DE" dirty="0" err="1"/>
+              <a:t>trigger</a:t>
+            </a:r>
+            <a:r>
+              <a:rPr lang="de-DE" dirty="0"/>
+              <a:t>("</a:t>
+            </a:r>
+            <a:r>
+              <a:rPr lang="de-DE" dirty="0" err="1"/>
+              <a:t>onLeftArrowClicked</a:t>
+            </a:r>
+            <a:r>
+              <a:rPr lang="de-DE" dirty="0"/>
+              <a:t>");</a:t>
+            </a:r>
+          </a:p>
+          <a:p>
+            <a:pPr marL="0" indent="0">
+              <a:buNone/>
+            </a:pPr>
+            <a:r>
+              <a:rPr lang="de-DE" dirty="0"/>
+              <a:t>			</a:t>
+            </a:r>
+            <a:r>
+              <a:rPr lang="de-DE" dirty="0" err="1"/>
+              <a:t>return</a:t>
+            </a:r>
+            <a:r>
+              <a:rPr lang="de-DE" dirty="0"/>
+              <a:t> </a:t>
+            </a:r>
+            <a:r>
+              <a:rPr lang="de-DE" dirty="0" err="1"/>
+              <a:t>false</a:t>
+            </a:r>
+            <a:r>
+              <a:rPr lang="de-DE" dirty="0"/>
+              <a:t>;</a:t>
+            </a:r>
+          </a:p>
+          <a:p>
+            <a:pPr marL="0" indent="0">
+              <a:buNone/>
+            </a:pPr>
+            <a:r>
+              <a:rPr lang="de-DE" dirty="0"/>
+              <a:t>		});</a:t>
+            </a:r>
+          </a:p>
+          <a:p>
+            <a:pPr marL="0" indent="0">
+              <a:buNone/>
+            </a:pPr>
+            <a:r>
+              <a:rPr lang="de-DE" dirty="0"/>
+              <a:t>		</a:t>
+            </a:r>
+            <a:r>
+              <a:rPr lang="de-DE" dirty="0" err="1"/>
+              <a:t>this.element.find</a:t>
+            </a:r>
+            <a:r>
+              <a:rPr lang="de-DE" dirty="0"/>
+              <a:t>(".</a:t>
+            </a:r>
+            <a:r>
+              <a:rPr lang="de-DE" dirty="0" err="1"/>
+              <a:t>right_arrow</a:t>
+            </a:r>
+            <a:r>
+              <a:rPr lang="de-DE" dirty="0"/>
+              <a:t>").</a:t>
+            </a:r>
+            <a:r>
+              <a:rPr lang="de-DE" dirty="0" err="1"/>
+              <a:t>click</a:t>
+            </a:r>
+            <a:r>
+              <a:rPr lang="de-DE" dirty="0"/>
+              <a:t>(</a:t>
+            </a:r>
+            <a:r>
+              <a:rPr lang="de-DE" dirty="0" err="1"/>
+              <a:t>function</a:t>
+            </a:r>
+            <a:r>
+              <a:rPr lang="de-DE" dirty="0"/>
+              <a:t>(){</a:t>
+            </a:r>
+          </a:p>
+          <a:p>
+            <a:pPr marL="0" indent="0">
+              <a:buNone/>
+            </a:pPr>
+            <a:r>
+              <a:rPr lang="de-DE" dirty="0"/>
+              <a:t>			</a:t>
+            </a:r>
+            <a:r>
+              <a:rPr lang="de-DE" dirty="0" err="1"/>
+              <a:t>that</a:t>
+            </a:r>
+            <a:r>
+              <a:rPr lang="de-DE" dirty="0"/>
+              <a:t>._</a:t>
+            </a:r>
+            <a:r>
+              <a:rPr lang="de-DE" dirty="0" err="1"/>
+              <a:t>trigger</a:t>
+            </a:r>
+            <a:r>
+              <a:rPr lang="de-DE" dirty="0"/>
+              <a:t>("</a:t>
+            </a:r>
+            <a:r>
+              <a:rPr lang="de-DE" dirty="0" err="1"/>
+              <a:t>onRightArrowClicked</a:t>
+            </a:r>
+            <a:r>
+              <a:rPr lang="de-DE" dirty="0"/>
+              <a:t>");</a:t>
+            </a:r>
+          </a:p>
+          <a:p>
+            <a:pPr marL="0" indent="0">
+              <a:buNone/>
+            </a:pPr>
+            <a:r>
+              <a:rPr lang="de-DE" dirty="0"/>
+              <a:t>			</a:t>
+            </a:r>
+            <a:r>
+              <a:rPr lang="de-DE" dirty="0" err="1"/>
+              <a:t>return</a:t>
+            </a:r>
+            <a:r>
+              <a:rPr lang="de-DE" dirty="0"/>
+              <a:t> </a:t>
+            </a:r>
+            <a:r>
+              <a:rPr lang="de-DE" dirty="0" err="1"/>
+              <a:t>false</a:t>
+            </a:r>
+            <a:r>
+              <a:rPr lang="de-DE" dirty="0"/>
+              <a:t>;</a:t>
+            </a:r>
+          </a:p>
+          <a:p>
+            <a:pPr marL="0" indent="0">
+              <a:buNone/>
+            </a:pPr>
+            <a:r>
+              <a:rPr lang="de-DE" dirty="0"/>
+              <a:t>		});</a:t>
+            </a:r>
+          </a:p>
+          <a:p>
+            <a:pPr marL="0" indent="0">
+              <a:buNone/>
+            </a:pPr>
+            <a:r>
+              <a:rPr lang="de-DE" dirty="0"/>
+              <a:t>	}</a:t>
+            </a:r>
+          </a:p>
+          <a:p>
+            <a:pPr marL="0" indent="0">
+              <a:buNone/>
+            </a:pPr>
+            <a:r>
+              <a:rPr lang="de-DE" dirty="0"/>
+              <a:t>	</a:t>
+            </a:r>
+          </a:p>
+          <a:p>
+            <a:pPr marL="0" indent="0">
+              <a:buNone/>
+            </a:pPr>
+            <a:r>
+              <a:rPr lang="de-DE" dirty="0"/>
+              <a:t>});</a:t>
+            </a:r>
+          </a:p>
+        </p:txBody>
+      </p:sp>
+    </p:spTree>
+    <p:extLst>
+      <p:ext uri="{BB962C8B-B14F-4D97-AF65-F5344CB8AC3E}">
+        <p14:creationId xmlns:p14="http://schemas.microsoft.com/office/powerpoint/2010/main" val="3677994950"/>
+      </p:ext>
+    </p:extLst>
+  </p:cSld>
+  <p:clrMapOvr>
+    <a:masterClrMapping/>
+  </p:clrMapOvr>
+  <p:timing>
+    <p:tnLst>
+      <p:par>
+        <p:cTn id="1" dur="indefinite" restart="never" nodeType="tmRoot"/>
+      </p:par>
+    </p:tnLst>
+  </p:timing>
+</p:sld>
+</file>
+
+<file path=ppt/slides/slide17.xml><?xml version="1.0" encoding="utf-8"?>
+<p:sld xmlns:a="http://schemas.openxmlformats.org/drawingml/2006/main" xmlns:r="http://schemas.openxmlformats.org/officeDocument/2006/relationships" xmlns:p="http://schemas.openxmlformats.org/presentationml/2006/main">
+  <p:cSld>
+    <p:spTree>
+      <p:nvGrpSpPr>
+        <p:cNvPr id="1" name=""/>
+        <p:cNvGrpSpPr/>
+        <p:nvPr/>
+      </p:nvGrpSpPr>
+      <p:grpSpPr>
+        <a:xfrm>
+          <a:off x="0" y="0"/>
+          <a:ext cx="0" cy="0"/>
+          <a:chOff x="0" y="0"/>
+          <a:chExt cx="0" cy="0"/>
+        </a:xfrm>
+      </p:grpSpPr>
+      <p:sp>
+        <p:nvSpPr>
+          <p:cNvPr id="2" name="Titel 1"/>
+          <p:cNvSpPr>
+            <a:spLocks noGrp="1"/>
+          </p:cNvSpPr>
+          <p:nvPr>
+            <p:ph type="title"/>
+          </p:nvPr>
+        </p:nvSpPr>
+        <p:spPr/>
+        <p:txBody>
+          <a:bodyPr/>
+          <a:lstStyle/>
+          <a:p>
+            <a:r>
+              <a:rPr lang="de-DE" dirty="0" smtClean="0"/>
+              <a:t>Webclient - </a:t>
+            </a:r>
+            <a:r>
+              <a:rPr lang="de-DE" dirty="0" err="1" smtClean="0"/>
+              <a:t>Paging</a:t>
+            </a:r>
+            <a:endParaRPr lang="de-DE" dirty="0"/>
+          </a:p>
+        </p:txBody>
+      </p:sp>
+      <p:sp>
+        <p:nvSpPr>
+          <p:cNvPr id="3" name="Inhaltsplatzhalter 2"/>
+          <p:cNvSpPr>
+            <a:spLocks noGrp="1"/>
+          </p:cNvSpPr>
+          <p:nvPr>
+            <p:ph idx="1"/>
+          </p:nvPr>
+        </p:nvSpPr>
+        <p:spPr>
+          <a:xfrm>
+            <a:off x="467544" y="1268760"/>
+            <a:ext cx="8229600" cy="4525963"/>
+          </a:xfrm>
+        </p:spPr>
+        <p:txBody>
+          <a:bodyPr>
+            <a:normAutofit fontScale="25000" lnSpcReduction="20000"/>
+          </a:bodyPr>
+          <a:lstStyle/>
+          <a:p>
+            <a:pPr marL="0" indent="0">
+              <a:buNone/>
+            </a:pPr>
+            <a:endParaRPr lang="de-DE" dirty="0" smtClean="0"/>
+          </a:p>
+          <a:p>
+            <a:pPr marL="0" indent="0">
+              <a:buNone/>
+            </a:pPr>
+            <a:r>
+              <a:rPr lang="de-DE" sz="9600" b="1" dirty="0" smtClean="0"/>
+              <a:t>Instanziierung und Trigger</a:t>
+            </a:r>
+            <a:endParaRPr lang="de-DE" dirty="0" smtClean="0"/>
+          </a:p>
+          <a:p>
+            <a:pPr marL="0" indent="0">
+              <a:buNone/>
+            </a:pPr>
+            <a:endParaRPr lang="de-DE" sz="4000" dirty="0" smtClean="0"/>
+          </a:p>
+          <a:p>
+            <a:pPr marL="0" indent="0">
+              <a:buNone/>
+            </a:pPr>
+            <a:r>
+              <a:rPr lang="de-DE" sz="4400" dirty="0" smtClean="0"/>
+              <a:t>$("#</a:t>
+            </a:r>
+            <a:r>
+              <a:rPr lang="de-DE" sz="4400" dirty="0" err="1"/>
+              <a:t>list_limit</a:t>
+            </a:r>
+            <a:r>
+              <a:rPr lang="de-DE" sz="4400" dirty="0"/>
+              <a:t>").</a:t>
+            </a:r>
+            <a:r>
+              <a:rPr lang="de-DE" sz="4400" dirty="0" err="1"/>
+              <a:t>listLimit</a:t>
+            </a:r>
+            <a:r>
+              <a:rPr lang="de-DE" sz="4400" dirty="0"/>
+              <a:t>({</a:t>
+            </a:r>
+          </a:p>
+          <a:p>
+            <a:pPr marL="0" indent="0">
+              <a:buNone/>
+            </a:pPr>
+            <a:r>
+              <a:rPr lang="de-DE" sz="4400" dirty="0"/>
+              <a:t>		</a:t>
+            </a:r>
+            <a:r>
+              <a:rPr lang="de-DE" sz="4400" dirty="0" err="1"/>
+              <a:t>onTenClicked</a:t>
+            </a:r>
+            <a:r>
+              <a:rPr lang="de-DE" sz="4400" dirty="0"/>
+              <a:t>: </a:t>
+            </a:r>
+            <a:r>
+              <a:rPr lang="de-DE" sz="4400" dirty="0" err="1"/>
+              <a:t>function</a:t>
+            </a:r>
+            <a:r>
+              <a:rPr lang="de-DE" sz="4400" dirty="0"/>
+              <a:t>(){</a:t>
+            </a:r>
+          </a:p>
+          <a:p>
+            <a:pPr marL="0" indent="0">
+              <a:buNone/>
+            </a:pPr>
+            <a:r>
+              <a:rPr lang="de-DE" sz="4400" dirty="0"/>
+              <a:t>			</a:t>
+            </a:r>
+            <a:r>
+              <a:rPr lang="de-DE" sz="4400" dirty="0" err="1"/>
+              <a:t>limit</a:t>
+            </a:r>
+            <a:r>
+              <a:rPr lang="de-DE" sz="4400" dirty="0"/>
+              <a:t> = 10;</a:t>
+            </a:r>
+          </a:p>
+          <a:p>
+            <a:pPr marL="0" indent="0">
+              <a:buNone/>
+            </a:pPr>
+            <a:r>
+              <a:rPr lang="de-DE" sz="4400" dirty="0"/>
+              <a:t>			$("#</a:t>
+            </a:r>
+            <a:r>
+              <a:rPr lang="de-DE" sz="4400" dirty="0" err="1"/>
+              <a:t>track_list</a:t>
+            </a:r>
+            <a:r>
+              <a:rPr lang="de-DE" sz="4400" dirty="0"/>
+              <a:t>").</a:t>
+            </a:r>
+            <a:r>
+              <a:rPr lang="de-DE" sz="4400" dirty="0" err="1"/>
+              <a:t>trackList</a:t>
+            </a:r>
+            <a:r>
+              <a:rPr lang="de-DE" sz="4400" dirty="0"/>
+              <a:t>("</a:t>
+            </a:r>
+            <a:r>
+              <a:rPr lang="de-DE" sz="4400" dirty="0" err="1"/>
+              <a:t>reload</a:t>
+            </a:r>
+            <a:r>
+              <a:rPr lang="de-DE" sz="4400" dirty="0"/>
+              <a:t>", </a:t>
+            </a:r>
+            <a:r>
+              <a:rPr lang="de-DE" sz="4400" dirty="0" err="1"/>
+              <a:t>limit</a:t>
+            </a:r>
+            <a:r>
+              <a:rPr lang="de-DE" sz="4400" dirty="0"/>
+              <a:t>);</a:t>
+            </a:r>
+          </a:p>
+          <a:p>
+            <a:pPr marL="0" indent="0">
+              <a:buNone/>
+            </a:pPr>
+            <a:r>
+              <a:rPr lang="de-DE" sz="4400" dirty="0"/>
+              <a:t>		},</a:t>
+            </a:r>
+          </a:p>
+          <a:p>
+            <a:pPr marL="0" indent="0">
+              <a:buNone/>
+            </a:pPr>
+            <a:r>
+              <a:rPr lang="de-DE" sz="4400" dirty="0"/>
+              <a:t>		</a:t>
+            </a:r>
+            <a:r>
+              <a:rPr lang="de-DE" sz="4400" dirty="0" err="1"/>
+              <a:t>onTwentyClicked</a:t>
+            </a:r>
+            <a:r>
+              <a:rPr lang="de-DE" sz="4400" dirty="0"/>
+              <a:t>: </a:t>
+            </a:r>
+            <a:r>
+              <a:rPr lang="de-DE" sz="4400" dirty="0" err="1"/>
+              <a:t>function</a:t>
+            </a:r>
+            <a:r>
+              <a:rPr lang="de-DE" sz="4400" dirty="0"/>
+              <a:t>(){</a:t>
+            </a:r>
+          </a:p>
+          <a:p>
+            <a:pPr marL="0" indent="0">
+              <a:buNone/>
+            </a:pPr>
+            <a:r>
+              <a:rPr lang="de-DE" sz="4400" dirty="0"/>
+              <a:t>			</a:t>
+            </a:r>
+            <a:r>
+              <a:rPr lang="de-DE" sz="4400" dirty="0" err="1"/>
+              <a:t>limit</a:t>
+            </a:r>
+            <a:r>
+              <a:rPr lang="de-DE" sz="4400" dirty="0"/>
+              <a:t> = 20;</a:t>
+            </a:r>
+          </a:p>
+          <a:p>
+            <a:pPr marL="0" indent="0">
+              <a:buNone/>
+            </a:pPr>
+            <a:r>
+              <a:rPr lang="de-DE" sz="4400" dirty="0"/>
+              <a:t>			$("#</a:t>
+            </a:r>
+            <a:r>
+              <a:rPr lang="de-DE" sz="4400" dirty="0" err="1"/>
+              <a:t>track_list</a:t>
+            </a:r>
+            <a:r>
+              <a:rPr lang="de-DE" sz="4400" dirty="0"/>
+              <a:t>").</a:t>
+            </a:r>
+            <a:r>
+              <a:rPr lang="de-DE" sz="4400" dirty="0" err="1"/>
+              <a:t>trackList</a:t>
+            </a:r>
+            <a:r>
+              <a:rPr lang="de-DE" sz="4400" dirty="0"/>
+              <a:t>("</a:t>
+            </a:r>
+            <a:r>
+              <a:rPr lang="de-DE" sz="4400" dirty="0" err="1"/>
+              <a:t>reload</a:t>
+            </a:r>
+            <a:r>
+              <a:rPr lang="de-DE" sz="4400" dirty="0"/>
+              <a:t>", </a:t>
+            </a:r>
+            <a:r>
+              <a:rPr lang="de-DE" sz="4400" dirty="0" err="1"/>
+              <a:t>limit</a:t>
+            </a:r>
+            <a:r>
+              <a:rPr lang="de-DE" sz="4400" dirty="0"/>
+              <a:t>);</a:t>
+            </a:r>
+          </a:p>
+          <a:p>
+            <a:pPr marL="0" indent="0">
+              <a:buNone/>
+            </a:pPr>
+            <a:r>
+              <a:rPr lang="de-DE" sz="4400" dirty="0"/>
+              <a:t>		},</a:t>
+            </a:r>
+          </a:p>
+          <a:p>
+            <a:pPr marL="0" indent="0">
+              <a:buNone/>
+            </a:pPr>
+            <a:r>
+              <a:rPr lang="de-DE" sz="4400" dirty="0"/>
+              <a:t>		</a:t>
+            </a:r>
+            <a:r>
+              <a:rPr lang="de-DE" sz="4400" dirty="0" err="1"/>
+              <a:t>onThirtyClicked</a:t>
+            </a:r>
+            <a:r>
+              <a:rPr lang="de-DE" sz="4400" dirty="0"/>
+              <a:t>: </a:t>
+            </a:r>
+            <a:r>
+              <a:rPr lang="de-DE" sz="4400" dirty="0" err="1"/>
+              <a:t>function</a:t>
+            </a:r>
+            <a:r>
+              <a:rPr lang="de-DE" sz="4400" dirty="0"/>
+              <a:t>(){</a:t>
+            </a:r>
+          </a:p>
+          <a:p>
+            <a:pPr marL="0" indent="0">
+              <a:buNone/>
+            </a:pPr>
+            <a:r>
+              <a:rPr lang="de-DE" sz="4400" dirty="0"/>
+              <a:t>			</a:t>
+            </a:r>
+            <a:r>
+              <a:rPr lang="de-DE" sz="4400" dirty="0" err="1"/>
+              <a:t>limit</a:t>
+            </a:r>
+            <a:r>
+              <a:rPr lang="de-DE" sz="4400" dirty="0"/>
+              <a:t> = 30;</a:t>
+            </a:r>
+          </a:p>
+          <a:p>
+            <a:pPr marL="0" indent="0">
+              <a:buNone/>
+            </a:pPr>
+            <a:r>
+              <a:rPr lang="de-DE" sz="4400" dirty="0"/>
+              <a:t>			$("#</a:t>
+            </a:r>
+            <a:r>
+              <a:rPr lang="de-DE" sz="4400" dirty="0" err="1"/>
+              <a:t>track_list</a:t>
+            </a:r>
+            <a:r>
+              <a:rPr lang="de-DE" sz="4400" dirty="0"/>
+              <a:t>").</a:t>
+            </a:r>
+            <a:r>
+              <a:rPr lang="de-DE" sz="4400" dirty="0" err="1"/>
+              <a:t>trackList</a:t>
+            </a:r>
+            <a:r>
+              <a:rPr lang="de-DE" sz="4400" dirty="0"/>
+              <a:t>("</a:t>
+            </a:r>
+            <a:r>
+              <a:rPr lang="de-DE" sz="4400" dirty="0" err="1"/>
+              <a:t>reload</a:t>
+            </a:r>
+            <a:r>
+              <a:rPr lang="de-DE" sz="4400" dirty="0"/>
+              <a:t>", </a:t>
+            </a:r>
+            <a:r>
+              <a:rPr lang="de-DE" sz="4400" dirty="0" err="1"/>
+              <a:t>limit</a:t>
+            </a:r>
+            <a:r>
+              <a:rPr lang="de-DE" sz="4400" dirty="0"/>
+              <a:t>);</a:t>
+            </a:r>
+          </a:p>
+          <a:p>
+            <a:pPr marL="0" indent="0">
+              <a:buNone/>
+            </a:pPr>
+            <a:r>
+              <a:rPr lang="de-DE" sz="4400" dirty="0"/>
+              <a:t>		},</a:t>
+            </a:r>
+          </a:p>
+          <a:p>
+            <a:pPr marL="0" indent="0">
+              <a:buNone/>
+            </a:pPr>
+            <a:r>
+              <a:rPr lang="de-DE" sz="4400" dirty="0"/>
+              <a:t>		</a:t>
+            </a:r>
+            <a:r>
+              <a:rPr lang="de-DE" sz="4400" dirty="0" err="1"/>
+              <a:t>onFiftyClicked</a:t>
+            </a:r>
+            <a:r>
+              <a:rPr lang="de-DE" sz="4400" dirty="0"/>
+              <a:t>: </a:t>
+            </a:r>
+            <a:r>
+              <a:rPr lang="de-DE" sz="4400" dirty="0" err="1"/>
+              <a:t>function</a:t>
+            </a:r>
+            <a:r>
+              <a:rPr lang="de-DE" sz="4400" dirty="0"/>
+              <a:t>(){</a:t>
+            </a:r>
+          </a:p>
+          <a:p>
+            <a:pPr marL="0" indent="0">
+              <a:buNone/>
+            </a:pPr>
+            <a:r>
+              <a:rPr lang="de-DE" sz="4400" dirty="0"/>
+              <a:t>			</a:t>
+            </a:r>
+            <a:r>
+              <a:rPr lang="de-DE" sz="4400" dirty="0" err="1"/>
+              <a:t>limit</a:t>
+            </a:r>
+            <a:r>
+              <a:rPr lang="de-DE" sz="4400" dirty="0"/>
+              <a:t> = 50;</a:t>
+            </a:r>
+          </a:p>
+          <a:p>
+            <a:pPr marL="0" indent="0">
+              <a:buNone/>
+            </a:pPr>
+            <a:r>
+              <a:rPr lang="de-DE" sz="4400" dirty="0"/>
+              <a:t>			$("#</a:t>
+            </a:r>
+            <a:r>
+              <a:rPr lang="de-DE" sz="4400" dirty="0" err="1"/>
+              <a:t>track_list</a:t>
+            </a:r>
+            <a:r>
+              <a:rPr lang="de-DE" sz="4400" dirty="0"/>
+              <a:t>").</a:t>
+            </a:r>
+            <a:r>
+              <a:rPr lang="de-DE" sz="4400" dirty="0" err="1"/>
+              <a:t>trackList</a:t>
+            </a:r>
+            <a:r>
+              <a:rPr lang="de-DE" sz="4400" dirty="0"/>
+              <a:t>("</a:t>
+            </a:r>
+            <a:r>
+              <a:rPr lang="de-DE" sz="4400" dirty="0" err="1"/>
+              <a:t>reload</a:t>
+            </a:r>
+            <a:r>
+              <a:rPr lang="de-DE" sz="4400" dirty="0"/>
+              <a:t>", </a:t>
+            </a:r>
+            <a:r>
+              <a:rPr lang="de-DE" sz="4400" dirty="0" err="1"/>
+              <a:t>limit</a:t>
+            </a:r>
+            <a:r>
+              <a:rPr lang="de-DE" sz="4400" dirty="0"/>
+              <a:t>);</a:t>
+            </a:r>
+          </a:p>
+          <a:p>
+            <a:pPr marL="0" indent="0">
+              <a:buNone/>
+            </a:pPr>
+            <a:r>
+              <a:rPr lang="de-DE" sz="4400" dirty="0"/>
+              <a:t>		},</a:t>
+            </a:r>
+          </a:p>
+          <a:p>
+            <a:pPr marL="0" indent="0">
+              <a:buNone/>
+            </a:pPr>
+            <a:r>
+              <a:rPr lang="de-DE" sz="4400" dirty="0"/>
+              <a:t>		</a:t>
+            </a:r>
+            <a:r>
+              <a:rPr lang="de-DE" sz="4400" dirty="0" err="1"/>
+              <a:t>onHundredClicked</a:t>
+            </a:r>
+            <a:r>
+              <a:rPr lang="de-DE" sz="4400" dirty="0"/>
+              <a:t>: </a:t>
+            </a:r>
+            <a:r>
+              <a:rPr lang="de-DE" sz="4400" dirty="0" err="1"/>
+              <a:t>function</a:t>
+            </a:r>
+            <a:r>
+              <a:rPr lang="de-DE" sz="4400" dirty="0"/>
+              <a:t>(){</a:t>
+            </a:r>
+          </a:p>
+          <a:p>
+            <a:pPr marL="0" indent="0">
+              <a:buNone/>
+            </a:pPr>
+            <a:r>
+              <a:rPr lang="de-DE" sz="4400" dirty="0"/>
+              <a:t>			</a:t>
+            </a:r>
+            <a:r>
+              <a:rPr lang="de-DE" sz="4400" dirty="0" err="1"/>
+              <a:t>limit</a:t>
+            </a:r>
+            <a:r>
+              <a:rPr lang="de-DE" sz="4400" dirty="0"/>
+              <a:t> = 100;</a:t>
+            </a:r>
+          </a:p>
+          <a:p>
+            <a:pPr marL="0" indent="0">
+              <a:buNone/>
+            </a:pPr>
+            <a:r>
+              <a:rPr lang="de-DE" sz="4400" dirty="0"/>
+              <a:t>			$("#</a:t>
+            </a:r>
+            <a:r>
+              <a:rPr lang="de-DE" sz="4400" dirty="0" err="1"/>
+              <a:t>track_list</a:t>
+            </a:r>
+            <a:r>
+              <a:rPr lang="de-DE" sz="4400" dirty="0"/>
+              <a:t>").</a:t>
+            </a:r>
+            <a:r>
+              <a:rPr lang="de-DE" sz="4400" dirty="0" err="1"/>
+              <a:t>trackList</a:t>
+            </a:r>
+            <a:r>
+              <a:rPr lang="de-DE" sz="4400" dirty="0"/>
+              <a:t>("</a:t>
+            </a:r>
+            <a:r>
+              <a:rPr lang="de-DE" sz="4400" dirty="0" err="1"/>
+              <a:t>reload</a:t>
+            </a:r>
+            <a:r>
+              <a:rPr lang="de-DE" sz="4400" dirty="0"/>
+              <a:t>", </a:t>
+            </a:r>
+            <a:r>
+              <a:rPr lang="de-DE" sz="4400" dirty="0" err="1"/>
+              <a:t>limit</a:t>
+            </a:r>
+            <a:r>
+              <a:rPr lang="de-DE" sz="4400" dirty="0"/>
+              <a:t>);</a:t>
+            </a:r>
+          </a:p>
+          <a:p>
+            <a:pPr marL="0" indent="0">
+              <a:buNone/>
+            </a:pPr>
+            <a:r>
+              <a:rPr lang="de-DE" sz="4400" dirty="0"/>
+              <a:t>		},</a:t>
+            </a:r>
+          </a:p>
+          <a:p>
+            <a:pPr marL="0" indent="0">
+              <a:buNone/>
+            </a:pPr>
+            <a:r>
+              <a:rPr lang="de-DE" sz="4400" dirty="0"/>
+              <a:t>		</a:t>
+            </a:r>
+            <a:r>
+              <a:rPr lang="de-DE" sz="4400" dirty="0" err="1"/>
+              <a:t>onLeftArrowClicked</a:t>
+            </a:r>
+            <a:r>
+              <a:rPr lang="de-DE" sz="4400" dirty="0"/>
+              <a:t>: </a:t>
+            </a:r>
+            <a:r>
+              <a:rPr lang="de-DE" sz="4400" dirty="0" err="1"/>
+              <a:t>function</a:t>
+            </a:r>
+            <a:r>
+              <a:rPr lang="de-DE" sz="4400" dirty="0"/>
+              <a:t>(){</a:t>
+            </a:r>
+          </a:p>
+          <a:p>
+            <a:pPr marL="0" indent="0">
+              <a:buNone/>
+            </a:pPr>
+            <a:r>
+              <a:rPr lang="de-DE" sz="4400" dirty="0"/>
+              <a:t>			$("#</a:t>
+            </a:r>
+            <a:r>
+              <a:rPr lang="de-DE" sz="4400" dirty="0" err="1"/>
+              <a:t>track_list</a:t>
+            </a:r>
+            <a:r>
+              <a:rPr lang="de-DE" sz="4400" dirty="0"/>
+              <a:t>").</a:t>
+            </a:r>
+            <a:r>
+              <a:rPr lang="de-DE" sz="4400" dirty="0" err="1"/>
+              <a:t>trackList</a:t>
+            </a:r>
+            <a:r>
+              <a:rPr lang="de-DE" sz="4400" dirty="0"/>
+              <a:t>("</a:t>
+            </a:r>
+            <a:r>
+              <a:rPr lang="de-DE" sz="4400" dirty="0" err="1"/>
+              <a:t>backwards</a:t>
+            </a:r>
+            <a:r>
+              <a:rPr lang="de-DE" sz="4400" dirty="0"/>
+              <a:t>");</a:t>
+            </a:r>
+          </a:p>
+          <a:p>
+            <a:pPr marL="0" indent="0">
+              <a:buNone/>
+            </a:pPr>
+            <a:r>
+              <a:rPr lang="de-DE" sz="4400" dirty="0"/>
+              <a:t>		},</a:t>
+            </a:r>
+          </a:p>
+          <a:p>
+            <a:pPr marL="0" indent="0">
+              <a:buNone/>
+            </a:pPr>
+            <a:r>
+              <a:rPr lang="de-DE" sz="4400" dirty="0"/>
+              <a:t>		</a:t>
+            </a:r>
+            <a:r>
+              <a:rPr lang="de-DE" sz="4400" dirty="0" err="1"/>
+              <a:t>onRightArrowClicked</a:t>
+            </a:r>
+            <a:r>
+              <a:rPr lang="de-DE" sz="4400" dirty="0"/>
+              <a:t>: </a:t>
+            </a:r>
+            <a:r>
+              <a:rPr lang="de-DE" sz="4400" dirty="0" err="1"/>
+              <a:t>function</a:t>
+            </a:r>
+            <a:r>
+              <a:rPr lang="de-DE" sz="4400" dirty="0"/>
+              <a:t>(){</a:t>
+            </a:r>
+          </a:p>
+          <a:p>
+            <a:pPr marL="0" indent="0">
+              <a:buNone/>
+            </a:pPr>
+            <a:r>
+              <a:rPr lang="de-DE" sz="4400" dirty="0"/>
+              <a:t>			$("#</a:t>
+            </a:r>
+            <a:r>
+              <a:rPr lang="de-DE" sz="4400" dirty="0" err="1"/>
+              <a:t>track_list</a:t>
+            </a:r>
+            <a:r>
+              <a:rPr lang="de-DE" sz="4400" dirty="0"/>
+              <a:t>").</a:t>
+            </a:r>
+            <a:r>
+              <a:rPr lang="de-DE" sz="4400" dirty="0" err="1"/>
+              <a:t>trackList</a:t>
+            </a:r>
+            <a:r>
+              <a:rPr lang="de-DE" sz="4400" dirty="0"/>
+              <a:t>("</a:t>
+            </a:r>
+            <a:r>
+              <a:rPr lang="de-DE" sz="4400" dirty="0" err="1"/>
+              <a:t>forward</a:t>
+            </a:r>
+            <a:r>
+              <a:rPr lang="de-DE" sz="4400" dirty="0"/>
+              <a:t>");</a:t>
+            </a:r>
+          </a:p>
+          <a:p>
+            <a:pPr marL="0" indent="0">
+              <a:buNone/>
+            </a:pPr>
+            <a:r>
+              <a:rPr lang="de-DE" sz="4400" dirty="0"/>
+              <a:t>		}</a:t>
+            </a:r>
+          </a:p>
+          <a:p>
+            <a:pPr marL="0" indent="0">
+              <a:buNone/>
+            </a:pPr>
+            <a:r>
+              <a:rPr lang="de-DE" sz="4400" dirty="0"/>
+              <a:t>		</a:t>
+            </a:r>
+          </a:p>
+          <a:p>
+            <a:pPr marL="0" indent="0">
+              <a:buNone/>
+            </a:pPr>
+            <a:r>
+              <a:rPr lang="de-DE" sz="4400" dirty="0"/>
+              <a:t>	});</a:t>
+            </a:r>
+          </a:p>
+        </p:txBody>
+      </p:sp>
+    </p:spTree>
+    <p:extLst>
+      <p:ext uri="{BB962C8B-B14F-4D97-AF65-F5344CB8AC3E}">
+        <p14:creationId xmlns:p14="http://schemas.microsoft.com/office/powerpoint/2010/main" val="3271428354"/>
+      </p:ext>
+    </p:extLst>
+  </p:cSld>
+  <p:clrMapOvr>
+    <a:masterClrMapping/>
+  </p:clrMapOvr>
+  <p:timing>
+    <p:tnLst>
+      <p:par>
+        <p:cTn id="1" dur="indefinite" restart="never" nodeType="tmRoot"/>
+      </p:par>
+    </p:tnLst>
+  </p:timing>
+</p:sld>
+</file>
+
+<file path=ppt/slides/slide18.xml><?xml version="1.0" encoding="utf-8"?>
 <p:sld xmlns:a="http://schemas.openxmlformats.org/drawingml/2006/main" xmlns:r="http://schemas.openxmlformats.org/officeDocument/2006/relationships" xmlns:p="http://schemas.openxmlformats.org/presentationml/2006/main">
   <p:cSld>
     <p:spTree>
@@ -5710,10 +7480,17 @@
   <p:clrMapOvr>
     <a:masterClrMapping/>
   </p:clrMapOvr>
+  <p:timing>
+    <p:tnLst>
+      <p:par>
+        <p:cTn id="1" dur="indefinite" restart="never" nodeType="tmRoot"/>
+      </p:par>
+    </p:tnLst>
+  </p:timing>
 </p:sld>
 </file>
 
-<file path=ppt/slides/slide15.xml><?xml version="1.0" encoding="utf-8"?>
+<file path=ppt/slides/slide19.xml><?xml version="1.0" encoding="utf-8"?>
 <p:sld xmlns:a="http://schemas.openxmlformats.org/drawingml/2006/main" xmlns:r="http://schemas.openxmlformats.org/officeDocument/2006/relationships" xmlns:p="http://schemas.openxmlformats.org/presentationml/2006/main">
   <p:cSld>
     <p:spTree>
@@ -5747,11 +7524,7 @@
           <a:p>
             <a:r>
               <a:rPr lang="de-DE" dirty="0" smtClean="0"/>
-              <a:t>Mobile </a:t>
-            </a:r>
-            <a:r>
-              <a:rPr lang="de-DE" dirty="0" smtClean="0"/>
-              <a:t>Client - Listenansicht</a:t>
+              <a:t>Mobile Client - Listenansicht</a:t>
             </a:r>
             <a:endParaRPr lang="en-GB" dirty="0"/>
           </a:p>
@@ -5818,7 +7591,128 @@
 </p:sld>
 </file>
 
-<file path=ppt/slides/slide16.xml><?xml version="1.0" encoding="utf-8"?>
+<file path=ppt/slides/slide2.xml><?xml version="1.0" encoding="utf-8"?>
+<p:sld xmlns:a="http://schemas.openxmlformats.org/drawingml/2006/main" xmlns:r="http://schemas.openxmlformats.org/officeDocument/2006/relationships" xmlns:p="http://schemas.openxmlformats.org/presentationml/2006/main">
+  <p:cSld>
+    <p:spTree>
+      <p:nvGrpSpPr>
+        <p:cNvPr id="1" name=""/>
+        <p:cNvGrpSpPr/>
+        <p:nvPr/>
+      </p:nvGrpSpPr>
+      <p:grpSpPr>
+        <a:xfrm>
+          <a:off x="0" y="0"/>
+          <a:ext cx="0" cy="0"/>
+          <a:chOff x="0" y="0"/>
+          <a:chExt cx="0" cy="0"/>
+        </a:xfrm>
+      </p:grpSpPr>
+      <p:sp>
+        <p:nvSpPr>
+          <p:cNvPr id="2" name="Titel 1"/>
+          <p:cNvSpPr>
+            <a:spLocks noGrp="1"/>
+          </p:cNvSpPr>
+          <p:nvPr>
+            <p:ph type="title"/>
+          </p:nvPr>
+        </p:nvSpPr>
+        <p:spPr/>
+        <p:txBody>
+          <a:bodyPr/>
+          <a:lstStyle/>
+          <a:p>
+            <a:r>
+              <a:rPr lang="de-DE" dirty="0" smtClean="0"/>
+              <a:t>Inhalt</a:t>
+            </a:r>
+            <a:endParaRPr lang="en-GB" dirty="0"/>
+          </a:p>
+        </p:txBody>
+      </p:sp>
+      <p:sp>
+        <p:nvSpPr>
+          <p:cNvPr id="3" name="Inhaltsplatzhalter 2"/>
+          <p:cNvSpPr>
+            <a:spLocks noGrp="1"/>
+          </p:cNvSpPr>
+          <p:nvPr>
+            <p:ph idx="1"/>
+          </p:nvPr>
+        </p:nvSpPr>
+        <p:spPr/>
+        <p:txBody>
+          <a:bodyPr/>
+          <a:lstStyle/>
+          <a:p>
+            <a:r>
+              <a:rPr lang="de-DE" dirty="0" smtClean="0"/>
+              <a:t>Einleitung (Aufgabenstellung)</a:t>
+            </a:r>
+          </a:p>
+          <a:p>
+            <a:r>
+              <a:rPr lang="de-DE" dirty="0" smtClean="0"/>
+              <a:t>Herangehensweise</a:t>
+            </a:r>
+          </a:p>
+          <a:p>
+            <a:r>
+              <a:rPr lang="de-DE" dirty="0" smtClean="0"/>
+              <a:t>Datenbank</a:t>
+            </a:r>
+          </a:p>
+          <a:p>
+            <a:r>
+              <a:rPr lang="de-DE" dirty="0" smtClean="0"/>
+              <a:t>Layout</a:t>
+            </a:r>
+          </a:p>
+          <a:p>
+            <a:r>
+              <a:rPr lang="de-DE" dirty="0" smtClean="0"/>
+              <a:t>Webservice</a:t>
+            </a:r>
+          </a:p>
+          <a:p>
+            <a:r>
+              <a:rPr lang="de-DE" dirty="0" smtClean="0"/>
+              <a:t>Webclient</a:t>
+            </a:r>
+          </a:p>
+          <a:p>
+            <a:r>
+              <a:rPr lang="de-DE" dirty="0" smtClean="0"/>
+              <a:t>Mobileclient</a:t>
+            </a:r>
+          </a:p>
+          <a:p>
+            <a:endParaRPr lang="de-DE" dirty="0" smtClean="0"/>
+          </a:p>
+        </p:txBody>
+      </p:sp>
+    </p:spTree>
+    <p:extLst>
+      <p:ext uri="{BB962C8B-B14F-4D97-AF65-F5344CB8AC3E}">
+        <p14:creationId xmlns:p14="http://schemas.microsoft.com/office/powerpoint/2010/main" val="3735068564"/>
+      </p:ext>
+    </p:extLst>
+  </p:cSld>
+  <p:clrMapOvr>
+    <a:masterClrMapping/>
+  </p:clrMapOvr>
+  <p:timing>
+    <p:tnLst>
+      <p:par>
+        <p:cTn id="1" dur="indefinite" restart="never" nodeType="tmRoot"/>
+      </p:par>
+    </p:tnLst>
+  </p:timing>
+</p:sld>
+</file>
+
+<file path=ppt/slides/slide20.xml><?xml version="1.0" encoding="utf-8"?>
 <p:sld xmlns:a="http://schemas.openxmlformats.org/drawingml/2006/main" xmlns:r="http://schemas.openxmlformats.org/officeDocument/2006/relationships" xmlns:p="http://schemas.openxmlformats.org/presentationml/2006/main">
   <p:cSld>
     <p:spTree>
@@ -5919,7 +7813,7 @@
 </p:sld>
 </file>
 
-<file path=ppt/slides/slide17.xml><?xml version="1.0" encoding="utf-8"?>
+<file path=ppt/slides/slide21.xml><?xml version="1.0" encoding="utf-8"?>
 <p:sld xmlns:a="http://schemas.openxmlformats.org/drawingml/2006/main" xmlns:r="http://schemas.openxmlformats.org/officeDocument/2006/relationships" xmlns:p="http://schemas.openxmlformats.org/presentationml/2006/main">
   <p:cSld>
     <p:spTree>
@@ -5974,121 +7868,13 @@
   <p:clrMapOvr>
     <a:masterClrMapping/>
   </p:clrMapOvr>
-</p:sld>
-</file>
-
-<file path=ppt/slides/slide2.xml><?xml version="1.0" encoding="utf-8"?>
-<p:sld xmlns:a="http://schemas.openxmlformats.org/drawingml/2006/main" xmlns:r="http://schemas.openxmlformats.org/officeDocument/2006/relationships" xmlns:p="http://schemas.openxmlformats.org/presentationml/2006/main">
-  <p:cSld>
-    <p:spTree>
-      <p:nvGrpSpPr>
-        <p:cNvPr id="1" name=""/>
-        <p:cNvGrpSpPr/>
-        <p:nvPr/>
-      </p:nvGrpSpPr>
-      <p:grpSpPr>
-        <a:xfrm>
-          <a:off x="0" y="0"/>
-          <a:ext cx="0" cy="0"/>
-          <a:chOff x="0" y="0"/>
-          <a:chExt cx="0" cy="0"/>
-        </a:xfrm>
-      </p:grpSpPr>
-      <p:sp>
-        <p:nvSpPr>
-          <p:cNvPr id="2" name="Titel 1"/>
-          <p:cNvSpPr>
-            <a:spLocks noGrp="1"/>
-          </p:cNvSpPr>
-          <p:nvPr>
-            <p:ph type="title"/>
-          </p:nvPr>
-        </p:nvSpPr>
-        <p:spPr/>
-        <p:txBody>
-          <a:bodyPr/>
-          <a:lstStyle/>
-          <a:p>
-            <a:r>
-              <a:rPr lang="de-DE" dirty="0" smtClean="0"/>
-              <a:t>Inhalt</a:t>
-            </a:r>
-            <a:endParaRPr lang="en-GB" dirty="0"/>
-          </a:p>
-        </p:txBody>
-      </p:sp>
-      <p:sp>
-        <p:nvSpPr>
-          <p:cNvPr id="3" name="Inhaltsplatzhalter 2"/>
-          <p:cNvSpPr>
-            <a:spLocks noGrp="1"/>
-          </p:cNvSpPr>
-          <p:nvPr>
-            <p:ph idx="1"/>
-          </p:nvPr>
-        </p:nvSpPr>
-        <p:spPr/>
-        <p:txBody>
-          <a:bodyPr/>
-          <a:lstStyle/>
-          <a:p>
-            <a:r>
-              <a:rPr lang="de-DE" dirty="0" smtClean="0"/>
-              <a:t>Einleitung (Aufgabenstellung)</a:t>
-            </a:r>
-          </a:p>
-          <a:p>
-            <a:r>
-              <a:rPr lang="de-DE" dirty="0" smtClean="0"/>
-              <a:t>Herangehensweise</a:t>
-            </a:r>
-            <a:endParaRPr lang="de-DE" dirty="0" smtClean="0"/>
-          </a:p>
-          <a:p>
-            <a:r>
-              <a:rPr lang="de-DE" dirty="0" smtClean="0"/>
-              <a:t>Datenbank</a:t>
-            </a:r>
-          </a:p>
-          <a:p>
-            <a:r>
-              <a:rPr lang="de-DE" dirty="0" smtClean="0"/>
-              <a:t>Layout</a:t>
-            </a:r>
-          </a:p>
-          <a:p>
-            <a:r>
-              <a:rPr lang="de-DE" dirty="0" smtClean="0"/>
-              <a:t>Webservice</a:t>
-            </a:r>
-          </a:p>
-          <a:p>
-            <a:r>
-              <a:rPr lang="de-DE" dirty="0" smtClean="0"/>
-              <a:t>Webclient</a:t>
-            </a:r>
-          </a:p>
-          <a:p>
-            <a:r>
-              <a:rPr lang="de-DE" dirty="0" smtClean="0"/>
-              <a:t>Mobileclient</a:t>
-            </a:r>
-          </a:p>
-          <a:p>
-            <a:endParaRPr lang="de-DE" dirty="0" smtClean="0"/>
-          </a:p>
-        </p:txBody>
-      </p:sp>
-    </p:spTree>
-    <p:extLst>
-      <p:ext uri="{BB962C8B-B14F-4D97-AF65-F5344CB8AC3E}">
-        <p14:creationId xmlns:p14="http://schemas.microsoft.com/office/powerpoint/2010/main" val="3735068564"/>
-      </p:ext>
-    </p:extLst>
-  </p:cSld>
-  <p:clrMapOvr>
-    <a:masterClrMapping/>
-  </p:clrMapOvr>
+  <p:timing>
+    <p:tnLst>
+      <p:par>
+        <p:cTn id="1" dur="indefinite" restart="never" nodeType="tmRoot"/>
+      </p:par>
+    </p:tnLst>
+  </p:timing>
 </p:sld>
 </file>
 
@@ -6149,20 +7935,30 @@
           <a:p>
             <a:r>
               <a:rPr lang="de-DE" dirty="0" smtClean="0"/>
-              <a:t>Willkommensgruß, Vorstellung</a:t>
-            </a:r>
-          </a:p>
-          <a:p>
+              <a:t>Aufgabenstellung</a:t>
+            </a:r>
             <a:r>
               <a:rPr lang="de-DE" dirty="0" smtClean="0"/>
-              <a:t>Aufgabenstellung:</a:t>
+              <a:t>:</a:t>
             </a:r>
           </a:p>
           <a:p>
             <a:pPr lvl="1"/>
             <a:r>
               <a:rPr lang="de-DE" dirty="0" smtClean="0"/>
-              <a:t>Erstellen einer Single Page Webanwendung sowie einer </a:t>
+              <a:t>Erstellen einer Single Page Webanwendung </a:t>
+            </a:r>
+            <a:endParaRPr lang="de-DE" dirty="0" smtClean="0"/>
+          </a:p>
+          <a:p>
+            <a:pPr lvl="1"/>
+            <a:r>
+              <a:rPr lang="de-DE" dirty="0" smtClean="0"/>
+              <a:t>sowie </a:t>
+            </a:r>
+            <a:r>
+              <a:rPr lang="de-DE" dirty="0" smtClean="0"/>
+              <a:t>einer </a:t>
             </a:r>
             <a:r>
               <a:rPr lang="de-DE" dirty="0"/>
@@ -6170,16 +7966,26 @@
             </a:r>
             <a:r>
               <a:rPr lang="de-DE" dirty="0" smtClean="0"/>
-              <a:t>obilen Version</a:t>
+              <a:t>obilen </a:t>
+            </a:r>
+            <a:r>
+              <a:rPr lang="de-DE" dirty="0" smtClean="0"/>
+              <a:t>Version</a:t>
+            </a:r>
+          </a:p>
+          <a:p>
+            <a:r>
+              <a:rPr lang="de-DE" dirty="0" smtClean="0"/>
+              <a:t>Domäne:</a:t>
             </a:r>
           </a:p>
           <a:p>
             <a:pPr lvl="1"/>
             <a:r>
               <a:rPr lang="de-DE" dirty="0" smtClean="0"/>
-              <a:t>Inkl. Dokumentation</a:t>
-            </a:r>
-            <a:endParaRPr lang="en-GB" dirty="0"/>
+              <a:t>Laufseite</a:t>
+            </a:r>
+            <a:endParaRPr lang="de-DE" dirty="0" smtClean="0"/>
           </a:p>
         </p:txBody>
       </p:sp>
@@ -6193,6 +7999,13 @@
   <p:clrMapOvr>
     <a:masterClrMapping/>
   </p:clrMapOvr>
+  <p:timing>
+    <p:tnLst>
+      <p:par>
+        <p:cTn id="1" dur="indefinite" restart="never" nodeType="tmRoot"/>
+      </p:par>
+    </p:tnLst>
+  </p:timing>
 </p:sld>
 </file>
 
@@ -6302,6 +8115,13 @@
   <p:clrMapOvr>
     <a:masterClrMapping/>
   </p:clrMapOvr>
+  <p:timing>
+    <p:tnLst>
+      <p:par>
+        <p:cTn id="1" dur="indefinite" restart="never" nodeType="tmRoot"/>
+      </p:par>
+    </p:tnLst>
+  </p:timing>
 </p:sld>
 </file>
 
@@ -6396,6 +8216,13 @@
   <p:clrMapOvr>
     <a:masterClrMapping/>
   </p:clrMapOvr>
+  <p:timing>
+    <p:tnLst>
+      <p:par>
+        <p:cTn id="1" dur="indefinite" restart="never" nodeType="tmRoot"/>
+      </p:par>
+    </p:tnLst>
+  </p:timing>
 </p:sld>
 </file>
 
@@ -6490,6 +8317,13 @@
   <p:clrMapOvr>
     <a:masterClrMapping/>
   </p:clrMapOvr>
+  <p:timing>
+    <p:tnLst>
+      <p:par>
+        <p:cTn id="1" dur="indefinite" restart="never" nodeType="tmRoot"/>
+      </p:par>
+    </p:tnLst>
+  </p:timing>
 </p:sld>
 </file>
 
@@ -6527,6 +8361,517 @@
           <a:p>
             <a:r>
               <a:rPr lang="de-DE" dirty="0" smtClean="0"/>
+              <a:t>Berechnung der Pace</a:t>
+            </a:r>
+            <a:endParaRPr lang="en-GB" dirty="0"/>
+          </a:p>
+        </p:txBody>
+      </p:sp>
+      <p:sp>
+        <p:nvSpPr>
+          <p:cNvPr id="3" name="Inhaltsplatzhalter 2"/>
+          <p:cNvSpPr>
+            <a:spLocks noGrp="1"/>
+          </p:cNvSpPr>
+          <p:nvPr>
+            <p:ph idx="1"/>
+          </p:nvPr>
+        </p:nvSpPr>
+        <p:spPr/>
+        <p:txBody>
+          <a:bodyPr>
+            <a:normAutofit fontScale="47500" lnSpcReduction="20000"/>
+          </a:bodyPr>
+          <a:lstStyle/>
+          <a:p>
+            <a:pPr marL="0" indent="0">
+              <a:buNone/>
+            </a:pPr>
+            <a:endParaRPr lang="en-GB" dirty="0" smtClean="0"/>
+          </a:p>
+          <a:p>
+            <a:pPr marL="0" indent="0">
+              <a:buNone/>
+            </a:pPr>
+            <a:endParaRPr lang="en-GB" dirty="0"/>
+          </a:p>
+          <a:p>
+            <a:pPr marL="0" indent="0">
+              <a:buNone/>
+            </a:pPr>
+            <a:r>
+              <a:rPr lang="en-GB" dirty="0" smtClean="0"/>
+              <a:t>	</a:t>
+            </a:r>
+            <a:r>
+              <a:rPr lang="en-GB" dirty="0" err="1" smtClean="0"/>
+              <a:t>var</a:t>
+            </a:r>
+            <a:r>
+              <a:rPr lang="en-GB" dirty="0" smtClean="0"/>
+              <a:t> </a:t>
+            </a:r>
+            <a:r>
+              <a:rPr lang="en-GB" dirty="0" err="1"/>
+              <a:t>time_value</a:t>
+            </a:r>
+            <a:r>
+              <a:rPr lang="en-GB" dirty="0"/>
+              <a:t> = </a:t>
+            </a:r>
+            <a:r>
+              <a:rPr lang="en-GB" dirty="0" err="1"/>
+              <a:t>track.time.split</a:t>
+            </a:r>
+            <a:r>
+              <a:rPr lang="en-GB" dirty="0"/>
+              <a:t>(':');</a:t>
+            </a:r>
+          </a:p>
+          <a:p>
+            <a:pPr marL="0" indent="0">
+              <a:buNone/>
+            </a:pPr>
+            <a:r>
+              <a:rPr lang="en-GB" dirty="0"/>
+              <a:t>	</a:t>
+            </a:r>
+            <a:r>
+              <a:rPr lang="en-GB" dirty="0" err="1" smtClean="0"/>
+              <a:t>var</a:t>
+            </a:r>
+            <a:r>
+              <a:rPr lang="en-GB" dirty="0" smtClean="0"/>
+              <a:t> </a:t>
+            </a:r>
+            <a:r>
+              <a:rPr lang="en-GB" dirty="0" err="1"/>
+              <a:t>time_sekunden</a:t>
+            </a:r>
+            <a:r>
+              <a:rPr lang="en-GB" dirty="0"/>
+              <a:t> = (3600 * </a:t>
+            </a:r>
+            <a:r>
+              <a:rPr lang="en-GB" dirty="0" err="1"/>
+              <a:t>time_value</a:t>
+            </a:r>
+            <a:r>
+              <a:rPr lang="en-GB" dirty="0"/>
+              <a:t>[0]) + (60 * </a:t>
+            </a:r>
+            <a:r>
+              <a:rPr lang="en-GB" dirty="0" err="1"/>
+              <a:t>time_value</a:t>
+            </a:r>
+            <a:r>
+              <a:rPr lang="en-GB" dirty="0"/>
+              <a:t>[1]) + (1 * </a:t>
+            </a:r>
+            <a:r>
+              <a:rPr lang="en-GB" dirty="0" err="1"/>
+              <a:t>time_value</a:t>
+            </a:r>
+            <a:r>
+              <a:rPr lang="en-GB" dirty="0"/>
+              <a:t>[2]);</a:t>
+            </a:r>
+          </a:p>
+          <a:p>
+            <a:pPr marL="0" indent="0">
+              <a:buNone/>
+            </a:pPr>
+            <a:r>
+              <a:rPr lang="en-GB" dirty="0"/>
+              <a:t>	</a:t>
+            </a:r>
+            <a:r>
+              <a:rPr lang="en-GB" dirty="0" err="1" smtClean="0"/>
+              <a:t>var</a:t>
+            </a:r>
+            <a:r>
+              <a:rPr lang="en-GB" dirty="0" smtClean="0"/>
+              <a:t> </a:t>
+            </a:r>
+            <a:r>
+              <a:rPr lang="en-GB" dirty="0" err="1"/>
+              <a:t>pace_sekunden</a:t>
+            </a:r>
+            <a:r>
+              <a:rPr lang="en-GB" dirty="0"/>
+              <a:t> = </a:t>
+            </a:r>
+            <a:r>
+              <a:rPr lang="en-GB" dirty="0" err="1"/>
+              <a:t>time_sekunden</a:t>
+            </a:r>
+            <a:r>
+              <a:rPr lang="en-GB" dirty="0"/>
+              <a:t> / </a:t>
+            </a:r>
+            <a:r>
+              <a:rPr lang="en-GB" dirty="0" err="1"/>
+              <a:t>track.distance</a:t>
+            </a:r>
+            <a:r>
+              <a:rPr lang="en-GB" dirty="0"/>
+              <a:t>;</a:t>
+            </a:r>
+          </a:p>
+          <a:p>
+            <a:pPr marL="0" indent="0">
+              <a:buNone/>
+            </a:pPr>
+            <a:r>
+              <a:rPr lang="en-GB" dirty="0"/>
+              <a:t>	</a:t>
+            </a:r>
+            <a:r>
+              <a:rPr lang="en-GB" dirty="0" err="1" smtClean="0"/>
+              <a:t>var</a:t>
+            </a:r>
+            <a:r>
+              <a:rPr lang="en-GB" dirty="0" smtClean="0"/>
+              <a:t> </a:t>
+            </a:r>
+            <a:r>
+              <a:rPr lang="en-GB" dirty="0"/>
+              <a:t>h = </a:t>
+            </a:r>
+            <a:r>
+              <a:rPr lang="en-GB" dirty="0" err="1"/>
+              <a:t>parseInt</a:t>
+            </a:r>
+            <a:r>
+              <a:rPr lang="en-GB" dirty="0"/>
+              <a:t>(</a:t>
+            </a:r>
+            <a:r>
+              <a:rPr lang="en-GB" dirty="0" err="1"/>
+              <a:t>pace_sekunden</a:t>
+            </a:r>
+            <a:r>
+              <a:rPr lang="en-GB" dirty="0"/>
+              <a:t> / 3600);</a:t>
+            </a:r>
+          </a:p>
+          <a:p>
+            <a:pPr marL="0" indent="0">
+              <a:buNone/>
+            </a:pPr>
+            <a:r>
+              <a:rPr lang="en-GB" dirty="0"/>
+              <a:t>		</a:t>
+            </a:r>
+            <a:r>
+              <a:rPr lang="en-GB" dirty="0" smtClean="0"/>
+              <a:t>if(h </a:t>
+            </a:r>
+            <a:r>
+              <a:rPr lang="en-GB" dirty="0"/>
+              <a:t>&lt;10){</a:t>
+            </a:r>
+          </a:p>
+          <a:p>
+            <a:pPr marL="0" indent="0">
+              <a:buNone/>
+            </a:pPr>
+            <a:r>
+              <a:rPr lang="en-GB" dirty="0"/>
+              <a:t>			</a:t>
+            </a:r>
+            <a:r>
+              <a:rPr lang="en-GB" dirty="0" smtClean="0"/>
+              <a:t>h </a:t>
+            </a:r>
+            <a:r>
+              <a:rPr lang="en-GB" dirty="0"/>
+              <a:t>= "0"+h;</a:t>
+            </a:r>
+          </a:p>
+          <a:p>
+            <a:pPr marL="0" indent="0">
+              <a:buNone/>
+            </a:pPr>
+            <a:r>
+              <a:rPr lang="en-GB" dirty="0"/>
+              <a:t>		</a:t>
+            </a:r>
+            <a:r>
+              <a:rPr lang="en-GB" dirty="0" smtClean="0"/>
+              <a:t>}</a:t>
+            </a:r>
+            <a:endParaRPr lang="en-GB" dirty="0"/>
+          </a:p>
+          <a:p>
+            <a:pPr marL="0" indent="0">
+              <a:buNone/>
+            </a:pPr>
+            <a:r>
+              <a:rPr lang="en-GB" dirty="0"/>
+              <a:t>	</a:t>
+            </a:r>
+            <a:r>
+              <a:rPr lang="en-GB" dirty="0" err="1" smtClean="0"/>
+              <a:t>var</a:t>
+            </a:r>
+            <a:r>
+              <a:rPr lang="en-GB" dirty="0" smtClean="0"/>
+              <a:t> </a:t>
+            </a:r>
+            <a:r>
+              <a:rPr lang="en-GB" dirty="0"/>
+              <a:t>m = </a:t>
+            </a:r>
+            <a:r>
+              <a:rPr lang="en-GB" dirty="0" err="1"/>
+              <a:t>parseInt</a:t>
+            </a:r>
+            <a:r>
+              <a:rPr lang="en-GB" dirty="0"/>
+              <a:t>((</a:t>
+            </a:r>
+            <a:r>
+              <a:rPr lang="en-GB" dirty="0" err="1"/>
+              <a:t>pace_sekunden</a:t>
+            </a:r>
+            <a:r>
+              <a:rPr lang="en-GB" dirty="0"/>
+              <a:t> / 60) % 60);</a:t>
+            </a:r>
+          </a:p>
+          <a:p>
+            <a:pPr marL="0" indent="0">
+              <a:buNone/>
+            </a:pPr>
+            <a:r>
+              <a:rPr lang="en-GB" dirty="0"/>
+              <a:t>		</a:t>
+            </a:r>
+            <a:r>
+              <a:rPr lang="en-GB" dirty="0" smtClean="0"/>
+              <a:t>if(m </a:t>
+            </a:r>
+            <a:r>
+              <a:rPr lang="en-GB" dirty="0"/>
+              <a:t>&lt; 10){</a:t>
+            </a:r>
+          </a:p>
+          <a:p>
+            <a:pPr marL="0" indent="0">
+              <a:buNone/>
+            </a:pPr>
+            <a:r>
+              <a:rPr lang="en-GB" dirty="0"/>
+              <a:t>			</a:t>
+            </a:r>
+            <a:r>
+              <a:rPr lang="en-GB" dirty="0" smtClean="0"/>
+              <a:t>m </a:t>
+            </a:r>
+            <a:r>
+              <a:rPr lang="en-GB" dirty="0"/>
+              <a:t>= "0"+m;</a:t>
+            </a:r>
+          </a:p>
+          <a:p>
+            <a:pPr marL="0" indent="0">
+              <a:buNone/>
+            </a:pPr>
+            <a:r>
+              <a:rPr lang="en-GB" dirty="0"/>
+              <a:t>		</a:t>
+            </a:r>
+            <a:r>
+              <a:rPr lang="en-GB" dirty="0" smtClean="0"/>
+              <a:t>}</a:t>
+            </a:r>
+            <a:endParaRPr lang="en-GB" dirty="0"/>
+          </a:p>
+          <a:p>
+            <a:pPr marL="0" indent="0">
+              <a:buNone/>
+            </a:pPr>
+            <a:r>
+              <a:rPr lang="en-GB" dirty="0" smtClean="0"/>
+              <a:t>	</a:t>
+            </a:r>
+            <a:r>
+              <a:rPr lang="en-GB" dirty="0" err="1" smtClean="0"/>
+              <a:t>var</a:t>
+            </a:r>
+            <a:r>
+              <a:rPr lang="en-GB" dirty="0" smtClean="0"/>
+              <a:t> </a:t>
+            </a:r>
+            <a:r>
+              <a:rPr lang="en-GB" dirty="0"/>
+              <a:t>s = </a:t>
+            </a:r>
+            <a:r>
+              <a:rPr lang="en-GB" dirty="0" err="1"/>
+              <a:t>parseInt</a:t>
+            </a:r>
+            <a:r>
+              <a:rPr lang="en-GB" dirty="0"/>
+              <a:t>(</a:t>
+            </a:r>
+            <a:r>
+              <a:rPr lang="en-GB" dirty="0" err="1"/>
+              <a:t>pace_sekunden</a:t>
+            </a:r>
+            <a:r>
+              <a:rPr lang="en-GB" dirty="0"/>
+              <a:t> % 60);</a:t>
+            </a:r>
+          </a:p>
+          <a:p>
+            <a:pPr marL="0" indent="0">
+              <a:buNone/>
+            </a:pPr>
+            <a:r>
+              <a:rPr lang="en-GB" dirty="0"/>
+              <a:t>		</a:t>
+            </a:r>
+            <a:r>
+              <a:rPr lang="en-GB" dirty="0" smtClean="0"/>
+              <a:t>if(s </a:t>
+            </a:r>
+            <a:r>
+              <a:rPr lang="en-GB" dirty="0"/>
+              <a:t>&lt; 10){</a:t>
+            </a:r>
+          </a:p>
+          <a:p>
+            <a:pPr marL="0" indent="0">
+              <a:buNone/>
+            </a:pPr>
+            <a:r>
+              <a:rPr lang="en-GB" dirty="0"/>
+              <a:t>			</a:t>
+            </a:r>
+            <a:r>
+              <a:rPr lang="en-GB" dirty="0" smtClean="0"/>
+              <a:t>s </a:t>
+            </a:r>
+            <a:r>
+              <a:rPr lang="en-GB" dirty="0"/>
+              <a:t>= "0"+s;</a:t>
+            </a:r>
+          </a:p>
+          <a:p>
+            <a:pPr marL="0" indent="0">
+              <a:buNone/>
+            </a:pPr>
+            <a:r>
+              <a:rPr lang="en-GB" dirty="0"/>
+              <a:t>		</a:t>
+            </a:r>
+            <a:r>
+              <a:rPr lang="en-GB" dirty="0" smtClean="0"/>
+              <a:t>}</a:t>
+            </a:r>
+            <a:endParaRPr lang="en-GB" dirty="0"/>
+          </a:p>
+          <a:p>
+            <a:pPr marL="0" indent="0">
+              <a:buNone/>
+            </a:pPr>
+            <a:r>
+              <a:rPr lang="en-GB" dirty="0"/>
+              <a:t>	</a:t>
+            </a:r>
+            <a:r>
+              <a:rPr lang="en-GB" dirty="0" err="1" smtClean="0"/>
+              <a:t>var</a:t>
+            </a:r>
+            <a:r>
+              <a:rPr lang="en-GB" dirty="0" smtClean="0"/>
+              <a:t> </a:t>
+            </a:r>
+            <a:r>
+              <a:rPr lang="en-GB" dirty="0" err="1"/>
+              <a:t>pace_value</a:t>
+            </a:r>
+            <a:r>
+              <a:rPr lang="en-GB" dirty="0"/>
+              <a:t> = h+':'+m+':'+s;</a:t>
+            </a:r>
+          </a:p>
+          <a:p>
+            <a:pPr marL="0" indent="0">
+              <a:buNone/>
+            </a:pPr>
+            <a:r>
+              <a:rPr lang="en-GB" dirty="0"/>
+              <a:t>	</a:t>
+            </a:r>
+            <a:r>
+              <a:rPr lang="en-GB" dirty="0" err="1" smtClean="0"/>
+              <a:t>this.element.find</a:t>
+            </a:r>
+            <a:r>
+              <a:rPr lang="en-GB" dirty="0"/>
+              <a:t>(".pace").text(</a:t>
+            </a:r>
+            <a:r>
+              <a:rPr lang="en-GB" dirty="0" err="1"/>
+              <a:t>pace_value</a:t>
+            </a:r>
+            <a:r>
+              <a:rPr lang="en-GB" dirty="0" smtClean="0"/>
+              <a:t>);</a:t>
+            </a:r>
+          </a:p>
+        </p:txBody>
+      </p:sp>
+    </p:spTree>
+    <p:extLst>
+      <p:ext uri="{BB962C8B-B14F-4D97-AF65-F5344CB8AC3E}">
+        <p14:creationId xmlns:p14="http://schemas.microsoft.com/office/powerpoint/2010/main" val="2507646877"/>
+      </p:ext>
+    </p:extLst>
+  </p:cSld>
+  <p:clrMapOvr>
+    <a:masterClrMapping/>
+  </p:clrMapOvr>
+</p:sld>
+</file>
+
+<file path=ppt/slides/slide8.xml><?xml version="1.0" encoding="utf-8"?>
+<p:sld xmlns:a="http://schemas.openxmlformats.org/drawingml/2006/main" xmlns:r="http://schemas.openxmlformats.org/officeDocument/2006/relationships" xmlns:p="http://schemas.openxmlformats.org/presentationml/2006/main">
+  <p:cSld>
+    <p:spTree>
+      <p:nvGrpSpPr>
+        <p:cNvPr id="1" name=""/>
+        <p:cNvGrpSpPr/>
+        <p:nvPr/>
+      </p:nvGrpSpPr>
+      <p:grpSpPr>
+        <a:xfrm>
+          <a:off x="0" y="0"/>
+          <a:ext cx="0" cy="0"/>
+          <a:chOff x="0" y="0"/>
+          <a:chExt cx="0" cy="0"/>
+        </a:xfrm>
+      </p:grpSpPr>
+      <p:sp>
+        <p:nvSpPr>
+          <p:cNvPr id="2" name="Titel 1"/>
+          <p:cNvSpPr>
+            <a:spLocks noGrp="1"/>
+          </p:cNvSpPr>
+          <p:nvPr>
+            <p:ph type="title"/>
+          </p:nvPr>
+        </p:nvSpPr>
+        <p:spPr/>
+        <p:txBody>
+          <a:bodyPr/>
+          <a:lstStyle/>
+          <a:p>
+            <a:r>
+              <a:rPr lang="de-DE" dirty="0" smtClean="0"/>
               <a:t>Datenbank</a:t>
             </a:r>
             <a:endParaRPr lang="en-GB" dirty="0"/>
@@ -6567,11 +8912,7 @@
           <a:p>
             <a:r>
               <a:rPr lang="de-DE" dirty="0" smtClean="0"/>
-              <a:t>Tabelle </a:t>
-            </a:r>
-            <a:r>
-              <a:rPr lang="de-DE" dirty="0" smtClean="0"/>
-              <a:t>„</a:t>
+              <a:t>Tabelle „</a:t>
             </a:r>
             <a:r>
               <a:rPr lang="de-DE" dirty="0" err="1" smtClean="0"/>
@@ -6671,10 +9012,17 @@
   <p:clrMapOvr>
     <a:masterClrMapping/>
   </p:clrMapOvr>
+  <p:timing>
+    <p:tnLst>
+      <p:par>
+        <p:cTn id="1" dur="indefinite" restart="never" nodeType="tmRoot"/>
+      </p:par>
+    </p:tnLst>
+  </p:timing>
 </p:sld>
 </file>
 
-<file path=ppt/slides/slide8.xml><?xml version="1.0" encoding="utf-8"?>
+<file path=ppt/slides/slide9.xml><?xml version="1.0" encoding="utf-8"?>
 <p:sld xmlns:a="http://schemas.openxmlformats.org/drawingml/2006/main" xmlns:r="http://schemas.openxmlformats.org/officeDocument/2006/relationships" xmlns:p="http://schemas.openxmlformats.org/presentationml/2006/main">
   <p:cSld>
     <p:spTree>
@@ -6708,7 +9056,7 @@
           <a:p>
             <a:r>
               <a:rPr lang="de-DE" dirty="0" smtClean="0"/>
-              <a:t>Webservice</a:t>
+              <a:t>Authentifizierung</a:t>
             </a:r>
             <a:endParaRPr lang="en-GB" dirty="0"/>
           </a:p>
@@ -6716,7 +9064,7 @@
       </p:sp>
       <p:pic>
         <p:nvPicPr>
-          <p:cNvPr id="1026" name="Picture 2" descr="C:\Users\Patrick\Desktop\Dropbox\RFH Koeln\Web-Mobile Development\Projekt\Struktur.jpg"/>
+          <p:cNvPr id="1026" name="Picture 2" descr="C:\Users\Xerox\Desktop\Dropbox\RFH Koeln\Web-Mobile Development\Projekt\login.JPG"/>
           <p:cNvPicPr>
             <a:picLocks noChangeAspect="1" noChangeArrowheads="1"/>
           </p:cNvPicPr>
@@ -6737,8 +9085,8 @@
         </p:blipFill>
         <p:spPr bwMode="auto">
           <a:xfrm>
-            <a:off x="590104" y="1988840"/>
-            <a:ext cx="7934325" cy="3219450"/>
+            <a:off x="827584" y="1772816"/>
+            <a:ext cx="7553325" cy="3924300"/>
           </a:xfrm>
           <a:prstGeom prst="rect">
             <a:avLst/>
@@ -6758,101 +9106,7 @@
     </p:spTree>
     <p:extLst>
       <p:ext uri="{BB962C8B-B14F-4D97-AF65-F5344CB8AC3E}">
-        <p14:creationId xmlns:p14="http://schemas.microsoft.com/office/powerpoint/2010/main" val="4043707829"/>
-      </p:ext>
-    </p:extLst>
-  </p:cSld>
-  <p:clrMapOvr>
-    <a:masterClrMapping/>
-  </p:clrMapOvr>
-</p:sld>
-</file>
-
-<file path=ppt/slides/slide9.xml><?xml version="1.0" encoding="utf-8"?>
-<p:sld xmlns:a="http://schemas.openxmlformats.org/drawingml/2006/main" xmlns:r="http://schemas.openxmlformats.org/officeDocument/2006/relationships" xmlns:p="http://schemas.openxmlformats.org/presentationml/2006/main">
-  <p:cSld>
-    <p:spTree>
-      <p:nvGrpSpPr>
-        <p:cNvPr id="1" name=""/>
-        <p:cNvGrpSpPr/>
-        <p:nvPr/>
-      </p:nvGrpSpPr>
-      <p:grpSpPr>
-        <a:xfrm>
-          <a:off x="0" y="0"/>
-          <a:ext cx="0" cy="0"/>
-          <a:chOff x="0" y="0"/>
-          <a:chExt cx="0" cy="0"/>
-        </a:xfrm>
-      </p:grpSpPr>
-      <p:sp>
-        <p:nvSpPr>
-          <p:cNvPr id="2" name="Titel 1"/>
-          <p:cNvSpPr>
-            <a:spLocks noGrp="1"/>
-          </p:cNvSpPr>
-          <p:nvPr>
-            <p:ph type="title"/>
-          </p:nvPr>
-        </p:nvSpPr>
-        <p:spPr/>
-        <p:txBody>
-          <a:bodyPr/>
-          <a:lstStyle/>
-          <a:p>
-            <a:r>
-              <a:rPr lang="de-DE" dirty="0" smtClean="0"/>
-              <a:t>Webclient</a:t>
-            </a:r>
-            <a:endParaRPr lang="en-GB" dirty="0"/>
-          </a:p>
-        </p:txBody>
-      </p:sp>
-      <p:pic>
-        <p:nvPicPr>
-          <p:cNvPr id="4098" name="Picture 2" descr="C:\Users\Patrick\Desktop\Dropbox\RFH Koeln\Web-Mobile Development\Projekt\strukturwc.jpg"/>
-          <p:cNvPicPr>
-            <a:picLocks noChangeAspect="1" noChangeArrowheads="1"/>
-          </p:cNvPicPr>
-          <p:nvPr/>
-        </p:nvPicPr>
-        <p:blipFill>
-          <a:blip r:embed="rId2">
-            <a:extLst>
-              <a:ext uri="{28A0092B-C50C-407E-A947-70E740481C1C}">
-                <a14:useLocalDpi xmlns:a14="http://schemas.microsoft.com/office/drawing/2010/main" val="0"/>
-              </a:ext>
-            </a:extLst>
-          </a:blip>
-          <a:srcRect/>
-          <a:stretch>
-            <a:fillRect/>
-          </a:stretch>
-        </p:blipFill>
-        <p:spPr bwMode="auto">
-          <a:xfrm>
-            <a:off x="755576" y="1628800"/>
-            <a:ext cx="7372350" cy="3829050"/>
-          </a:xfrm>
-          <a:prstGeom prst="rect">
-            <a:avLst/>
-          </a:prstGeom>
-          <a:noFill/>
-          <a:extLst>
-            <a:ext uri="{909E8E84-426E-40DD-AFC4-6F175D3DCCD1}">
-              <a14:hiddenFill xmlns:a14="http://schemas.microsoft.com/office/drawing/2010/main">
-                <a:solidFill>
-                  <a:srgbClr val="FFFFFF"/>
-                </a:solidFill>
-              </a14:hiddenFill>
-            </a:ext>
-          </a:extLst>
-        </p:spPr>
-      </p:pic>
-    </p:spTree>
-    <p:extLst>
-      <p:ext uri="{BB962C8B-B14F-4D97-AF65-F5344CB8AC3E}">
-        <p14:creationId xmlns:p14="http://schemas.microsoft.com/office/powerpoint/2010/main" val="2012440889"/>
+        <p14:creationId xmlns:p14="http://schemas.microsoft.com/office/powerpoint/2010/main" val="761824485"/>
       </p:ext>
     </p:extLst>
   </p:cSld>
@@ -7143,4 +9397,289 @@
   <a:objectDefaults/>
   <a:extraClrSchemeLst/>
 </a:theme>
+</file>
+
+<file path=ppt/theme/theme2.xml><?xml version="1.0" encoding="utf-8"?>
+<a:theme xmlns:a="http://schemas.openxmlformats.org/drawingml/2006/main" name="Larissa">
+  <a:themeElements>
+    <a:clrScheme name="Larissa">
+      <a:dk1>
+        <a:sysClr val="windowText" lastClr="000000"/>
+      </a:dk1>
+      <a:lt1>
+        <a:sysClr val="window" lastClr="FFFFFF"/>
+      </a:lt1>
+      <a:dk2>
+        <a:srgbClr val="1F497D"/>
+      </a:dk2>
+      <a:lt2>
+        <a:srgbClr val="EEECE1"/>
+      </a:lt2>
+      <a:accent1>
+        <a:srgbClr val="4F81BD"/>
+      </a:accent1>
+      <a:accent2>
+        <a:srgbClr val="C0504D"/>
+      </a:accent2>
+      <a:accent3>
+        <a:srgbClr val="9BBB59"/>
+      </a:accent3>
+      <a:accent4>
+        <a:srgbClr val="8064A2"/>
+      </a:accent4>
+      <a:accent5>
+        <a:srgbClr val="4BACC6"/>
+      </a:accent5>
+      <a:accent6>
+        <a:srgbClr val="F79646"/>
+      </a:accent6>
+      <a:hlink>
+        <a:srgbClr val="0000FF"/>
+      </a:hlink>
+      <a:folHlink>
+        <a:srgbClr val="800080"/>
+      </a:folHlink>
+    </a:clrScheme>
+    <a:fontScheme name="Larissa">
+      <a:majorFont>
+        <a:latin typeface="Calibri"/>
+        <a:ea typeface=""/>
+        <a:cs typeface=""/>
+        <a:font script="Jpan" typeface="ＭＳ Ｐゴシック"/>
+        <a:font script="Hang" typeface="맑은 고딕"/>
+        <a:font script="Hans" typeface="宋体"/>
+        <a:font script="Hant" typeface="新細明體"/>
+        <a:font script="Arab" typeface="Times New Roman"/>
+        <a:font script="Hebr" typeface="Times New Roman"/>
+        <a:font script="Thai" typeface="Angsana New"/>
+        <a:font script="Ethi" typeface="Nyala"/>
+        <a:font script="Beng" typeface="Vrinda"/>
+        <a:font script="Gujr" typeface="Shruti"/>
+        <a:font script="Khmr" typeface="MoolBoran"/>
+        <a:font script="Knda" typeface="Tunga"/>
+        <a:font script="Guru" typeface="Raavi"/>
+        <a:font script="Cans" typeface="Euphemia"/>
+        <a:font script="Cher" typeface="Plantagenet Cherokee"/>
+        <a:font script="Yiii" typeface="Microsoft Yi Baiti"/>
+        <a:font script="Tibt" typeface="Microsoft Himalaya"/>
+        <a:font script="Thaa" typeface="MV Boli"/>
+        <a:font script="Deva" typeface="Mangal"/>
+        <a:font script="Telu" typeface="Gautami"/>
+        <a:font script="Taml" typeface="Latha"/>
+        <a:font script="Syrc" typeface="Estrangelo Edessa"/>
+        <a:font script="Orya" typeface="Kalinga"/>
+        <a:font script="Mlym" typeface="Kartika"/>
+        <a:font script="Laoo" typeface="DokChampa"/>
+        <a:font script="Sinh" typeface="Iskoola Pota"/>
+        <a:font script="Mong" typeface="Mongolian Baiti"/>
+        <a:font script="Viet" typeface="Times New Roman"/>
+        <a:font script="Uigh" typeface="Microsoft Uighur"/>
+        <a:font script="Geor" typeface="Sylfaen"/>
+      </a:majorFont>
+      <a:minorFont>
+        <a:latin typeface="Calibri"/>
+        <a:ea typeface=""/>
+        <a:cs typeface=""/>
+        <a:font script="Jpan" typeface="ＭＳ Ｐゴシック"/>
+        <a:font script="Hang" typeface="맑은 고딕"/>
+        <a:font script="Hans" typeface="宋体"/>
+        <a:font script="Hant" typeface="新細明體"/>
+        <a:font script="Arab" typeface="Arial"/>
+        <a:font script="Hebr" typeface="Arial"/>
+        <a:font script="Thai" typeface="Cordia New"/>
+        <a:font script="Ethi" typeface="Nyala"/>
+        <a:font script="Beng" typeface="Vrinda"/>
+        <a:font script="Gujr" typeface="Shruti"/>
+        <a:font script="Khmr" typeface="DaunPenh"/>
+        <a:font script="Knda" typeface="Tunga"/>
+        <a:font script="Guru" typeface="Raavi"/>
+        <a:font script="Cans" typeface="Euphemia"/>
+        <a:font script="Cher" typeface="Plantagenet Cherokee"/>
+        <a:font script="Yiii" typeface="Microsoft Yi Baiti"/>
+        <a:font script="Tibt" typeface="Microsoft Himalaya"/>
+        <a:font script="Thaa" typeface="MV Boli"/>
+        <a:font script="Deva" typeface="Mangal"/>
+        <a:font script="Telu" typeface="Gautami"/>
+        <a:font script="Taml" typeface="Latha"/>
+        <a:font script="Syrc" typeface="Estrangelo Edessa"/>
+        <a:font script="Orya" typeface="Kalinga"/>
+        <a:font script="Mlym" typeface="Kartika"/>
+        <a:font script="Laoo" typeface="DokChampa"/>
+        <a:font script="Sinh" typeface="Iskoola Pota"/>
+        <a:font script="Mong" typeface="Mongolian Baiti"/>
+        <a:font script="Viet" typeface="Arial"/>
+        <a:font script="Uigh" typeface="Microsoft Uighur"/>
+        <a:font script="Geor" typeface="Sylfaen"/>
+      </a:minorFont>
+    </a:fontScheme>
+    <a:fmtScheme name="Larissa">
+      <a:fillStyleLst>
+        <a:solidFill>
+          <a:schemeClr val="phClr"/>
+        </a:solidFill>
+        <a:gradFill rotWithShape="1">
+          <a:gsLst>
+            <a:gs pos="0">
+              <a:schemeClr val="phClr">
+                <a:tint val="50000"/>
+                <a:satMod val="300000"/>
+              </a:schemeClr>
+            </a:gs>
+            <a:gs pos="35000">
+              <a:schemeClr val="phClr">
+                <a:tint val="37000"/>
+                <a:satMod val="300000"/>
+              </a:schemeClr>
+            </a:gs>
+            <a:gs pos="100000">
+              <a:schemeClr val="phClr">
+                <a:tint val="15000"/>
+                <a:satMod val="350000"/>
+              </a:schemeClr>
+            </a:gs>
+          </a:gsLst>
+          <a:lin ang="16200000" scaled="1"/>
+        </a:gradFill>
+        <a:gradFill rotWithShape="1">
+          <a:gsLst>
+            <a:gs pos="0">
+              <a:schemeClr val="phClr">
+                <a:shade val="51000"/>
+                <a:satMod val="130000"/>
+              </a:schemeClr>
+            </a:gs>
+            <a:gs pos="80000">
+              <a:schemeClr val="phClr">
+                <a:shade val="93000"/>
+                <a:satMod val="130000"/>
+              </a:schemeClr>
+            </a:gs>
+            <a:gs pos="100000">
+              <a:schemeClr val="phClr">
+                <a:shade val="94000"/>
+                <a:satMod val="135000"/>
+              </a:schemeClr>
+            </a:gs>
+          </a:gsLst>
+          <a:lin ang="16200000" scaled="0"/>
+        </a:gradFill>
+      </a:fillStyleLst>
+      <a:lnStyleLst>
+        <a:ln w="9525" cap="flat" cmpd="sng" algn="ctr">
+          <a:solidFill>
+            <a:schemeClr val="phClr">
+              <a:shade val="95000"/>
+              <a:satMod val="105000"/>
+            </a:schemeClr>
+          </a:solidFill>
+          <a:prstDash val="solid"/>
+        </a:ln>
+        <a:ln w="25400" cap="flat" cmpd="sng" algn="ctr">
+          <a:solidFill>
+            <a:schemeClr val="phClr"/>
+          </a:solidFill>
+          <a:prstDash val="solid"/>
+        </a:ln>
+        <a:ln w="38100" cap="flat" cmpd="sng" algn="ctr">
+          <a:solidFill>
+            <a:schemeClr val="phClr"/>
+          </a:solidFill>
+          <a:prstDash val="solid"/>
+        </a:ln>
+      </a:lnStyleLst>
+      <a:effectStyleLst>
+        <a:effectStyle>
+          <a:effectLst>
+            <a:outerShdw blurRad="40000" dist="20000" dir="5400000" rotWithShape="0">
+              <a:srgbClr val="000000">
+                <a:alpha val="38000"/>
+              </a:srgbClr>
+            </a:outerShdw>
+          </a:effectLst>
+        </a:effectStyle>
+        <a:effectStyle>
+          <a:effectLst>
+            <a:outerShdw blurRad="40000" dist="23000" dir="5400000" rotWithShape="0">
+              <a:srgbClr val="000000">
+                <a:alpha val="35000"/>
+              </a:srgbClr>
+            </a:outerShdw>
+          </a:effectLst>
+        </a:effectStyle>
+        <a:effectStyle>
+          <a:effectLst>
+            <a:outerShdw blurRad="40000" dist="23000" dir="5400000" rotWithShape="0">
+              <a:srgbClr val="000000">
+                <a:alpha val="35000"/>
+              </a:srgbClr>
+            </a:outerShdw>
+          </a:effectLst>
+          <a:scene3d>
+            <a:camera prst="orthographicFront">
+              <a:rot lat="0" lon="0" rev="0"/>
+            </a:camera>
+            <a:lightRig rig="threePt" dir="t">
+              <a:rot lat="0" lon="0" rev="1200000"/>
+            </a:lightRig>
+          </a:scene3d>
+          <a:sp3d>
+            <a:bevelT w="63500" h="25400"/>
+          </a:sp3d>
+        </a:effectStyle>
+      </a:effectStyleLst>
+      <a:bgFillStyleLst>
+        <a:solidFill>
+          <a:schemeClr val="phClr"/>
+        </a:solidFill>
+        <a:gradFill rotWithShape="1">
+          <a:gsLst>
+            <a:gs pos="0">
+              <a:schemeClr val="phClr">
+                <a:tint val="40000"/>
+                <a:satMod val="350000"/>
+              </a:schemeClr>
+            </a:gs>
+            <a:gs pos="40000">
+              <a:schemeClr val="phClr">
+                <a:tint val="45000"/>
+                <a:shade val="99000"/>
+                <a:satMod val="350000"/>
+              </a:schemeClr>
+            </a:gs>
+            <a:gs pos="100000">
+              <a:schemeClr val="phClr">
+                <a:shade val="20000"/>
+                <a:satMod val="255000"/>
+              </a:schemeClr>
+            </a:gs>
+          </a:gsLst>
+          <a:path path="circle">
+            <a:fillToRect l="50000" t="-80000" r="50000" b="180000"/>
+          </a:path>
+        </a:gradFill>
+        <a:gradFill rotWithShape="1">
+          <a:gsLst>
+            <a:gs pos="0">
+              <a:schemeClr val="phClr">
+                <a:tint val="80000"/>
+                <a:satMod val="300000"/>
+              </a:schemeClr>
+            </a:gs>
+            <a:gs pos="100000">
+              <a:schemeClr val="phClr">
+                <a:shade val="30000"/>
+                <a:satMod val="200000"/>
+              </a:schemeClr>
+            </a:gs>
+          </a:gsLst>
+          <a:path path="circle">
+            <a:fillToRect l="50000" t="50000" r="50000" b="50000"/>
+          </a:path>
+        </a:gradFill>
+      </a:bgFillStyleLst>
+    </a:fmtScheme>
+  </a:themeElements>
+  <a:objectDefaults/>
+  <a:extraClrSchemeLst/>
+</a:theme>
 </file>